--- a/lectures/070_object_oriented_contd/Constructors-ToString.pptx
+++ b/lectures/070_object_oriented_contd/Constructors-ToString.pptx
@@ -3136,7 +3136,7 @@
           <a:p>
             <a:fld id="{2507D560-C4D4-4804-8CBF-2C56AB6C6DB9}" type="datetimeFigureOut">
               <a:rPr lang="en-US" smtClean="0"/>
-              <a:t>5/26/2021</a:t>
+              <a:t>5/28/2021</a:t>
             </a:fld>
             <a:endParaRPr lang="en-US"/>
           </a:p>
@@ -3301,7 +3301,7 @@
           <a:p>
             <a:fld id="{688E7586-9A7B-41FF-B169-85DADA744493}" type="datetimeFigureOut">
               <a:rPr lang="en-US" smtClean="0"/>
-              <a:t>5/26/2021</a:t>
+              <a:t>5/28/2021</a:t>
             </a:fld>
             <a:endParaRPr lang="en-US"/>
           </a:p>
@@ -13177,7 +13177,7 @@
               </a:lnSpc>
             </a:pPr>
             <a:r>
-              <a:rPr lang="en-US" dirty="0">
+              <a:rPr lang="en-US" dirty="0" smtClean="0">
                 <a:solidFill>
                   <a:schemeClr val="tx1"/>
                 </a:solidFill>
@@ -13185,7 +13185,7 @@
               <a:t>  </a:t>
             </a:r>
             <a:r>
-              <a:rPr lang="en-US" dirty="0" err="1">
+              <a:rPr lang="en-US" dirty="0" err="1" smtClean="0">
                 <a:solidFill>
                   <a:srgbClr val="66FFCC"/>
                 </a:solidFill>
@@ -13193,7 +13193,7 @@
               <a:t>ClassRoom</a:t>
             </a:r>
             <a:r>
-              <a:rPr lang="en-US" dirty="0">
+              <a:rPr lang="en-US" dirty="0" smtClean="0">
                 <a:solidFill>
                   <a:schemeClr val="tx1"/>
                 </a:solidFill>
@@ -13201,7 +13201,7 @@
               <a:t> </a:t>
             </a:r>
             <a:r>
-              <a:rPr lang="en-US" dirty="0" err="1">
+              <a:rPr lang="en-US" dirty="0" err="1" smtClean="0">
                 <a:solidFill>
                   <a:schemeClr val="tx1"/>
                 </a:solidFill>
@@ -13209,7 +13209,7 @@
               <a:t>english</a:t>
             </a:r>
             <a:r>
-              <a:rPr lang="en-US" dirty="0">
+              <a:rPr lang="en-US" dirty="0" smtClean="0">
                 <a:solidFill>
                   <a:schemeClr val="tx1"/>
                 </a:solidFill>
@@ -13217,11 +13217,11 @@
               <a:t> = </a:t>
             </a:r>
             <a:r>
-              <a:rPr lang="en-US" dirty="0"/>
+              <a:rPr lang="en-US" dirty="0" smtClean="0"/>
               <a:t>new</a:t>
             </a:r>
             <a:r>
-              <a:rPr lang="en-US" dirty="0">
+              <a:rPr lang="en-US" dirty="0" smtClean="0">
                 <a:solidFill>
                   <a:schemeClr val="tx1"/>
                 </a:solidFill>
@@ -13229,7 +13229,7 @@
               <a:t> </a:t>
             </a:r>
             <a:r>
-              <a:rPr lang="en-US" dirty="0" err="1">
+              <a:rPr lang="en-US" dirty="0" err="1" smtClean="0">
                 <a:solidFill>
                   <a:srgbClr val="66FFCC"/>
                 </a:solidFill>
@@ -13237,7 +13237,7 @@
               <a:t>ClassRoom</a:t>
             </a:r>
             <a:r>
-              <a:rPr lang="en-US" dirty="0">
+              <a:rPr lang="en-US" dirty="0" smtClean="0">
                 <a:solidFill>
                   <a:schemeClr val="tx1"/>
                 </a:solidFill>
@@ -13252,7 +13252,7 @@
               </a:lnSpc>
             </a:pPr>
             <a:r>
-              <a:rPr lang="en-US" dirty="0">
+              <a:rPr lang="en-US" dirty="0" smtClean="0">
                 <a:solidFill>
                   <a:schemeClr val="tx1"/>
                 </a:solidFill>
@@ -13260,7 +13260,7 @@
               <a:t>  </a:t>
             </a:r>
             <a:r>
-              <a:rPr lang="en-US" dirty="0">
+              <a:rPr lang="en-US" dirty="0" smtClean="0">
                 <a:solidFill>
                   <a:srgbClr val="92D050"/>
                 </a:solidFill>
@@ -13268,7 +13268,7 @@
               <a:t>//</a:t>
             </a:r>
             <a:r>
-              <a:rPr lang="en-US" dirty="0" err="1">
+              <a:rPr lang="en-US" dirty="0" err="1" smtClean="0">
                 <a:solidFill>
                   <a:srgbClr val="92D050"/>
                 </a:solidFill>
@@ -13276,7 +13276,7 @@
               <a:t>english</a:t>
             </a:r>
             <a:r>
-              <a:rPr lang="en-US" dirty="0">
+              <a:rPr lang="en-US" dirty="0" smtClean="0">
                 <a:solidFill>
                   <a:srgbClr val="92D050"/>
                 </a:solidFill>
@@ -13291,13 +13291,18 @@
               </a:lnSpc>
             </a:pPr>
             <a:r>
-              <a:rPr lang="en-US" dirty="0">
+              <a:rPr lang="en-US" dirty="0" smtClean="0">
                 <a:solidFill>
                   <a:schemeClr val="tx1"/>
                 </a:solidFill>
               </a:rPr>
               <a:t>}</a:t>
             </a:r>
+            <a:endParaRPr lang="en-US" dirty="0">
+              <a:solidFill>
+                <a:schemeClr val="tx1"/>
+              </a:solidFill>
+            </a:endParaRPr>
           </a:p>
         </p:txBody>
       </p:sp>

--- a/lectures/070_object_oriented_contd/Constructors-ToString.pptx
+++ b/lectures/070_object_oriented_contd/Constructors-ToString.pptx
@@ -3136,7 +3136,7 @@
           <a:p>
             <a:fld id="{2507D560-C4D4-4804-8CBF-2C56AB6C6DB9}" type="datetimeFigureOut">
               <a:rPr lang="en-US" smtClean="0"/>
-              <a:t>5/28/2021</a:t>
+              <a:t>8/16/2021</a:t>
             </a:fld>
             <a:endParaRPr lang="en-US"/>
           </a:p>
@@ -3301,7 +3301,7 @@
           <a:p>
             <a:fld id="{688E7586-9A7B-41FF-B169-85DADA744493}" type="datetimeFigureOut">
               <a:rPr lang="en-US" smtClean="0"/>
-              <a:t>5/28/2021</a:t>
+              <a:t>8/16/2021</a:t>
             </a:fld>
             <a:endParaRPr lang="en-US"/>
           </a:p>
@@ -6933,8 +6933,8 @@
           </a:p>
           <a:p>
             <a:r>
-              <a:rPr lang="en-US" dirty="0"/>
-              <a:t>Spring </a:t>
+              <a:rPr lang="en-US" smtClean="0"/>
+              <a:t>Spring/Fall </a:t>
             </a:r>
             <a:r>
               <a:rPr lang="en-US" dirty="0" smtClean="0"/>

--- a/lectures/070_object_oriented_contd/Constructors-ToString.pptx
+++ b/lectures/070_object_oriented_contd/Constructors-ToString.pptx
@@ -5,10 +5,10 @@
     <p:sldMasterId id="2147483732" r:id="rId1"/>
   </p:sldMasterIdLst>
   <p:notesMasterIdLst>
-    <p:notesMasterId r:id="rId26"/>
+    <p:notesMasterId r:id="rId32"/>
   </p:notesMasterIdLst>
   <p:handoutMasterIdLst>
-    <p:handoutMasterId r:id="rId27"/>
+    <p:handoutMasterId r:id="rId33"/>
   </p:handoutMasterIdLst>
   <p:sldIdLst>
     <p:sldId id="256" r:id="rId2"/>
@@ -29,12 +29,18 @@
     <p:sldId id="343" r:id="rId17"/>
     <p:sldId id="344" r:id="rId18"/>
     <p:sldId id="345" r:id="rId19"/>
-    <p:sldId id="346" r:id="rId20"/>
-    <p:sldId id="347" r:id="rId21"/>
-    <p:sldId id="348" r:id="rId22"/>
-    <p:sldId id="349" r:id="rId23"/>
-    <p:sldId id="350" r:id="rId24"/>
-    <p:sldId id="351" r:id="rId25"/>
+    <p:sldId id="352" r:id="rId20"/>
+    <p:sldId id="346" r:id="rId21"/>
+    <p:sldId id="353" r:id="rId22"/>
+    <p:sldId id="356" r:id="rId23"/>
+    <p:sldId id="347" r:id="rId24"/>
+    <p:sldId id="358" r:id="rId25"/>
+    <p:sldId id="357" r:id="rId26"/>
+    <p:sldId id="348" r:id="rId27"/>
+    <p:sldId id="349" r:id="rId28"/>
+    <p:sldId id="351" r:id="rId29"/>
+    <p:sldId id="350" r:id="rId30"/>
+    <p:sldId id="355" r:id="rId31"/>
   </p:sldIdLst>
   <p:sldSz cx="12188825" cy="6858000"/>
   <p:notesSz cx="6858000" cy="9144000"/>
@@ -3136,7 +3142,7 @@
           <a:p>
             <a:fld id="{2507D560-C4D4-4804-8CBF-2C56AB6C6DB9}" type="datetimeFigureOut">
               <a:rPr lang="en-US" smtClean="0"/>
-              <a:t>8/16/2021</a:t>
+              <a:t>9/30/2021</a:t>
             </a:fld>
             <a:endParaRPr lang="en-US"/>
           </a:p>
@@ -3301,7 +3307,7 @@
           <a:p>
             <a:fld id="{688E7586-9A7B-41FF-B169-85DADA744493}" type="datetimeFigureOut">
               <a:rPr lang="en-US" smtClean="0"/>
-              <a:t>8/16/2021</a:t>
+              <a:t>9/30/2021</a:t>
             </a:fld>
             <a:endParaRPr lang="en-US"/>
           </a:p>
@@ -3566,6 +3572,98 @@
     </a:lvl9pPr>
   </p:notesStyle>
 </p:notesMaster>
+</file>
+
+<file path=ppt/notesSlides/notesSlide1.xml><?xml version="1.0" encoding="utf-8"?>
+<p:notes xmlns:a="http://schemas.openxmlformats.org/drawingml/2006/main" xmlns:r="http://schemas.openxmlformats.org/officeDocument/2006/relationships" xmlns:p="http://schemas.openxmlformats.org/presentationml/2006/main">
+  <p:cSld>
+    <p:spTree>
+      <p:nvGrpSpPr>
+        <p:cNvPr id="1" name=""/>
+        <p:cNvGrpSpPr/>
+        <p:nvPr/>
+      </p:nvGrpSpPr>
+      <p:grpSpPr>
+        <a:xfrm>
+          <a:off x="0" y="0"/>
+          <a:ext cx="0" cy="0"/>
+          <a:chOff x="0" y="0"/>
+          <a:chExt cx="0" cy="0"/>
+        </a:xfrm>
+      </p:grpSpPr>
+      <p:sp>
+        <p:nvSpPr>
+          <p:cNvPr id="2" name="Slide Image Placeholder 1"/>
+          <p:cNvSpPr>
+            <a:spLocks noGrp="1" noRot="1" noChangeAspect="1"/>
+          </p:cNvSpPr>
+          <p:nvPr>
+            <p:ph type="sldImg"/>
+          </p:nvPr>
+        </p:nvSpPr>
+        <p:spPr/>
+      </p:sp>
+      <p:sp>
+        <p:nvSpPr>
+          <p:cNvPr id="3" name="Notes Placeholder 2"/>
+          <p:cNvSpPr>
+            <a:spLocks noGrp="1"/>
+          </p:cNvSpPr>
+          <p:nvPr>
+            <p:ph type="body" idx="1"/>
+          </p:nvPr>
+        </p:nvSpPr>
+        <p:spPr/>
+        <p:txBody>
+          <a:bodyPr/>
+          <a:lstStyle/>
+          <a:p>
+            <a:r>
+              <a:rPr lang="en-US" dirty="0" smtClean="0"/>
+              <a:t>The default</a:t>
+            </a:r>
+            <a:r>
+              <a:rPr lang="en-US" baseline="0" dirty="0" smtClean="0"/>
+              <a:t> constructor is where those default values come from: it assigns a default value to each instance variable</a:t>
+            </a:r>
+            <a:endParaRPr lang="en-US" dirty="0"/>
+          </a:p>
+        </p:txBody>
+      </p:sp>
+      <p:sp>
+        <p:nvSpPr>
+          <p:cNvPr id="4" name="Slide Number Placeholder 3"/>
+          <p:cNvSpPr>
+            <a:spLocks noGrp="1"/>
+          </p:cNvSpPr>
+          <p:nvPr>
+            <p:ph type="sldNum" sz="quarter" idx="10"/>
+          </p:nvPr>
+        </p:nvSpPr>
+        <p:spPr/>
+        <p:txBody>
+          <a:bodyPr/>
+          <a:lstStyle/>
+          <a:p>
+            <a:fld id="{A1C84708-EF86-4919-A70B-6AFA04E8487E}" type="slidenum">
+              <a:rPr lang="en-US" smtClean="0"/>
+              <a:t>10</a:t>
+            </a:fld>
+            <a:endParaRPr lang="en-US"/>
+          </a:p>
+        </p:txBody>
+      </p:sp>
+    </p:spTree>
+    <p:extLst>
+      <p:ext uri="{BB962C8B-B14F-4D97-AF65-F5344CB8AC3E}">
+        <p14:creationId xmlns:p14="http://schemas.microsoft.com/office/powerpoint/2010/main" val="294718396"/>
+      </p:ext>
+    </p:extLst>
+  </p:cSld>
+  <p:clrMapOvr>
+    <a:masterClrMapping/>
+  </p:clrMapOvr>
+</p:notes>
 </file>
 
 <file path=ppt/slideLayouts/slideLayout1.xml><?xml version="1.0" encoding="utf-8"?>
@@ -11652,8 +11750,20 @@
             <a:pPr lvl="1"/>
             <a:r>
               <a:rPr lang="en-US" b="1" dirty="0"/>
-              <a:t>Multiple constructors</a:t>
-            </a:r>
+              <a:t>Multiple </a:t>
+            </a:r>
+            <a:r>
+              <a:rPr lang="en-US" b="1" dirty="0" smtClean="0"/>
+              <a:t>constructors</a:t>
+            </a:r>
+          </a:p>
+          <a:p>
+            <a:pPr lvl="1"/>
+            <a:r>
+              <a:rPr lang="en-US" dirty="0" smtClean="0"/>
+              <a:t>Constructors in UML</a:t>
+            </a:r>
+            <a:endParaRPr lang="en-US" dirty="0"/>
           </a:p>
           <a:p>
             <a:r>
@@ -12818,6 +12928,882 @@
           <p:cNvPr id="2" name="Title 1">
             <a:extLst>
               <a:ext uri="{FF2B5EF4-FFF2-40B4-BE49-F238E27FC236}">
+                <a16:creationId xmlns:a16="http://schemas.microsoft.com/office/drawing/2014/main" id="{457438D3-4F04-4BBE-A276-9997DEED0198}"/>
+              </a:ext>
+            </a:extLst>
+          </p:cNvPr>
+          <p:cNvSpPr>
+            <a:spLocks noGrp="1"/>
+          </p:cNvSpPr>
+          <p:nvPr>
+            <p:ph type="title"/>
+          </p:nvPr>
+        </p:nvSpPr>
+        <p:spPr/>
+        <p:txBody>
+          <a:bodyPr/>
+          <a:lstStyle/>
+          <a:p>
+            <a:r>
+              <a:rPr lang="en-US" dirty="0"/>
+              <a:t>Constructors and Default Values</a:t>
+            </a:r>
+          </a:p>
+        </p:txBody>
+      </p:sp>
+      <p:sp>
+        <p:nvSpPr>
+          <p:cNvPr id="3" name="Content Placeholder 2">
+            <a:extLst>
+              <a:ext uri="{FF2B5EF4-FFF2-40B4-BE49-F238E27FC236}">
+                <a16:creationId xmlns:a16="http://schemas.microsoft.com/office/drawing/2014/main" id="{31582A43-7C60-4FF8-8583-14323421A62A}"/>
+              </a:ext>
+            </a:extLst>
+          </p:cNvPr>
+          <p:cNvSpPr>
+            <a:spLocks noGrp="1"/>
+          </p:cNvSpPr>
+          <p:nvPr>
+            <p:ph idx="1"/>
+          </p:nvPr>
+        </p:nvSpPr>
+        <p:spPr>
+          <a:xfrm>
+            <a:off x="227013" y="1371600"/>
+            <a:ext cx="11734800" cy="914400"/>
+          </a:xfrm>
+        </p:spPr>
+        <p:txBody>
+          <a:bodyPr/>
+          <a:lstStyle/>
+          <a:p>
+            <a:r>
+              <a:rPr lang="en-US" dirty="0"/>
+              <a:t>Any instance variable not initialized will get its default value</a:t>
+            </a:r>
+          </a:p>
+        </p:txBody>
+      </p:sp>
+      <p:sp>
+        <p:nvSpPr>
+          <p:cNvPr id="4" name="Footer Placeholder 3">
+            <a:extLst>
+              <a:ext uri="{FF2B5EF4-FFF2-40B4-BE49-F238E27FC236}">
+                <a16:creationId xmlns:a16="http://schemas.microsoft.com/office/drawing/2014/main" id="{D776B088-2B25-4752-B7BA-E3BB687BAEF7}"/>
+              </a:ext>
+            </a:extLst>
+          </p:cNvPr>
+          <p:cNvSpPr>
+            <a:spLocks noGrp="1"/>
+          </p:cNvSpPr>
+          <p:nvPr>
+            <p:ph type="ftr" sz="quarter" idx="11"/>
+          </p:nvPr>
+        </p:nvSpPr>
+        <p:spPr/>
+        <p:txBody>
+          <a:bodyPr/>
+          <a:lstStyle/>
+          <a:p>
+            <a:r>
+              <a:rPr lang="en-US"/>
+              <a:t>CSCI 1301</a:t>
+            </a:r>
+          </a:p>
+        </p:txBody>
+      </p:sp>
+      <p:sp>
+        <p:nvSpPr>
+          <p:cNvPr id="5" name="TextBox 4">
+            <a:extLst>
+              <a:ext uri="{FF2B5EF4-FFF2-40B4-BE49-F238E27FC236}">
+                <a16:creationId xmlns:a16="http://schemas.microsoft.com/office/drawing/2014/main" id="{F03B5C3F-7BD2-4FC2-AD55-A21845F1BAB7}"/>
+              </a:ext>
+            </a:extLst>
+          </p:cNvPr>
+          <p:cNvSpPr txBox="1"/>
+          <p:nvPr/>
+        </p:nvSpPr>
+        <p:spPr>
+          <a:xfrm>
+            <a:off x="836612" y="2133600"/>
+            <a:ext cx="3657600" cy="1981953"/>
+          </a:xfrm>
+          <a:prstGeom prst="rect">
+            <a:avLst/>
+          </a:prstGeom>
+          <a:solidFill>
+            <a:schemeClr val="bg1">
+              <a:lumMod val="85000"/>
+              <a:lumOff val="15000"/>
+            </a:schemeClr>
+          </a:solidFill>
+        </p:spPr>
+        <p:txBody>
+          <a:bodyPr wrap="square" rtlCol="0">
+            <a:spAutoFit/>
+          </a:bodyPr>
+          <a:lstStyle>
+            <a:defPPr>
+              <a:defRPr lang="en-US"/>
+            </a:defPPr>
+            <a:lvl1pPr>
+              <a:lnSpc>
+                <a:spcPct val="113000"/>
+              </a:lnSpc>
+              <a:defRPr sz="2200">
+                <a:solidFill>
+                  <a:srgbClr val="0099FF"/>
+                </a:solidFill>
+                <a:latin typeface="Consolas" panose="020B0609020204030204" pitchFamily="49" charset="0"/>
+              </a:defRPr>
+            </a:lvl1pPr>
+          </a:lstStyle>
+          <a:p>
+            <a:r>
+              <a:rPr lang="en-US" dirty="0"/>
+              <a:t>public </a:t>
+            </a:r>
+            <a:r>
+              <a:rPr lang="en-US" dirty="0" err="1">
+                <a:solidFill>
+                  <a:srgbClr val="66FFCC"/>
+                </a:solidFill>
+              </a:rPr>
+              <a:t>ClassRoom</a:t>
+            </a:r>
+            <a:r>
+              <a:rPr lang="en-US" dirty="0">
+                <a:solidFill>
+                  <a:schemeClr val="tx1"/>
+                </a:solidFill>
+              </a:rPr>
+              <a:t>()</a:t>
+            </a:r>
+          </a:p>
+          <a:p>
+            <a:pPr>
+              <a:lnSpc>
+                <a:spcPct val="113000"/>
+              </a:lnSpc>
+            </a:pPr>
+            <a:r>
+              <a:rPr lang="en-US" dirty="0">
+                <a:solidFill>
+                  <a:schemeClr val="tx1"/>
+                </a:solidFill>
+              </a:rPr>
+              <a:t>{</a:t>
+            </a:r>
+          </a:p>
+          <a:p>
+            <a:pPr>
+              <a:lnSpc>
+                <a:spcPct val="113000"/>
+              </a:lnSpc>
+            </a:pPr>
+            <a:r>
+              <a:rPr lang="en-US" dirty="0">
+                <a:solidFill>
+                  <a:schemeClr val="tx1"/>
+                </a:solidFill>
+              </a:rPr>
+              <a:t>  building = </a:t>
+            </a:r>
+            <a:r>
+              <a:rPr lang="en-US" dirty="0"/>
+              <a:t>null</a:t>
+            </a:r>
+            <a:r>
+              <a:rPr lang="en-US" dirty="0">
+                <a:solidFill>
+                  <a:schemeClr val="tx1"/>
+                </a:solidFill>
+              </a:rPr>
+              <a:t>;</a:t>
+            </a:r>
+          </a:p>
+          <a:p>
+            <a:pPr>
+              <a:lnSpc>
+                <a:spcPct val="113000"/>
+              </a:lnSpc>
+            </a:pPr>
+            <a:r>
+              <a:rPr lang="en-US" dirty="0">
+                <a:solidFill>
+                  <a:schemeClr val="tx1"/>
+                </a:solidFill>
+              </a:rPr>
+              <a:t>  number = </a:t>
+            </a:r>
+            <a:r>
+              <a:rPr lang="en-US" dirty="0">
+                <a:solidFill>
+                  <a:srgbClr val="99CC00"/>
+                </a:solidFill>
+              </a:rPr>
+              <a:t>0</a:t>
+            </a:r>
+            <a:r>
+              <a:rPr lang="en-US" dirty="0">
+                <a:solidFill>
+                  <a:schemeClr val="tx1"/>
+                </a:solidFill>
+              </a:rPr>
+              <a:t>;</a:t>
+            </a:r>
+            <a:endParaRPr lang="en-US" dirty="0">
+              <a:solidFill>
+                <a:srgbClr val="92D050"/>
+              </a:solidFill>
+            </a:endParaRPr>
+          </a:p>
+          <a:p>
+            <a:pPr>
+              <a:lnSpc>
+                <a:spcPct val="113000"/>
+              </a:lnSpc>
+            </a:pPr>
+            <a:r>
+              <a:rPr lang="en-US" dirty="0">
+                <a:solidFill>
+                  <a:schemeClr val="tx1"/>
+                </a:solidFill>
+              </a:rPr>
+              <a:t>}</a:t>
+            </a:r>
+          </a:p>
+        </p:txBody>
+      </p:sp>
+      <p:sp>
+        <p:nvSpPr>
+          <p:cNvPr id="6" name="TextBox 5">
+            <a:extLst>
+              <a:ext uri="{FF2B5EF4-FFF2-40B4-BE49-F238E27FC236}">
+                <a16:creationId xmlns:a16="http://schemas.microsoft.com/office/drawing/2014/main" id="{56DD023F-6836-40AF-A5BA-B87480DC9947}"/>
+              </a:ext>
+            </a:extLst>
+          </p:cNvPr>
+          <p:cNvSpPr txBox="1"/>
+          <p:nvPr/>
+        </p:nvSpPr>
+        <p:spPr>
+          <a:xfrm>
+            <a:off x="7105646" y="2512097"/>
+            <a:ext cx="3657600" cy="1216872"/>
+          </a:xfrm>
+          <a:prstGeom prst="rect">
+            <a:avLst/>
+          </a:prstGeom>
+          <a:solidFill>
+            <a:schemeClr val="bg1">
+              <a:lumMod val="85000"/>
+              <a:lumOff val="15000"/>
+            </a:schemeClr>
+          </a:solidFill>
+        </p:spPr>
+        <p:txBody>
+          <a:bodyPr wrap="square" rtlCol="0">
+            <a:spAutoFit/>
+          </a:bodyPr>
+          <a:lstStyle>
+            <a:defPPr>
+              <a:defRPr lang="en-US"/>
+            </a:defPPr>
+            <a:lvl1pPr>
+              <a:lnSpc>
+                <a:spcPct val="113000"/>
+              </a:lnSpc>
+              <a:defRPr sz="2200">
+                <a:solidFill>
+                  <a:srgbClr val="0099FF"/>
+                </a:solidFill>
+                <a:latin typeface="Consolas" panose="020B0609020204030204" pitchFamily="49" charset="0"/>
+              </a:defRPr>
+            </a:lvl1pPr>
+          </a:lstStyle>
+          <a:p>
+            <a:r>
+              <a:rPr lang="en-US" dirty="0"/>
+              <a:t>public </a:t>
+            </a:r>
+            <a:r>
+              <a:rPr lang="en-US" dirty="0" err="1">
+                <a:solidFill>
+                  <a:srgbClr val="66FFCC"/>
+                </a:solidFill>
+              </a:rPr>
+              <a:t>ClassRoom</a:t>
+            </a:r>
+            <a:r>
+              <a:rPr lang="en-US" dirty="0">
+                <a:solidFill>
+                  <a:schemeClr val="tx1"/>
+                </a:solidFill>
+              </a:rPr>
+              <a:t>()</a:t>
+            </a:r>
+          </a:p>
+          <a:p>
+            <a:pPr>
+              <a:lnSpc>
+                <a:spcPct val="113000"/>
+              </a:lnSpc>
+            </a:pPr>
+            <a:r>
+              <a:rPr lang="en-US" dirty="0">
+                <a:solidFill>
+                  <a:schemeClr val="tx1"/>
+                </a:solidFill>
+              </a:rPr>
+              <a:t>{</a:t>
+            </a:r>
+          </a:p>
+          <a:p>
+            <a:pPr>
+              <a:lnSpc>
+                <a:spcPct val="113000"/>
+              </a:lnSpc>
+            </a:pPr>
+            <a:r>
+              <a:rPr lang="en-US" dirty="0">
+                <a:solidFill>
+                  <a:schemeClr val="tx1"/>
+                </a:solidFill>
+              </a:rPr>
+              <a:t>}</a:t>
+            </a:r>
+          </a:p>
+        </p:txBody>
+      </p:sp>
+      <p:sp>
+        <p:nvSpPr>
+          <p:cNvPr id="7" name="TextBox 6">
+            <a:extLst>
+              <a:ext uri="{FF2B5EF4-FFF2-40B4-BE49-F238E27FC236}">
+                <a16:creationId xmlns:a16="http://schemas.microsoft.com/office/drawing/2014/main" id="{853541D0-76C5-4290-B3D7-10F67641F679}"/>
+              </a:ext>
+            </a:extLst>
+          </p:cNvPr>
+          <p:cNvSpPr txBox="1"/>
+          <p:nvPr/>
+        </p:nvSpPr>
+        <p:spPr>
+          <a:xfrm>
+            <a:off x="4799012" y="2699153"/>
+            <a:ext cx="1986441" cy="461665"/>
+          </a:xfrm>
+          <a:prstGeom prst="rect">
+            <a:avLst/>
+          </a:prstGeom>
+          <a:noFill/>
+        </p:spPr>
+        <p:txBody>
+          <a:bodyPr wrap="none" rtlCol="0">
+            <a:spAutoFit/>
+          </a:bodyPr>
+          <a:lstStyle/>
+          <a:p>
+            <a:r>
+              <a:rPr lang="en-US" dirty="0"/>
+              <a:t>is the same as</a:t>
+            </a:r>
+          </a:p>
+        </p:txBody>
+      </p:sp>
+      <p:sp>
+        <p:nvSpPr>
+          <p:cNvPr id="8" name="TextBox 7">
+            <a:extLst>
+              <a:ext uri="{FF2B5EF4-FFF2-40B4-BE49-F238E27FC236}">
+                <a16:creationId xmlns:a16="http://schemas.microsoft.com/office/drawing/2014/main" id="{E8B886BD-9801-4644-A4CD-EFF5B6A409D0}"/>
+              </a:ext>
+            </a:extLst>
+          </p:cNvPr>
+          <p:cNvSpPr txBox="1"/>
+          <p:nvPr/>
+        </p:nvSpPr>
+        <p:spPr>
+          <a:xfrm>
+            <a:off x="836612" y="4441479"/>
+            <a:ext cx="3962400" cy="1599412"/>
+          </a:xfrm>
+          <a:prstGeom prst="rect">
+            <a:avLst/>
+          </a:prstGeom>
+          <a:solidFill>
+            <a:schemeClr val="bg1">
+              <a:lumMod val="85000"/>
+              <a:lumOff val="15000"/>
+            </a:schemeClr>
+          </a:solidFill>
+        </p:spPr>
+        <p:txBody>
+          <a:bodyPr wrap="square" rtlCol="0">
+            <a:spAutoFit/>
+          </a:bodyPr>
+          <a:lstStyle>
+            <a:defPPr>
+              <a:defRPr lang="en-US"/>
+            </a:defPPr>
+            <a:lvl1pPr>
+              <a:lnSpc>
+                <a:spcPct val="113000"/>
+              </a:lnSpc>
+              <a:defRPr sz="2200">
+                <a:solidFill>
+                  <a:srgbClr val="0099FF"/>
+                </a:solidFill>
+                <a:latin typeface="Consolas" panose="020B0609020204030204" pitchFamily="49" charset="0"/>
+              </a:defRPr>
+            </a:lvl1pPr>
+          </a:lstStyle>
+          <a:p>
+            <a:r>
+              <a:rPr lang="en-US" dirty="0"/>
+              <a:t>public </a:t>
+            </a:r>
+            <a:r>
+              <a:rPr lang="en-US" dirty="0" err="1">
+                <a:solidFill>
+                  <a:srgbClr val="66FFCC"/>
+                </a:solidFill>
+              </a:rPr>
+              <a:t>ClassRoom</a:t>
+            </a:r>
+            <a:r>
+              <a:rPr lang="en-US" dirty="0">
+                <a:solidFill>
+                  <a:schemeClr val="tx1"/>
+                </a:solidFill>
+              </a:rPr>
+              <a:t>()</a:t>
+            </a:r>
+          </a:p>
+          <a:p>
+            <a:pPr>
+              <a:lnSpc>
+                <a:spcPct val="113000"/>
+              </a:lnSpc>
+            </a:pPr>
+            <a:r>
+              <a:rPr lang="en-US" dirty="0">
+                <a:solidFill>
+                  <a:schemeClr val="tx1"/>
+                </a:solidFill>
+              </a:rPr>
+              <a:t>{</a:t>
+            </a:r>
+          </a:p>
+          <a:p>
+            <a:pPr>
+              <a:lnSpc>
+                <a:spcPct val="113000"/>
+              </a:lnSpc>
+            </a:pPr>
+            <a:r>
+              <a:rPr lang="en-US" dirty="0">
+                <a:solidFill>
+                  <a:schemeClr val="tx1"/>
+                </a:solidFill>
+              </a:rPr>
+              <a:t>  building = </a:t>
+            </a:r>
+            <a:r>
+              <a:rPr lang="en-US" dirty="0">
+                <a:solidFill>
+                  <a:srgbClr val="FF5050"/>
+                </a:solidFill>
+              </a:rPr>
+              <a:t>"Unknown"</a:t>
+            </a:r>
+            <a:r>
+              <a:rPr lang="en-US" dirty="0">
+                <a:solidFill>
+                  <a:schemeClr val="tx1"/>
+                </a:solidFill>
+              </a:rPr>
+              <a:t>;</a:t>
+            </a:r>
+          </a:p>
+          <a:p>
+            <a:pPr>
+              <a:lnSpc>
+                <a:spcPct val="113000"/>
+              </a:lnSpc>
+            </a:pPr>
+            <a:r>
+              <a:rPr lang="en-US" dirty="0">
+                <a:solidFill>
+                  <a:schemeClr val="tx1"/>
+                </a:solidFill>
+              </a:rPr>
+              <a:t>}</a:t>
+            </a:r>
+          </a:p>
+        </p:txBody>
+      </p:sp>
+      <p:cxnSp>
+        <p:nvCxnSpPr>
+          <p:cNvPr id="10" name="Straight Arrow Connector 9">
+            <a:extLst>
+              <a:ext uri="{FF2B5EF4-FFF2-40B4-BE49-F238E27FC236}">
+                <a16:creationId xmlns:a16="http://schemas.microsoft.com/office/drawing/2014/main" id="{1539B8FC-96A6-4400-86BB-A6E020A00065}"/>
+              </a:ext>
+            </a:extLst>
+          </p:cNvPr>
+          <p:cNvCxnSpPr/>
+          <p:nvPr/>
+        </p:nvCxnSpPr>
+        <p:spPr>
+          <a:xfrm>
+            <a:off x="4646612" y="3200400"/>
+            <a:ext cx="2286000" cy="0"/>
+          </a:xfrm>
+          <a:prstGeom prst="straightConnector1">
+            <a:avLst/>
+          </a:prstGeom>
+          <a:ln>
+            <a:tailEnd type="triangle"/>
+          </a:ln>
+        </p:spPr>
+        <p:style>
+          <a:lnRef idx="2">
+            <a:schemeClr val="accent5"/>
+          </a:lnRef>
+          <a:fillRef idx="0">
+            <a:schemeClr val="accent5"/>
+          </a:fillRef>
+          <a:effectRef idx="1">
+            <a:schemeClr val="accent5"/>
+          </a:effectRef>
+          <a:fontRef idx="minor">
+            <a:schemeClr val="tx1"/>
+          </a:fontRef>
+        </p:style>
+      </p:cxnSp>
+      <p:cxnSp>
+        <p:nvCxnSpPr>
+          <p:cNvPr id="12" name="Straight Arrow Connector 11">
+            <a:extLst>
+              <a:ext uri="{FF2B5EF4-FFF2-40B4-BE49-F238E27FC236}">
+                <a16:creationId xmlns:a16="http://schemas.microsoft.com/office/drawing/2014/main" id="{F8A7F578-3F06-4C5B-B411-34DC35051DDF}"/>
+              </a:ext>
+            </a:extLst>
+          </p:cNvPr>
+          <p:cNvCxnSpPr/>
+          <p:nvPr/>
+        </p:nvCxnSpPr>
+        <p:spPr>
+          <a:xfrm>
+            <a:off x="4989512" y="5334000"/>
+            <a:ext cx="1600200" cy="0"/>
+          </a:xfrm>
+          <a:prstGeom prst="straightConnector1">
+            <a:avLst/>
+          </a:prstGeom>
+          <a:ln>
+            <a:tailEnd type="triangle"/>
+          </a:ln>
+        </p:spPr>
+        <p:style>
+          <a:lnRef idx="2">
+            <a:schemeClr val="accent3"/>
+          </a:lnRef>
+          <a:fillRef idx="0">
+            <a:schemeClr val="accent3"/>
+          </a:fillRef>
+          <a:effectRef idx="1">
+            <a:schemeClr val="accent3"/>
+          </a:effectRef>
+          <a:fontRef idx="minor">
+            <a:schemeClr val="tx1"/>
+          </a:fontRef>
+        </p:style>
+      </p:cxnSp>
+      <p:sp>
+        <p:nvSpPr>
+          <p:cNvPr id="13" name="TextBox 12">
+            <a:extLst>
+              <a:ext uri="{FF2B5EF4-FFF2-40B4-BE49-F238E27FC236}">
+                <a16:creationId xmlns:a16="http://schemas.microsoft.com/office/drawing/2014/main" id="{6EA76448-965C-44C3-A89E-8536915874D5}"/>
+              </a:ext>
+            </a:extLst>
+          </p:cNvPr>
+          <p:cNvSpPr txBox="1"/>
+          <p:nvPr/>
+        </p:nvSpPr>
+        <p:spPr>
+          <a:xfrm>
+            <a:off x="6780212" y="4918501"/>
+            <a:ext cx="3453189" cy="830997"/>
+          </a:xfrm>
+          <a:prstGeom prst="rect">
+            <a:avLst/>
+          </a:prstGeom>
+          <a:noFill/>
+        </p:spPr>
+        <p:txBody>
+          <a:bodyPr wrap="none" rtlCol="0">
+            <a:spAutoFit/>
+          </a:bodyPr>
+          <a:lstStyle/>
+          <a:p>
+            <a:r>
+              <a:rPr lang="en-US" dirty="0">
+                <a:latin typeface="Consolas" panose="020B0609020204030204" pitchFamily="49" charset="0"/>
+              </a:rPr>
+              <a:t>building</a:t>
+            </a:r>
+            <a:r>
+              <a:rPr lang="en-US" dirty="0"/>
+              <a:t> is “Unknown”</a:t>
+            </a:r>
+          </a:p>
+          <a:p>
+            <a:r>
+              <a:rPr lang="en-US" dirty="0">
+                <a:latin typeface="Consolas" panose="020B0609020204030204" pitchFamily="49" charset="0"/>
+              </a:rPr>
+              <a:t>number</a:t>
+            </a:r>
+            <a:r>
+              <a:rPr lang="en-US" dirty="0"/>
+              <a:t> is 0</a:t>
+            </a:r>
+          </a:p>
+        </p:txBody>
+      </p:sp>
+      <p:sp>
+        <p:nvSpPr>
+          <p:cNvPr id="14" name="TextBox 13">
+            <a:extLst>
+              <a:ext uri="{FF2B5EF4-FFF2-40B4-BE49-F238E27FC236}">
+                <a16:creationId xmlns:a16="http://schemas.microsoft.com/office/drawing/2014/main" id="{CA10A641-A0C5-4916-A9C0-B7D19B277119}"/>
+              </a:ext>
+            </a:extLst>
+          </p:cNvPr>
+          <p:cNvSpPr txBox="1"/>
+          <p:nvPr/>
+        </p:nvSpPr>
+        <p:spPr>
+          <a:xfrm>
+            <a:off x="5249605" y="4874778"/>
+            <a:ext cx="1080745" cy="461665"/>
+          </a:xfrm>
+          <a:prstGeom prst="rect">
+            <a:avLst/>
+          </a:prstGeom>
+          <a:noFill/>
+        </p:spPr>
+        <p:txBody>
+          <a:bodyPr wrap="none" rtlCol="0">
+            <a:spAutoFit/>
+          </a:bodyPr>
+          <a:lstStyle/>
+          <a:p>
+            <a:r>
+              <a:rPr lang="en-US" dirty="0"/>
+              <a:t>Result:</a:t>
+            </a:r>
+          </a:p>
+        </p:txBody>
+      </p:sp>
+    </p:spTree>
+    <p:extLst>
+      <p:ext uri="{BB962C8B-B14F-4D97-AF65-F5344CB8AC3E}">
+        <p14:creationId xmlns:p14="http://schemas.microsoft.com/office/powerpoint/2010/main" val="3354405816"/>
+      </p:ext>
+    </p:extLst>
+  </p:cSld>
+  <p:clrMapOvr>
+    <a:masterClrMapping/>
+  </p:clrMapOvr>
+</p:sld>
+</file>
+
+<file path=ppt/slides/slide2.xml><?xml version="1.0" encoding="utf-8"?>
+<p:sld xmlns:a="http://schemas.openxmlformats.org/drawingml/2006/main" xmlns:r="http://schemas.openxmlformats.org/officeDocument/2006/relationships" xmlns:p="http://schemas.openxmlformats.org/presentationml/2006/main">
+  <p:cSld>
+    <p:spTree>
+      <p:nvGrpSpPr>
+        <p:cNvPr id="1" name=""/>
+        <p:cNvGrpSpPr/>
+        <p:nvPr/>
+      </p:nvGrpSpPr>
+      <p:grpSpPr>
+        <a:xfrm>
+          <a:off x="0" y="0"/>
+          <a:ext cx="0" cy="0"/>
+          <a:chOff x="0" y="0"/>
+          <a:chExt cx="0" cy="0"/>
+        </a:xfrm>
+      </p:grpSpPr>
+      <p:sp>
+        <p:nvSpPr>
+          <p:cNvPr id="2" name="Title 1">
+            <a:extLst>
+              <a:ext uri="{FF2B5EF4-FFF2-40B4-BE49-F238E27FC236}">
+                <a16:creationId xmlns:a16="http://schemas.microsoft.com/office/drawing/2014/main" id="{42F1B814-6282-4075-A22A-DC3ABFDC9ED3}"/>
+              </a:ext>
+            </a:extLst>
+          </p:cNvPr>
+          <p:cNvSpPr>
+            <a:spLocks noGrp="1"/>
+          </p:cNvSpPr>
+          <p:nvPr>
+            <p:ph type="title"/>
+          </p:nvPr>
+        </p:nvSpPr>
+        <p:spPr/>
+        <p:txBody>
+          <a:bodyPr/>
+          <a:lstStyle/>
+          <a:p>
+            <a:r>
+              <a:rPr lang="en-US" dirty="0"/>
+              <a:t>Outline</a:t>
+            </a:r>
+          </a:p>
+        </p:txBody>
+      </p:sp>
+      <p:sp>
+        <p:nvSpPr>
+          <p:cNvPr id="3" name="Content Placeholder 2">
+            <a:extLst>
+              <a:ext uri="{FF2B5EF4-FFF2-40B4-BE49-F238E27FC236}">
+                <a16:creationId xmlns:a16="http://schemas.microsoft.com/office/drawing/2014/main" id="{A21C63A1-E39A-4E80-92B5-E2FCBFF8D55C}"/>
+              </a:ext>
+            </a:extLst>
+          </p:cNvPr>
+          <p:cNvSpPr>
+            <a:spLocks noGrp="1"/>
+          </p:cNvSpPr>
+          <p:nvPr>
+            <p:ph idx="1"/>
+          </p:nvPr>
+        </p:nvSpPr>
+        <p:spPr/>
+        <p:txBody>
+          <a:bodyPr/>
+          <a:lstStyle/>
+          <a:p>
+            <a:r>
+              <a:rPr lang="en-US" dirty="0"/>
+              <a:t>Instance variables and default values</a:t>
+            </a:r>
+          </a:p>
+          <a:p>
+            <a:r>
+              <a:rPr lang="en-US" dirty="0"/>
+              <a:t>Constructors</a:t>
+            </a:r>
+          </a:p>
+          <a:p>
+            <a:pPr lvl="1"/>
+            <a:r>
+              <a:rPr lang="en-US" dirty="0"/>
+              <a:t>Definition and usage</a:t>
+            </a:r>
+          </a:p>
+          <a:p>
+            <a:pPr lvl="1"/>
+            <a:r>
+              <a:rPr lang="en-US" dirty="0"/>
+              <a:t>Multiple </a:t>
+            </a:r>
+            <a:r>
+              <a:rPr lang="en-US" dirty="0" smtClean="0"/>
+              <a:t>constructors</a:t>
+            </a:r>
+          </a:p>
+          <a:p>
+            <a:pPr lvl="1"/>
+            <a:r>
+              <a:rPr lang="en-US" dirty="0" smtClean="0"/>
+              <a:t>Constructors in UML</a:t>
+            </a:r>
+            <a:endParaRPr lang="en-US" dirty="0"/>
+          </a:p>
+          <a:p>
+            <a:r>
+              <a:rPr lang="en-US" dirty="0" err="1"/>
+              <a:t>ToString</a:t>
+            </a:r>
+            <a:r>
+              <a:rPr lang="en-US" dirty="0"/>
+              <a:t> Methods</a:t>
+            </a:r>
+          </a:p>
+          <a:p>
+            <a:endParaRPr lang="en-US" dirty="0"/>
+          </a:p>
+        </p:txBody>
+      </p:sp>
+      <p:sp>
+        <p:nvSpPr>
+          <p:cNvPr id="4" name="Footer Placeholder 3">
+            <a:extLst>
+              <a:ext uri="{FF2B5EF4-FFF2-40B4-BE49-F238E27FC236}">
+                <a16:creationId xmlns:a16="http://schemas.microsoft.com/office/drawing/2014/main" id="{C185642E-D901-43E9-B9EC-3B1DBFC4E326}"/>
+              </a:ext>
+            </a:extLst>
+          </p:cNvPr>
+          <p:cNvSpPr>
+            <a:spLocks noGrp="1"/>
+          </p:cNvSpPr>
+          <p:nvPr>
+            <p:ph type="ftr" sz="quarter" idx="11"/>
+          </p:nvPr>
+        </p:nvSpPr>
+        <p:spPr/>
+        <p:txBody>
+          <a:bodyPr/>
+          <a:lstStyle/>
+          <a:p>
+            <a:r>
+              <a:rPr lang="en-US"/>
+              <a:t>CSCI 1301</a:t>
+            </a:r>
+          </a:p>
+        </p:txBody>
+      </p:sp>
+    </p:spTree>
+    <p:extLst>
+      <p:ext uri="{BB962C8B-B14F-4D97-AF65-F5344CB8AC3E}">
+        <p14:creationId xmlns:p14="http://schemas.microsoft.com/office/powerpoint/2010/main" val="905501653"/>
+      </p:ext>
+    </p:extLst>
+  </p:cSld>
+  <p:clrMapOvr>
+    <a:masterClrMapping/>
+  </p:clrMapOvr>
+</p:sld>
+</file>
+
+<file path=ppt/slides/slide20.xml><?xml version="1.0" encoding="utf-8"?>
+<p:sld xmlns:a="http://schemas.openxmlformats.org/drawingml/2006/main" xmlns:r="http://schemas.openxmlformats.org/officeDocument/2006/relationships" xmlns:p="http://schemas.openxmlformats.org/presentationml/2006/main">
+  <p:cSld>
+    <p:spTree>
+      <p:nvGrpSpPr>
+        <p:cNvPr id="1" name=""/>
+        <p:cNvGrpSpPr/>
+        <p:nvPr/>
+      </p:nvGrpSpPr>
+      <p:grpSpPr>
+        <a:xfrm>
+          <a:off x="0" y="0"/>
+          <a:ext cx="0" cy="0"/>
+          <a:chOff x="0" y="0"/>
+          <a:chExt cx="0" cy="0"/>
+        </a:xfrm>
+      </p:grpSpPr>
+      <p:sp>
+        <p:nvSpPr>
+          <p:cNvPr id="2" name="Title 1">
+            <a:extLst>
+              <a:ext uri="{FF2B5EF4-FFF2-40B4-BE49-F238E27FC236}">
                 <a16:creationId xmlns:a16="http://schemas.microsoft.com/office/drawing/2014/main" id="{DFC5EF7F-D16C-4648-AAC5-B9C504B80DEA}"/>
               </a:ext>
             </a:extLst>
@@ -13177,7 +14163,7 @@
               </a:lnSpc>
             </a:pPr>
             <a:r>
-              <a:rPr lang="en-US" dirty="0" smtClean="0">
+              <a:rPr lang="en-US" dirty="0">
                 <a:solidFill>
                   <a:schemeClr val="tx1"/>
                 </a:solidFill>
@@ -13185,7 +14171,7 @@
               <a:t>  </a:t>
             </a:r>
             <a:r>
-              <a:rPr lang="en-US" dirty="0" err="1" smtClean="0">
+              <a:rPr lang="en-US" dirty="0" err="1">
                 <a:solidFill>
                   <a:srgbClr val="66FFCC"/>
                 </a:solidFill>
@@ -13193,7 +14179,7 @@
               <a:t>ClassRoom</a:t>
             </a:r>
             <a:r>
-              <a:rPr lang="en-US" dirty="0" smtClean="0">
+              <a:rPr lang="en-US" dirty="0">
                 <a:solidFill>
                   <a:schemeClr val="tx1"/>
                 </a:solidFill>
@@ -13201,7 +14187,7 @@
               <a:t> </a:t>
             </a:r>
             <a:r>
-              <a:rPr lang="en-US" dirty="0" err="1" smtClean="0">
+              <a:rPr lang="en-US" dirty="0" err="1">
                 <a:solidFill>
                   <a:schemeClr val="tx1"/>
                 </a:solidFill>
@@ -13209,7 +14195,7 @@
               <a:t>english</a:t>
             </a:r>
             <a:r>
-              <a:rPr lang="en-US" dirty="0" smtClean="0">
+              <a:rPr lang="en-US" dirty="0">
                 <a:solidFill>
                   <a:schemeClr val="tx1"/>
                 </a:solidFill>
@@ -13217,11 +14203,11 @@
               <a:t> = </a:t>
             </a:r>
             <a:r>
-              <a:rPr lang="en-US" dirty="0" smtClean="0"/>
+              <a:rPr lang="en-US" dirty="0"/>
               <a:t>new</a:t>
             </a:r>
             <a:r>
-              <a:rPr lang="en-US" dirty="0" smtClean="0">
+              <a:rPr lang="en-US" dirty="0">
                 <a:solidFill>
                   <a:schemeClr val="tx1"/>
                 </a:solidFill>
@@ -13229,7 +14215,7 @@
               <a:t> </a:t>
             </a:r>
             <a:r>
-              <a:rPr lang="en-US" dirty="0" err="1" smtClean="0">
+              <a:rPr lang="en-US" dirty="0" err="1">
                 <a:solidFill>
                   <a:srgbClr val="66FFCC"/>
                 </a:solidFill>
@@ -13237,7 +14223,7 @@
               <a:t>ClassRoom</a:t>
             </a:r>
             <a:r>
-              <a:rPr lang="en-US" dirty="0" smtClean="0">
+              <a:rPr lang="en-US" dirty="0">
                 <a:solidFill>
                   <a:schemeClr val="tx1"/>
                 </a:solidFill>
@@ -13252,7 +14238,7 @@
               </a:lnSpc>
             </a:pPr>
             <a:r>
-              <a:rPr lang="en-US" dirty="0" smtClean="0">
+              <a:rPr lang="en-US" dirty="0">
                 <a:solidFill>
                   <a:schemeClr val="tx1"/>
                 </a:solidFill>
@@ -13260,7 +14246,7 @@
               <a:t>  </a:t>
             </a:r>
             <a:r>
-              <a:rPr lang="en-US" dirty="0" smtClean="0">
+              <a:rPr lang="en-US" dirty="0">
                 <a:solidFill>
                   <a:srgbClr val="92D050"/>
                 </a:solidFill>
@@ -13268,7 +14254,7 @@
               <a:t>//</a:t>
             </a:r>
             <a:r>
-              <a:rPr lang="en-US" dirty="0" err="1" smtClean="0">
+              <a:rPr lang="en-US" dirty="0" err="1">
                 <a:solidFill>
                   <a:srgbClr val="92D050"/>
                 </a:solidFill>
@@ -13276,7 +14262,7 @@
               <a:t>english</a:t>
             </a:r>
             <a:r>
-              <a:rPr lang="en-US" dirty="0" smtClean="0">
+              <a:rPr lang="en-US" dirty="0">
                 <a:solidFill>
                   <a:srgbClr val="92D050"/>
                 </a:solidFill>
@@ -13291,18 +14277,13 @@
               </a:lnSpc>
             </a:pPr>
             <a:r>
-              <a:rPr lang="en-US" dirty="0" smtClean="0">
+              <a:rPr lang="en-US" dirty="0">
                 <a:solidFill>
                   <a:schemeClr val="tx1"/>
                 </a:solidFill>
               </a:rPr>
               <a:t>}</a:t>
             </a:r>
-            <a:endParaRPr lang="en-US" dirty="0">
-              <a:solidFill>
-                <a:schemeClr val="tx1"/>
-              </a:solidFill>
-            </a:endParaRPr>
           </a:p>
         </p:txBody>
       </p:sp>
@@ -13514,7 +14495,1674 @@
 </p:sld>
 </file>
 
-<file path=ppt/slides/slide2.xml><?xml version="1.0" encoding="utf-8"?>
+<file path=ppt/slides/slide21.xml><?xml version="1.0" encoding="utf-8"?>
+<p:sld xmlns:a="http://schemas.openxmlformats.org/drawingml/2006/main" xmlns:r="http://schemas.openxmlformats.org/officeDocument/2006/relationships" xmlns:p="http://schemas.openxmlformats.org/presentationml/2006/main">
+  <p:cSld>
+    <p:spTree>
+      <p:nvGrpSpPr>
+        <p:cNvPr id="1" name=""/>
+        <p:cNvGrpSpPr/>
+        <p:nvPr/>
+      </p:nvGrpSpPr>
+      <p:grpSpPr>
+        <a:xfrm>
+          <a:off x="0" y="0"/>
+          <a:ext cx="0" cy="0"/>
+          <a:chOff x="0" y="0"/>
+          <a:chExt cx="0" cy="0"/>
+        </a:xfrm>
+      </p:grpSpPr>
+      <p:sp>
+        <p:nvSpPr>
+          <p:cNvPr id="2" name="Title 1">
+            <a:extLst>
+              <a:ext uri="{FF2B5EF4-FFF2-40B4-BE49-F238E27FC236}">
+                <a16:creationId xmlns:a16="http://schemas.microsoft.com/office/drawing/2014/main" id="{A01BFE84-A080-478D-8CB8-B4CFC593B689}"/>
+              </a:ext>
+            </a:extLst>
+          </p:cNvPr>
+          <p:cNvSpPr>
+            <a:spLocks noGrp="1"/>
+          </p:cNvSpPr>
+          <p:nvPr>
+            <p:ph type="title"/>
+          </p:nvPr>
+        </p:nvSpPr>
+        <p:spPr/>
+        <p:txBody>
+          <a:bodyPr/>
+          <a:lstStyle/>
+          <a:p>
+            <a:r>
+              <a:rPr lang="en-US" dirty="0"/>
+              <a:t>Writing a Constructor</a:t>
+            </a:r>
+          </a:p>
+        </p:txBody>
+      </p:sp>
+      <p:sp>
+        <p:nvSpPr>
+          <p:cNvPr id="3" name="Content Placeholder 2">
+            <a:extLst>
+              <a:ext uri="{FF2B5EF4-FFF2-40B4-BE49-F238E27FC236}">
+                <a16:creationId xmlns:a16="http://schemas.microsoft.com/office/drawing/2014/main" id="{69EF9EE6-B935-4B60-A7A4-A211EF337297}"/>
+              </a:ext>
+            </a:extLst>
+          </p:cNvPr>
+          <p:cNvSpPr>
+            <a:spLocks noGrp="1"/>
+          </p:cNvSpPr>
+          <p:nvPr>
+            <p:ph idx="1"/>
+          </p:nvPr>
+        </p:nvSpPr>
+        <p:spPr/>
+        <p:txBody>
+          <a:bodyPr/>
+          <a:lstStyle/>
+          <a:p>
+            <a:r>
+              <a:rPr lang="en-US" dirty="0"/>
+              <a:t>Add a parameter for each attribute that needs an initial value</a:t>
+            </a:r>
+          </a:p>
+          <a:p>
+            <a:r>
+              <a:rPr lang="en-US" dirty="0"/>
+              <a:t>Assign parameters to instance variables, or provide a “sensible” default</a:t>
+            </a:r>
+          </a:p>
+          <a:p>
+            <a:r>
+              <a:rPr lang="en-US" dirty="0"/>
+              <a:t>How would we add a constructor to Rectangle?</a:t>
+            </a:r>
+          </a:p>
+        </p:txBody>
+      </p:sp>
+      <p:sp>
+        <p:nvSpPr>
+          <p:cNvPr id="4" name="Footer Placeholder 3">
+            <a:extLst>
+              <a:ext uri="{FF2B5EF4-FFF2-40B4-BE49-F238E27FC236}">
+                <a16:creationId xmlns:a16="http://schemas.microsoft.com/office/drawing/2014/main" id="{23640075-7309-4EFA-9ED7-1A1986A680DE}"/>
+              </a:ext>
+            </a:extLst>
+          </p:cNvPr>
+          <p:cNvSpPr>
+            <a:spLocks noGrp="1"/>
+          </p:cNvSpPr>
+          <p:nvPr>
+            <p:ph type="ftr" sz="quarter" idx="11"/>
+          </p:nvPr>
+        </p:nvSpPr>
+        <p:spPr/>
+        <p:txBody>
+          <a:bodyPr/>
+          <a:lstStyle/>
+          <a:p>
+            <a:r>
+              <a:rPr lang="en-US"/>
+              <a:t>CSCI 1301</a:t>
+            </a:r>
+          </a:p>
+        </p:txBody>
+      </p:sp>
+      <p:sp>
+        <p:nvSpPr>
+          <p:cNvPr id="5" name="TextBox 4">
+            <a:extLst>
+              <a:ext uri="{FF2B5EF4-FFF2-40B4-BE49-F238E27FC236}">
+                <a16:creationId xmlns:a16="http://schemas.microsoft.com/office/drawing/2014/main" id="{B2450A5E-2B5D-447D-BF4D-C297FA429BC1}"/>
+              </a:ext>
+            </a:extLst>
+          </p:cNvPr>
+          <p:cNvSpPr txBox="1"/>
+          <p:nvPr/>
+        </p:nvSpPr>
+        <p:spPr>
+          <a:xfrm>
+            <a:off x="2170112" y="3962400"/>
+            <a:ext cx="7848600" cy="1785104"/>
+          </a:xfrm>
+          <a:prstGeom prst="rect">
+            <a:avLst/>
+          </a:prstGeom>
+          <a:solidFill>
+            <a:schemeClr val="bg1">
+              <a:lumMod val="85000"/>
+              <a:lumOff val="15000"/>
+            </a:schemeClr>
+          </a:solidFill>
+        </p:spPr>
+        <p:txBody>
+          <a:bodyPr wrap="square" rtlCol="0">
+            <a:spAutoFit/>
+          </a:bodyPr>
+          <a:lstStyle>
+            <a:defPPr>
+              <a:defRPr lang="en-US"/>
+            </a:defPPr>
+            <a:lvl1pPr>
+              <a:lnSpc>
+                <a:spcPct val="113000"/>
+              </a:lnSpc>
+              <a:defRPr sz="2200">
+                <a:solidFill>
+                  <a:srgbClr val="0099FF"/>
+                </a:solidFill>
+                <a:latin typeface="Consolas" panose="020B0609020204030204" pitchFamily="49" charset="0"/>
+              </a:defRPr>
+            </a:lvl1pPr>
+          </a:lstStyle>
+          <a:p>
+            <a:pPr>
+              <a:lnSpc>
+                <a:spcPct val="100000"/>
+              </a:lnSpc>
+            </a:pPr>
+            <a:r>
+              <a:rPr lang="en-US" dirty="0"/>
+              <a:t>public </a:t>
+            </a:r>
+            <a:r>
+              <a:rPr lang="en-US" dirty="0">
+                <a:solidFill>
+                  <a:srgbClr val="66FFCC"/>
+                </a:solidFill>
+              </a:rPr>
+              <a:t>Rectangle</a:t>
+            </a:r>
+            <a:r>
+              <a:rPr lang="en-US" dirty="0">
+                <a:solidFill>
+                  <a:schemeClr val="tx1"/>
+                </a:solidFill>
+              </a:rPr>
+              <a:t>(</a:t>
+            </a:r>
+            <a:r>
+              <a:rPr lang="en-US" dirty="0"/>
+              <a:t>int</a:t>
+            </a:r>
+            <a:r>
+              <a:rPr lang="en-US" dirty="0">
+                <a:solidFill>
+                  <a:schemeClr val="tx1"/>
+                </a:solidFill>
+              </a:rPr>
+              <a:t> </a:t>
+            </a:r>
+            <a:r>
+              <a:rPr lang="en-US" dirty="0" err="1">
+                <a:solidFill>
+                  <a:schemeClr val="tx1"/>
+                </a:solidFill>
+              </a:rPr>
+              <a:t>initLength</a:t>
+            </a:r>
+            <a:r>
+              <a:rPr lang="en-US" dirty="0">
+                <a:solidFill>
+                  <a:schemeClr val="tx1"/>
+                </a:solidFill>
+              </a:rPr>
+              <a:t>, </a:t>
+            </a:r>
+            <a:r>
+              <a:rPr lang="en-US" dirty="0"/>
+              <a:t>int</a:t>
+            </a:r>
+            <a:r>
+              <a:rPr lang="en-US" dirty="0">
+                <a:solidFill>
+                  <a:schemeClr val="tx1"/>
+                </a:solidFill>
+              </a:rPr>
+              <a:t> </a:t>
+            </a:r>
+            <a:r>
+              <a:rPr lang="en-US" dirty="0" err="1">
+                <a:solidFill>
+                  <a:schemeClr val="tx1"/>
+                </a:solidFill>
+              </a:rPr>
+              <a:t>initWidth</a:t>
+            </a:r>
+            <a:r>
+              <a:rPr lang="en-US" dirty="0">
+                <a:solidFill>
+                  <a:schemeClr val="tx1"/>
+                </a:solidFill>
+              </a:rPr>
+              <a:t>)</a:t>
+            </a:r>
+          </a:p>
+          <a:p>
+            <a:pPr>
+              <a:lnSpc>
+                <a:spcPct val="100000"/>
+              </a:lnSpc>
+            </a:pPr>
+            <a:r>
+              <a:rPr lang="en-US" dirty="0">
+                <a:solidFill>
+                  <a:schemeClr val="tx1"/>
+                </a:solidFill>
+              </a:rPr>
+              <a:t>{</a:t>
+            </a:r>
+          </a:p>
+          <a:p>
+            <a:pPr>
+              <a:lnSpc>
+                <a:spcPct val="100000"/>
+              </a:lnSpc>
+            </a:pPr>
+            <a:r>
+              <a:rPr lang="en-US" dirty="0">
+                <a:solidFill>
+                  <a:schemeClr val="tx1"/>
+                </a:solidFill>
+              </a:rPr>
+              <a:t>  length = </a:t>
+            </a:r>
+            <a:r>
+              <a:rPr lang="en-US" dirty="0" err="1">
+                <a:solidFill>
+                  <a:schemeClr val="tx1"/>
+                </a:solidFill>
+              </a:rPr>
+              <a:t>initLength</a:t>
+            </a:r>
+            <a:r>
+              <a:rPr lang="en-US" dirty="0">
+                <a:solidFill>
+                  <a:schemeClr val="tx1"/>
+                </a:solidFill>
+              </a:rPr>
+              <a:t>;</a:t>
+            </a:r>
+          </a:p>
+          <a:p>
+            <a:pPr>
+              <a:lnSpc>
+                <a:spcPct val="100000"/>
+              </a:lnSpc>
+            </a:pPr>
+            <a:r>
+              <a:rPr lang="en-US" dirty="0">
+                <a:solidFill>
+                  <a:schemeClr val="tx1"/>
+                </a:solidFill>
+              </a:rPr>
+              <a:t>  width = </a:t>
+            </a:r>
+            <a:r>
+              <a:rPr lang="en-US" dirty="0" err="1">
+                <a:solidFill>
+                  <a:schemeClr val="tx1"/>
+                </a:solidFill>
+              </a:rPr>
+              <a:t>initWidth</a:t>
+            </a:r>
+            <a:r>
+              <a:rPr lang="en-US" dirty="0">
+                <a:solidFill>
+                  <a:schemeClr val="tx1"/>
+                </a:solidFill>
+              </a:rPr>
+              <a:t>;</a:t>
+            </a:r>
+            <a:endParaRPr lang="en-US" dirty="0">
+              <a:solidFill>
+                <a:srgbClr val="92D050"/>
+              </a:solidFill>
+            </a:endParaRPr>
+          </a:p>
+          <a:p>
+            <a:pPr>
+              <a:lnSpc>
+                <a:spcPct val="100000"/>
+              </a:lnSpc>
+            </a:pPr>
+            <a:r>
+              <a:rPr lang="en-US" dirty="0">
+                <a:solidFill>
+                  <a:schemeClr val="tx1"/>
+                </a:solidFill>
+              </a:rPr>
+              <a:t>}</a:t>
+            </a:r>
+          </a:p>
+        </p:txBody>
+      </p:sp>
+      <mc:AlternateContent xmlns:mc="http://schemas.openxmlformats.org/markup-compatibility/2006" xmlns:a14="http://schemas.microsoft.com/office/drawing/2010/main">
+        <mc:Choice Requires="a14">
+          <p:sp>
+            <p:nvSpPr>
+              <p:cNvPr id="6" name="TextBox 5">
+                <a:extLst>
+                  <a:ext uri="{FF2B5EF4-FFF2-40B4-BE49-F238E27FC236}">
+                    <a16:creationId xmlns:a16="http://schemas.microsoft.com/office/drawing/2014/main" id="{209AEC6E-3FF0-4D5F-A872-5F15664AEA72}"/>
+                  </a:ext>
+                </a:extLst>
+              </p:cNvPr>
+              <p:cNvSpPr txBox="1"/>
+              <p:nvPr/>
+            </p:nvSpPr>
+            <p:spPr>
+              <a:xfrm>
+                <a:off x="7999412" y="4886235"/>
+                <a:ext cx="3776996" cy="1200329"/>
+              </a:xfrm>
+              <a:prstGeom prst="rect">
+                <a:avLst/>
+              </a:prstGeom>
+              <a:noFill/>
+            </p:spPr>
+            <p:txBody>
+              <a:bodyPr wrap="none" rtlCol="0">
+                <a:spAutoFit/>
+              </a:bodyPr>
+              <a:lstStyle/>
+              <a:p>
+                <a:r>
+                  <a:rPr lang="en-US" dirty="0"/>
+                  <a:t>Order matters!</a:t>
+                </a:r>
+              </a:p>
+              <a:p>
+                <a:r>
+                  <a:rPr lang="en-US" dirty="0">
+                    <a:latin typeface="Consolas" panose="020B0609020204030204" pitchFamily="49" charset="0"/>
+                  </a:rPr>
+                  <a:t>new Rectangle(6, 4)</a:t>
+                </a:r>
+              </a:p>
+              <a:p>
+                <a:r>
+                  <a:rPr lang="en-US" dirty="0"/>
+                  <a:t> </a:t>
+                </a:r>
+                <a14:m>
+                  <m:oMath xmlns:m="http://schemas.openxmlformats.org/officeDocument/2006/math">
+                    <m:r>
+                      <a:rPr lang="en-US" b="0" i="1" smtClean="0">
+                        <a:latin typeface="Cambria Math" panose="02040503050406030204" pitchFamily="18" charset="0"/>
+                      </a:rPr>
+                      <m:t>≠</m:t>
+                    </m:r>
+                  </m:oMath>
+                </a14:m>
+                <a:r>
+                  <a:rPr lang="en-US" dirty="0"/>
+                  <a:t> </a:t>
+                </a:r>
+                <a:r>
+                  <a:rPr lang="en-US" dirty="0">
+                    <a:latin typeface="Consolas" panose="020B0609020204030204" pitchFamily="49" charset="0"/>
+                  </a:rPr>
+                  <a:t>new Rectangle(4, 6)</a:t>
+                </a:r>
+              </a:p>
+            </p:txBody>
+          </p:sp>
+        </mc:Choice>
+        <mc:Fallback xmlns="">
+          <p:sp>
+            <p:nvSpPr>
+              <p:cNvPr id="6" name="TextBox 5">
+                <a:extLst>
+                  <a:ext uri="{FF2B5EF4-FFF2-40B4-BE49-F238E27FC236}">
+                    <a16:creationId xmlns:a16="http://schemas.microsoft.com/office/drawing/2014/main" id="{209AEC6E-3FF0-4D5F-A872-5F15664AEA72}"/>
+                  </a:ext>
+                </a:extLst>
+              </p:cNvPr>
+              <p:cNvSpPr txBox="1">
+                <a:spLocks noRot="1" noChangeAspect="1" noMove="1" noResize="1" noEditPoints="1" noAdjustHandles="1" noChangeArrowheads="1" noChangeShapeType="1" noTextEdit="1"/>
+              </p:cNvSpPr>
+              <p:nvPr/>
+            </p:nvSpPr>
+            <p:spPr>
+              <a:xfrm>
+                <a:off x="7999412" y="4886235"/>
+                <a:ext cx="3776996" cy="1200329"/>
+              </a:xfrm>
+              <a:prstGeom prst="rect">
+                <a:avLst/>
+              </a:prstGeom>
+              <a:blipFill>
+                <a:blip r:embed="rId2"/>
+                <a:stretch>
+                  <a:fillRect l="-2419" t="-4082" r="-1290" b="-11224"/>
+                </a:stretch>
+              </a:blipFill>
+            </p:spPr>
+            <p:txBody>
+              <a:bodyPr/>
+              <a:lstStyle/>
+              <a:p>
+                <a:r>
+                  <a:rPr lang="en-US">
+                    <a:noFill/>
+                  </a:rPr>
+                  <a:t> </a:t>
+                </a:r>
+              </a:p>
+            </p:txBody>
+          </p:sp>
+        </mc:Fallback>
+      </mc:AlternateContent>
+      <p:cxnSp>
+        <p:nvCxnSpPr>
+          <p:cNvPr id="8" name="Straight Arrow Connector 7">
+            <a:extLst>
+              <a:ext uri="{FF2B5EF4-FFF2-40B4-BE49-F238E27FC236}">
+                <a16:creationId xmlns:a16="http://schemas.microsoft.com/office/drawing/2014/main" id="{FDE841B0-483B-4407-AE33-C25120D0C437}"/>
+              </a:ext>
+            </a:extLst>
+          </p:cNvPr>
+          <p:cNvCxnSpPr>
+            <a:cxnSpLocks/>
+          </p:cNvCxnSpPr>
+          <p:nvPr/>
+        </p:nvCxnSpPr>
+        <p:spPr>
+          <a:xfrm flipH="1" flipV="1">
+            <a:off x="7999412" y="4419601"/>
+            <a:ext cx="168902" cy="506234"/>
+          </a:xfrm>
+          <a:prstGeom prst="straightConnector1">
+            <a:avLst/>
+          </a:prstGeom>
+          <a:ln>
+            <a:tailEnd type="triangle"/>
+          </a:ln>
+        </p:spPr>
+        <p:style>
+          <a:lnRef idx="2">
+            <a:schemeClr val="accent6"/>
+          </a:lnRef>
+          <a:fillRef idx="0">
+            <a:schemeClr val="accent6"/>
+          </a:fillRef>
+          <a:effectRef idx="1">
+            <a:schemeClr val="accent6"/>
+          </a:effectRef>
+          <a:fontRef idx="minor">
+            <a:schemeClr val="tx1"/>
+          </a:fontRef>
+        </p:style>
+      </p:cxnSp>
+      <p:cxnSp>
+        <p:nvCxnSpPr>
+          <p:cNvPr id="11" name="Straight Arrow Connector 10">
+            <a:extLst>
+              <a:ext uri="{FF2B5EF4-FFF2-40B4-BE49-F238E27FC236}">
+                <a16:creationId xmlns:a16="http://schemas.microsoft.com/office/drawing/2014/main" id="{7BBD9AD0-8B27-4E8F-90C2-92CC9498D72C}"/>
+              </a:ext>
+            </a:extLst>
+          </p:cNvPr>
+          <p:cNvCxnSpPr>
+            <a:cxnSpLocks/>
+          </p:cNvCxnSpPr>
+          <p:nvPr/>
+        </p:nvCxnSpPr>
+        <p:spPr>
+          <a:xfrm flipH="1" flipV="1">
+            <a:off x="6932612" y="4419602"/>
+            <a:ext cx="1066800" cy="609598"/>
+          </a:xfrm>
+          <a:prstGeom prst="straightConnector1">
+            <a:avLst/>
+          </a:prstGeom>
+          <a:ln>
+            <a:tailEnd type="triangle"/>
+          </a:ln>
+        </p:spPr>
+        <p:style>
+          <a:lnRef idx="2">
+            <a:schemeClr val="accent6"/>
+          </a:lnRef>
+          <a:fillRef idx="0">
+            <a:schemeClr val="accent6"/>
+          </a:fillRef>
+          <a:effectRef idx="1">
+            <a:schemeClr val="accent6"/>
+          </a:effectRef>
+          <a:fontRef idx="minor">
+            <a:schemeClr val="tx1"/>
+          </a:fontRef>
+        </p:style>
+      </p:cxnSp>
+    </p:spTree>
+    <p:extLst>
+      <p:ext uri="{BB962C8B-B14F-4D97-AF65-F5344CB8AC3E}">
+        <p14:creationId xmlns:p14="http://schemas.microsoft.com/office/powerpoint/2010/main" val="3315620607"/>
+      </p:ext>
+    </p:extLst>
+  </p:cSld>
+  <p:clrMapOvr>
+    <a:masterClrMapping/>
+  </p:clrMapOvr>
+  <p:timing>
+    <p:tnLst>
+      <p:par>
+        <p:cTn id="1" dur="indefinite" restart="never" nodeType="tmRoot">
+          <p:childTnLst>
+            <p:seq concurrent="1" nextAc="seek">
+              <p:cTn id="2" dur="indefinite" nodeType="mainSeq">
+                <p:childTnLst>
+                  <p:par>
+                    <p:cTn id="3" fill="hold">
+                      <p:stCondLst>
+                        <p:cond delay="indefinite"/>
+                      </p:stCondLst>
+                      <p:childTnLst>
+                        <p:par>
+                          <p:cTn id="4" fill="hold">
+                            <p:stCondLst>
+                              <p:cond delay="0"/>
+                            </p:stCondLst>
+                            <p:childTnLst>
+                              <p:par>
+                                <p:cTn id="5" presetID="1" presetClass="entr" presetSubtype="0" fill="hold" nodeType="clickEffect">
+                                  <p:stCondLst>
+                                    <p:cond delay="0"/>
+                                  </p:stCondLst>
+                                  <p:childTnLst>
+                                    <p:set>
+                                      <p:cBhvr>
+                                        <p:cTn id="6" dur="1" fill="hold">
+                                          <p:stCondLst>
+                                            <p:cond delay="0"/>
+                                          </p:stCondLst>
+                                        </p:cTn>
+                                        <p:tgtEl>
+                                          <p:spTgt spid="5">
+                                            <p:txEl>
+                                              <p:pRg st="0" end="0"/>
+                                            </p:txEl>
+                                          </p:spTgt>
+                                        </p:tgtEl>
+                                        <p:attrNameLst>
+                                          <p:attrName>style.visibility</p:attrName>
+                                        </p:attrNameLst>
+                                      </p:cBhvr>
+                                      <p:to>
+                                        <p:strVal val="visible"/>
+                                      </p:to>
+                                    </p:set>
+                                  </p:childTnLst>
+                                </p:cTn>
+                              </p:par>
+                            </p:childTnLst>
+                          </p:cTn>
+                        </p:par>
+                      </p:childTnLst>
+                    </p:cTn>
+                  </p:par>
+                  <p:par>
+                    <p:cTn id="7" fill="hold">
+                      <p:stCondLst>
+                        <p:cond delay="indefinite"/>
+                      </p:stCondLst>
+                      <p:childTnLst>
+                        <p:par>
+                          <p:cTn id="8" fill="hold">
+                            <p:stCondLst>
+                              <p:cond delay="0"/>
+                            </p:stCondLst>
+                            <p:childTnLst>
+                              <p:par>
+                                <p:cTn id="9" presetID="1" presetClass="entr" presetSubtype="0" fill="hold" nodeType="clickEffect">
+                                  <p:stCondLst>
+                                    <p:cond delay="0"/>
+                                  </p:stCondLst>
+                                  <p:childTnLst>
+                                    <p:set>
+                                      <p:cBhvr>
+                                        <p:cTn id="10" dur="1" fill="hold">
+                                          <p:stCondLst>
+                                            <p:cond delay="0"/>
+                                          </p:stCondLst>
+                                        </p:cTn>
+                                        <p:tgtEl>
+                                          <p:spTgt spid="5">
+                                            <p:txEl>
+                                              <p:pRg st="1" end="1"/>
+                                            </p:txEl>
+                                          </p:spTgt>
+                                        </p:tgtEl>
+                                        <p:attrNameLst>
+                                          <p:attrName>style.visibility</p:attrName>
+                                        </p:attrNameLst>
+                                      </p:cBhvr>
+                                      <p:to>
+                                        <p:strVal val="visible"/>
+                                      </p:to>
+                                    </p:set>
+                                  </p:childTnLst>
+                                </p:cTn>
+                              </p:par>
+                              <p:par>
+                                <p:cTn id="11" presetID="1" presetClass="entr" presetSubtype="0" fill="hold" nodeType="withEffect">
+                                  <p:stCondLst>
+                                    <p:cond delay="0"/>
+                                  </p:stCondLst>
+                                  <p:childTnLst>
+                                    <p:set>
+                                      <p:cBhvr>
+                                        <p:cTn id="12" dur="1" fill="hold">
+                                          <p:stCondLst>
+                                            <p:cond delay="0"/>
+                                          </p:stCondLst>
+                                        </p:cTn>
+                                        <p:tgtEl>
+                                          <p:spTgt spid="5">
+                                            <p:txEl>
+                                              <p:pRg st="2" end="2"/>
+                                            </p:txEl>
+                                          </p:spTgt>
+                                        </p:tgtEl>
+                                        <p:attrNameLst>
+                                          <p:attrName>style.visibility</p:attrName>
+                                        </p:attrNameLst>
+                                      </p:cBhvr>
+                                      <p:to>
+                                        <p:strVal val="visible"/>
+                                      </p:to>
+                                    </p:set>
+                                  </p:childTnLst>
+                                </p:cTn>
+                              </p:par>
+                              <p:par>
+                                <p:cTn id="13" presetID="1" presetClass="entr" presetSubtype="0" fill="hold" nodeType="withEffect">
+                                  <p:stCondLst>
+                                    <p:cond delay="0"/>
+                                  </p:stCondLst>
+                                  <p:childTnLst>
+                                    <p:set>
+                                      <p:cBhvr>
+                                        <p:cTn id="14" dur="1" fill="hold">
+                                          <p:stCondLst>
+                                            <p:cond delay="0"/>
+                                          </p:stCondLst>
+                                        </p:cTn>
+                                        <p:tgtEl>
+                                          <p:spTgt spid="5">
+                                            <p:txEl>
+                                              <p:pRg st="3" end="3"/>
+                                            </p:txEl>
+                                          </p:spTgt>
+                                        </p:tgtEl>
+                                        <p:attrNameLst>
+                                          <p:attrName>style.visibility</p:attrName>
+                                        </p:attrNameLst>
+                                      </p:cBhvr>
+                                      <p:to>
+                                        <p:strVal val="visible"/>
+                                      </p:to>
+                                    </p:set>
+                                  </p:childTnLst>
+                                </p:cTn>
+                              </p:par>
+                              <p:par>
+                                <p:cTn id="15" presetID="1" presetClass="entr" presetSubtype="0" fill="hold" nodeType="withEffect">
+                                  <p:stCondLst>
+                                    <p:cond delay="0"/>
+                                  </p:stCondLst>
+                                  <p:childTnLst>
+                                    <p:set>
+                                      <p:cBhvr>
+                                        <p:cTn id="16" dur="1" fill="hold">
+                                          <p:stCondLst>
+                                            <p:cond delay="0"/>
+                                          </p:stCondLst>
+                                        </p:cTn>
+                                        <p:tgtEl>
+                                          <p:spTgt spid="5">
+                                            <p:txEl>
+                                              <p:pRg st="4" end="4"/>
+                                            </p:txEl>
+                                          </p:spTgt>
+                                        </p:tgtEl>
+                                        <p:attrNameLst>
+                                          <p:attrName>style.visibility</p:attrName>
+                                        </p:attrNameLst>
+                                      </p:cBhvr>
+                                      <p:to>
+                                        <p:strVal val="visible"/>
+                                      </p:to>
+                                    </p:set>
+                                  </p:childTnLst>
+                                </p:cTn>
+                              </p:par>
+                            </p:childTnLst>
+                          </p:cTn>
+                        </p:par>
+                      </p:childTnLst>
+                    </p:cTn>
+                  </p:par>
+                  <p:par>
+                    <p:cTn id="17" fill="hold">
+                      <p:stCondLst>
+                        <p:cond delay="indefinite"/>
+                      </p:stCondLst>
+                      <p:childTnLst>
+                        <p:par>
+                          <p:cTn id="18" fill="hold">
+                            <p:stCondLst>
+                              <p:cond delay="0"/>
+                            </p:stCondLst>
+                            <p:childTnLst>
+                              <p:par>
+                                <p:cTn id="19" presetID="1" presetClass="entr" presetSubtype="0" fill="hold" nodeType="clickEffect">
+                                  <p:stCondLst>
+                                    <p:cond delay="0"/>
+                                  </p:stCondLst>
+                                  <p:childTnLst>
+                                    <p:set>
+                                      <p:cBhvr>
+                                        <p:cTn id="20" dur="1" fill="hold">
+                                          <p:stCondLst>
+                                            <p:cond delay="0"/>
+                                          </p:stCondLst>
+                                        </p:cTn>
+                                        <p:tgtEl>
+                                          <p:spTgt spid="11"/>
+                                        </p:tgtEl>
+                                        <p:attrNameLst>
+                                          <p:attrName>style.visibility</p:attrName>
+                                        </p:attrNameLst>
+                                      </p:cBhvr>
+                                      <p:to>
+                                        <p:strVal val="visible"/>
+                                      </p:to>
+                                    </p:set>
+                                  </p:childTnLst>
+                                </p:cTn>
+                              </p:par>
+                              <p:par>
+                                <p:cTn id="21" presetID="1" presetClass="entr" presetSubtype="0" fill="hold" nodeType="withEffect">
+                                  <p:stCondLst>
+                                    <p:cond delay="0"/>
+                                  </p:stCondLst>
+                                  <p:childTnLst>
+                                    <p:set>
+                                      <p:cBhvr>
+                                        <p:cTn id="22" dur="1" fill="hold">
+                                          <p:stCondLst>
+                                            <p:cond delay="0"/>
+                                          </p:stCondLst>
+                                        </p:cTn>
+                                        <p:tgtEl>
+                                          <p:spTgt spid="8"/>
+                                        </p:tgtEl>
+                                        <p:attrNameLst>
+                                          <p:attrName>style.visibility</p:attrName>
+                                        </p:attrNameLst>
+                                      </p:cBhvr>
+                                      <p:to>
+                                        <p:strVal val="visible"/>
+                                      </p:to>
+                                    </p:set>
+                                  </p:childTnLst>
+                                </p:cTn>
+                              </p:par>
+                              <p:par>
+                                <p:cTn id="23" presetID="1" presetClass="entr" presetSubtype="0" fill="hold" grpId="0" nodeType="withEffect">
+                                  <p:stCondLst>
+                                    <p:cond delay="0"/>
+                                  </p:stCondLst>
+                                  <p:childTnLst>
+                                    <p:set>
+                                      <p:cBhvr>
+                                        <p:cTn id="24" dur="1" fill="hold">
+                                          <p:stCondLst>
+                                            <p:cond delay="0"/>
+                                          </p:stCondLst>
+                                        </p:cTn>
+                                        <p:tgtEl>
+                                          <p:spTgt spid="6"/>
+                                        </p:tgtEl>
+                                        <p:attrNameLst>
+                                          <p:attrName>style.visibility</p:attrName>
+                                        </p:attrNameLst>
+                                      </p:cBhvr>
+                                      <p:to>
+                                        <p:strVal val="visible"/>
+                                      </p:to>
+                                    </p:set>
+                                  </p:childTnLst>
+                                </p:cTn>
+                              </p:par>
+                            </p:childTnLst>
+                          </p:cTn>
+                        </p:par>
+                      </p:childTnLst>
+                    </p:cTn>
+                  </p:par>
+                </p:childTnLst>
+              </p:cTn>
+              <p:prevCondLst>
+                <p:cond evt="onPrev" delay="0">
+                  <p:tgtEl>
+                    <p:sldTgt/>
+                  </p:tgtEl>
+                </p:cond>
+              </p:prevCondLst>
+              <p:nextCondLst>
+                <p:cond evt="onNext" delay="0">
+                  <p:tgtEl>
+                    <p:sldTgt/>
+                  </p:tgtEl>
+                </p:cond>
+              </p:nextCondLst>
+            </p:seq>
+          </p:childTnLst>
+        </p:cTn>
+      </p:par>
+    </p:tnLst>
+    <p:bldLst>
+      <p:bldP spid="6" grpId="0"/>
+    </p:bldLst>
+  </p:timing>
+</p:sld>
+</file>
+
+<file path=ppt/slides/slide22.xml><?xml version="1.0" encoding="utf-8"?>
+<p:sld xmlns:a="http://schemas.openxmlformats.org/drawingml/2006/main" xmlns:r="http://schemas.openxmlformats.org/officeDocument/2006/relationships" xmlns:p="http://schemas.openxmlformats.org/presentationml/2006/main">
+  <p:cSld>
+    <p:spTree>
+      <p:nvGrpSpPr>
+        <p:cNvPr id="1" name=""/>
+        <p:cNvGrpSpPr/>
+        <p:nvPr/>
+      </p:nvGrpSpPr>
+      <p:grpSpPr>
+        <a:xfrm>
+          <a:off x="0" y="0"/>
+          <a:ext cx="0" cy="0"/>
+          <a:chOff x="0" y="0"/>
+          <a:chExt cx="0" cy="0"/>
+        </a:xfrm>
+      </p:grpSpPr>
+      <p:sp>
+        <p:nvSpPr>
+          <p:cNvPr id="2" name="Title 1"/>
+          <p:cNvSpPr>
+            <a:spLocks noGrp="1"/>
+          </p:cNvSpPr>
+          <p:nvPr>
+            <p:ph type="title"/>
+          </p:nvPr>
+        </p:nvSpPr>
+        <p:spPr/>
+        <p:txBody>
+          <a:bodyPr/>
+          <a:lstStyle/>
+          <a:p>
+            <a:r>
+              <a:rPr lang="en-US" dirty="0" smtClean="0"/>
+              <a:t>“Partial” Constructors</a:t>
+            </a:r>
+            <a:endParaRPr lang="en-US" dirty="0"/>
+          </a:p>
+        </p:txBody>
+      </p:sp>
+      <p:sp>
+        <p:nvSpPr>
+          <p:cNvPr id="3" name="Content Placeholder 2"/>
+          <p:cNvSpPr>
+            <a:spLocks noGrp="1"/>
+          </p:cNvSpPr>
+          <p:nvPr>
+            <p:ph idx="1"/>
+          </p:nvPr>
+        </p:nvSpPr>
+        <p:spPr/>
+        <p:txBody>
+          <a:bodyPr/>
+          <a:lstStyle/>
+          <a:p>
+            <a:r>
+              <a:rPr lang="en-US" dirty="0" smtClean="0"/>
+              <a:t>Constructors don’t </a:t>
+            </a:r>
+            <a:r>
+              <a:rPr lang="en-US" i="1" dirty="0" smtClean="0"/>
+              <a:t>need</a:t>
+            </a:r>
+            <a:r>
+              <a:rPr lang="en-US" dirty="0" smtClean="0"/>
+              <a:t> 1 parameter per instance variable</a:t>
+            </a:r>
+          </a:p>
+          <a:p>
+            <a:r>
+              <a:rPr lang="en-US" dirty="0" smtClean="0"/>
+              <a:t>Consider the Account class:</a:t>
+            </a:r>
+          </a:p>
+          <a:p>
+            <a:r>
+              <a:rPr lang="en-US" dirty="0" smtClean="0"/>
+              <a:t>2 attributes; “standard” constructor </a:t>
+            </a:r>
+            <a:br>
+              <a:rPr lang="en-US" dirty="0" smtClean="0"/>
+            </a:br>
+            <a:r>
+              <a:rPr lang="en-US" dirty="0" smtClean="0"/>
+              <a:t>would have 2 parameters</a:t>
+            </a:r>
+            <a:endParaRPr lang="en-US" dirty="0"/>
+          </a:p>
+          <a:p>
+            <a:r>
+              <a:rPr lang="en-US" dirty="0" smtClean="0"/>
+              <a:t>Can also write a constructor with 1 parameter</a:t>
+            </a:r>
+          </a:p>
+          <a:p>
+            <a:pPr lvl="1"/>
+            <a:r>
+              <a:rPr lang="en-US" dirty="0" smtClean="0"/>
+              <a:t>1 attribute needs to be initialized, the other can get a default value</a:t>
+            </a:r>
+          </a:p>
+          <a:p>
+            <a:pPr lvl="1"/>
+            <a:endParaRPr lang="en-US" dirty="0"/>
+          </a:p>
+        </p:txBody>
+      </p:sp>
+      <p:sp>
+        <p:nvSpPr>
+          <p:cNvPr id="4" name="Footer Placeholder 3"/>
+          <p:cNvSpPr>
+            <a:spLocks noGrp="1"/>
+          </p:cNvSpPr>
+          <p:nvPr>
+            <p:ph type="ftr" sz="quarter" idx="11"/>
+          </p:nvPr>
+        </p:nvSpPr>
+        <p:spPr/>
+        <p:txBody>
+          <a:bodyPr/>
+          <a:lstStyle/>
+          <a:p>
+            <a:r>
+              <a:rPr lang="en-US" smtClean="0"/>
+              <a:t>CSCI 1301</a:t>
+            </a:r>
+            <a:endParaRPr lang="en-US"/>
+          </a:p>
+        </p:txBody>
+      </p:sp>
+      <p:sp>
+        <p:nvSpPr>
+          <p:cNvPr id="5" name="TextBox 4">
+            <a:extLst>
+              <a:ext uri="{FF2B5EF4-FFF2-40B4-BE49-F238E27FC236}">
+                <a16:creationId xmlns:a16="http://schemas.microsoft.com/office/drawing/2014/main" id="{7293D702-E885-4178-8990-9BF2ADE83607}"/>
+              </a:ext>
+            </a:extLst>
+          </p:cNvPr>
+          <p:cNvSpPr txBox="1"/>
+          <p:nvPr/>
+        </p:nvSpPr>
+        <p:spPr>
+          <a:xfrm>
+            <a:off x="7389812" y="2133600"/>
+            <a:ext cx="4419600" cy="1446550"/>
+          </a:xfrm>
+          <a:prstGeom prst="rect">
+            <a:avLst/>
+          </a:prstGeom>
+          <a:solidFill>
+            <a:schemeClr val="bg1">
+              <a:lumMod val="85000"/>
+              <a:lumOff val="15000"/>
+            </a:schemeClr>
+          </a:solidFill>
+        </p:spPr>
+        <p:txBody>
+          <a:bodyPr wrap="square" rtlCol="0">
+            <a:spAutoFit/>
+          </a:bodyPr>
+          <a:lstStyle>
+            <a:defPPr>
+              <a:defRPr lang="en-US"/>
+            </a:defPPr>
+            <a:lvl1pPr>
+              <a:lnSpc>
+                <a:spcPct val="113000"/>
+              </a:lnSpc>
+              <a:defRPr sz="2200">
+                <a:solidFill>
+                  <a:srgbClr val="0099FF"/>
+                </a:solidFill>
+                <a:latin typeface="Consolas" panose="020B0609020204030204" pitchFamily="49" charset="0"/>
+              </a:defRPr>
+            </a:lvl1pPr>
+          </a:lstStyle>
+          <a:p>
+            <a:pPr>
+              <a:lnSpc>
+                <a:spcPct val="100000"/>
+              </a:lnSpc>
+            </a:pPr>
+            <a:r>
+              <a:rPr lang="en-US" dirty="0"/>
+              <a:t>class </a:t>
+            </a:r>
+            <a:r>
+              <a:rPr lang="en-US" dirty="0" smtClean="0">
+                <a:solidFill>
+                  <a:srgbClr val="66FFCC"/>
+                </a:solidFill>
+              </a:rPr>
+              <a:t>Account</a:t>
+            </a:r>
+            <a:endParaRPr lang="en-US" dirty="0">
+              <a:solidFill>
+                <a:srgbClr val="66FFCC"/>
+              </a:solidFill>
+            </a:endParaRPr>
+          </a:p>
+          <a:p>
+            <a:pPr>
+              <a:lnSpc>
+                <a:spcPct val="100000"/>
+              </a:lnSpc>
+            </a:pPr>
+            <a:r>
+              <a:rPr lang="en-US" dirty="0">
+                <a:solidFill>
+                  <a:schemeClr val="tx1"/>
+                </a:solidFill>
+              </a:rPr>
+              <a:t>{</a:t>
+            </a:r>
+          </a:p>
+          <a:p>
+            <a:pPr>
+              <a:lnSpc>
+                <a:spcPct val="100000"/>
+              </a:lnSpc>
+            </a:pPr>
+            <a:r>
+              <a:rPr lang="en-US" dirty="0"/>
+              <a:t>  </a:t>
+            </a:r>
+            <a:r>
+              <a:rPr lang="en-US" dirty="0" smtClean="0"/>
+              <a:t>private decimal </a:t>
+            </a:r>
+            <a:r>
+              <a:rPr lang="en-US" dirty="0" smtClean="0">
+                <a:solidFill>
+                  <a:schemeClr val="tx1"/>
+                </a:solidFill>
+              </a:rPr>
+              <a:t>balance;</a:t>
+            </a:r>
+          </a:p>
+          <a:p>
+            <a:pPr>
+              <a:lnSpc>
+                <a:spcPct val="100000"/>
+              </a:lnSpc>
+            </a:pPr>
+            <a:r>
+              <a:rPr lang="en-US" dirty="0"/>
+              <a:t> </a:t>
+            </a:r>
+            <a:r>
+              <a:rPr lang="en-US" dirty="0" smtClean="0"/>
+              <a:t> private string </a:t>
+            </a:r>
+            <a:r>
+              <a:rPr lang="en-US" dirty="0" err="1" smtClean="0">
+                <a:solidFill>
+                  <a:schemeClr val="tx1"/>
+                </a:solidFill>
+              </a:rPr>
+              <a:t>ownerName</a:t>
+            </a:r>
+            <a:r>
+              <a:rPr lang="en-US" dirty="0" smtClean="0">
+                <a:solidFill>
+                  <a:schemeClr val="tx1"/>
+                </a:solidFill>
+              </a:rPr>
+              <a:t>;</a:t>
+            </a:r>
+            <a:r>
+              <a:rPr lang="en-US" dirty="0" smtClean="0"/>
+              <a:t> </a:t>
+            </a:r>
+          </a:p>
+        </p:txBody>
+      </p:sp>
+      <p:sp>
+        <p:nvSpPr>
+          <p:cNvPr id="7" name="TextBox 6">
+            <a:extLst>
+              <a:ext uri="{FF2B5EF4-FFF2-40B4-BE49-F238E27FC236}">
+                <a16:creationId xmlns:a16="http://schemas.microsoft.com/office/drawing/2014/main" id="{B2450A5E-2B5D-447D-BF4D-C297FA429BC1}"/>
+              </a:ext>
+            </a:extLst>
+          </p:cNvPr>
+          <p:cNvSpPr txBox="1"/>
+          <p:nvPr/>
+        </p:nvSpPr>
+        <p:spPr>
+          <a:xfrm>
+            <a:off x="3503612" y="4800600"/>
+            <a:ext cx="4495800" cy="1446550"/>
+          </a:xfrm>
+          <a:prstGeom prst="rect">
+            <a:avLst/>
+          </a:prstGeom>
+          <a:solidFill>
+            <a:schemeClr val="bg1">
+              <a:lumMod val="85000"/>
+              <a:lumOff val="15000"/>
+            </a:schemeClr>
+          </a:solidFill>
+        </p:spPr>
+        <p:txBody>
+          <a:bodyPr wrap="square" rtlCol="0">
+            <a:spAutoFit/>
+          </a:bodyPr>
+          <a:lstStyle>
+            <a:defPPr>
+              <a:defRPr lang="en-US"/>
+            </a:defPPr>
+            <a:lvl1pPr>
+              <a:lnSpc>
+                <a:spcPct val="113000"/>
+              </a:lnSpc>
+              <a:defRPr sz="2200">
+                <a:solidFill>
+                  <a:srgbClr val="0099FF"/>
+                </a:solidFill>
+                <a:latin typeface="Consolas" panose="020B0609020204030204" pitchFamily="49" charset="0"/>
+              </a:defRPr>
+            </a:lvl1pPr>
+          </a:lstStyle>
+          <a:p>
+            <a:pPr>
+              <a:lnSpc>
+                <a:spcPct val="100000"/>
+              </a:lnSpc>
+            </a:pPr>
+            <a:r>
+              <a:rPr lang="en-US" dirty="0"/>
+              <a:t>public </a:t>
+            </a:r>
+            <a:r>
+              <a:rPr lang="en-US" dirty="0" smtClean="0">
+                <a:solidFill>
+                  <a:srgbClr val="66FFCC"/>
+                </a:solidFill>
+              </a:rPr>
+              <a:t>Account</a:t>
+            </a:r>
+            <a:r>
+              <a:rPr lang="en-US" dirty="0" smtClean="0">
+                <a:solidFill>
+                  <a:schemeClr val="tx1"/>
+                </a:solidFill>
+              </a:rPr>
+              <a:t>(</a:t>
+            </a:r>
+            <a:r>
+              <a:rPr lang="en-US" dirty="0" smtClean="0"/>
+              <a:t>string</a:t>
+            </a:r>
+            <a:r>
+              <a:rPr lang="en-US" dirty="0" smtClean="0">
+                <a:solidFill>
+                  <a:schemeClr val="tx1"/>
+                </a:solidFill>
+              </a:rPr>
+              <a:t> name)</a:t>
+            </a:r>
+            <a:endParaRPr lang="en-US" dirty="0">
+              <a:solidFill>
+                <a:schemeClr val="tx1"/>
+              </a:solidFill>
+            </a:endParaRPr>
+          </a:p>
+          <a:p>
+            <a:pPr>
+              <a:lnSpc>
+                <a:spcPct val="100000"/>
+              </a:lnSpc>
+            </a:pPr>
+            <a:r>
+              <a:rPr lang="en-US" dirty="0">
+                <a:solidFill>
+                  <a:schemeClr val="tx1"/>
+                </a:solidFill>
+              </a:rPr>
+              <a:t>{</a:t>
+            </a:r>
+          </a:p>
+          <a:p>
+            <a:pPr>
+              <a:lnSpc>
+                <a:spcPct val="100000"/>
+              </a:lnSpc>
+            </a:pPr>
+            <a:r>
+              <a:rPr lang="en-US" dirty="0" smtClean="0">
+                <a:solidFill>
+                  <a:schemeClr val="tx1"/>
+                </a:solidFill>
+              </a:rPr>
+              <a:t>  </a:t>
+            </a:r>
+            <a:r>
+              <a:rPr lang="en-US" dirty="0" err="1" smtClean="0">
+                <a:solidFill>
+                  <a:schemeClr val="tx1"/>
+                </a:solidFill>
+              </a:rPr>
+              <a:t>ownerName</a:t>
+            </a:r>
+            <a:r>
+              <a:rPr lang="en-US" dirty="0" smtClean="0">
+                <a:solidFill>
+                  <a:schemeClr val="tx1"/>
+                </a:solidFill>
+              </a:rPr>
+              <a:t> = name;</a:t>
+            </a:r>
+          </a:p>
+          <a:p>
+            <a:pPr>
+              <a:lnSpc>
+                <a:spcPct val="100000"/>
+              </a:lnSpc>
+            </a:pPr>
+            <a:r>
+              <a:rPr lang="en-US" dirty="0" smtClean="0">
+                <a:solidFill>
+                  <a:schemeClr val="tx1"/>
+                </a:solidFill>
+              </a:rPr>
+              <a:t>}</a:t>
+            </a:r>
+            <a:endParaRPr lang="en-US" dirty="0">
+              <a:solidFill>
+                <a:schemeClr val="tx1"/>
+              </a:solidFill>
+            </a:endParaRPr>
+          </a:p>
+        </p:txBody>
+      </p:sp>
+      <p:sp>
+        <p:nvSpPr>
+          <p:cNvPr id="8" name="TextBox 7"/>
+          <p:cNvSpPr txBox="1"/>
+          <p:nvPr/>
+        </p:nvSpPr>
+        <p:spPr>
+          <a:xfrm>
+            <a:off x="6856412" y="5840086"/>
+            <a:ext cx="4322017" cy="461665"/>
+          </a:xfrm>
+          <a:prstGeom prst="rect">
+            <a:avLst/>
+          </a:prstGeom>
+          <a:noFill/>
+        </p:spPr>
+        <p:txBody>
+          <a:bodyPr wrap="none" rtlCol="0">
+            <a:spAutoFit/>
+          </a:bodyPr>
+          <a:lstStyle/>
+          <a:p>
+            <a:r>
+              <a:rPr lang="en-US" dirty="0"/>
+              <a:t>b</a:t>
+            </a:r>
+            <a:r>
+              <a:rPr lang="en-US" dirty="0" smtClean="0"/>
+              <a:t>alance gets the default value </a:t>
+            </a:r>
+            <a:r>
+              <a:rPr lang="en-US" dirty="0" smtClean="0">
+                <a:latin typeface="Consolas" panose="020B0609020204030204" pitchFamily="49" charset="0"/>
+              </a:rPr>
+              <a:t>0</a:t>
+            </a:r>
+            <a:endParaRPr lang="en-US" dirty="0">
+              <a:latin typeface="Consolas" panose="020B0609020204030204" pitchFamily="49" charset="0"/>
+            </a:endParaRPr>
+          </a:p>
+        </p:txBody>
+      </p:sp>
+      <p:cxnSp>
+        <p:nvCxnSpPr>
+          <p:cNvPr id="10" name="Straight Arrow Connector 9"/>
+          <p:cNvCxnSpPr>
+            <a:stCxn id="8" idx="1"/>
+          </p:cNvCxnSpPr>
+          <p:nvPr/>
+        </p:nvCxnSpPr>
+        <p:spPr>
+          <a:xfrm flipH="1" flipV="1">
+            <a:off x="5408612" y="5949933"/>
+            <a:ext cx="1447800" cy="120986"/>
+          </a:xfrm>
+          <a:prstGeom prst="straightConnector1">
+            <a:avLst/>
+          </a:prstGeom>
+          <a:ln>
+            <a:tailEnd type="triangle"/>
+          </a:ln>
+        </p:spPr>
+        <p:style>
+          <a:lnRef idx="2">
+            <a:schemeClr val="accent6"/>
+          </a:lnRef>
+          <a:fillRef idx="0">
+            <a:schemeClr val="accent6"/>
+          </a:fillRef>
+          <a:effectRef idx="1">
+            <a:schemeClr val="accent6"/>
+          </a:effectRef>
+          <a:fontRef idx="minor">
+            <a:schemeClr val="tx1"/>
+          </a:fontRef>
+        </p:style>
+      </p:cxnSp>
+    </p:spTree>
+    <p:extLst>
+      <p:ext uri="{BB962C8B-B14F-4D97-AF65-F5344CB8AC3E}">
+        <p14:creationId xmlns:p14="http://schemas.microsoft.com/office/powerpoint/2010/main" val="1613104572"/>
+      </p:ext>
+    </p:extLst>
+  </p:cSld>
+  <p:clrMapOvr>
+    <a:masterClrMapping/>
+  </p:clrMapOvr>
+  <p:timing>
+    <p:tnLst>
+      <p:par>
+        <p:cTn id="1" dur="indefinite" restart="never" nodeType="tmRoot">
+          <p:childTnLst>
+            <p:seq concurrent="1" nextAc="seek">
+              <p:cTn id="2" dur="indefinite" nodeType="mainSeq">
+                <p:childTnLst>
+                  <p:par>
+                    <p:cTn id="3" fill="hold">
+                      <p:stCondLst>
+                        <p:cond delay="indefinite"/>
+                      </p:stCondLst>
+                      <p:childTnLst>
+                        <p:par>
+                          <p:cTn id="4" fill="hold">
+                            <p:stCondLst>
+                              <p:cond delay="0"/>
+                            </p:stCondLst>
+                            <p:childTnLst>
+                              <p:par>
+                                <p:cTn id="5" presetID="1" presetClass="entr" presetSubtype="0" fill="hold" nodeType="clickEffect">
+                                  <p:stCondLst>
+                                    <p:cond delay="0"/>
+                                  </p:stCondLst>
+                                  <p:childTnLst>
+                                    <p:set>
+                                      <p:cBhvr>
+                                        <p:cTn id="6" dur="1" fill="hold">
+                                          <p:stCondLst>
+                                            <p:cond delay="0"/>
+                                          </p:stCondLst>
+                                        </p:cTn>
+                                        <p:tgtEl>
+                                          <p:spTgt spid="7">
+                                            <p:txEl>
+                                              <p:pRg st="0" end="0"/>
+                                            </p:txEl>
+                                          </p:spTgt>
+                                        </p:tgtEl>
+                                        <p:attrNameLst>
+                                          <p:attrName>style.visibility</p:attrName>
+                                        </p:attrNameLst>
+                                      </p:cBhvr>
+                                      <p:to>
+                                        <p:strVal val="visible"/>
+                                      </p:to>
+                                    </p:set>
+                                  </p:childTnLst>
+                                </p:cTn>
+                              </p:par>
+                            </p:childTnLst>
+                          </p:cTn>
+                        </p:par>
+                      </p:childTnLst>
+                    </p:cTn>
+                  </p:par>
+                  <p:par>
+                    <p:cTn id="7" fill="hold">
+                      <p:stCondLst>
+                        <p:cond delay="indefinite"/>
+                      </p:stCondLst>
+                      <p:childTnLst>
+                        <p:par>
+                          <p:cTn id="8" fill="hold">
+                            <p:stCondLst>
+                              <p:cond delay="0"/>
+                            </p:stCondLst>
+                            <p:childTnLst>
+                              <p:par>
+                                <p:cTn id="9" presetID="1" presetClass="entr" presetSubtype="0" fill="hold" nodeType="clickEffect">
+                                  <p:stCondLst>
+                                    <p:cond delay="0"/>
+                                  </p:stCondLst>
+                                  <p:childTnLst>
+                                    <p:set>
+                                      <p:cBhvr>
+                                        <p:cTn id="10" dur="1" fill="hold">
+                                          <p:stCondLst>
+                                            <p:cond delay="0"/>
+                                          </p:stCondLst>
+                                        </p:cTn>
+                                        <p:tgtEl>
+                                          <p:spTgt spid="7">
+                                            <p:txEl>
+                                              <p:pRg st="1" end="1"/>
+                                            </p:txEl>
+                                          </p:spTgt>
+                                        </p:tgtEl>
+                                        <p:attrNameLst>
+                                          <p:attrName>style.visibility</p:attrName>
+                                        </p:attrNameLst>
+                                      </p:cBhvr>
+                                      <p:to>
+                                        <p:strVal val="visible"/>
+                                      </p:to>
+                                    </p:set>
+                                  </p:childTnLst>
+                                </p:cTn>
+                              </p:par>
+                              <p:par>
+                                <p:cTn id="11" presetID="1" presetClass="entr" presetSubtype="0" fill="hold" nodeType="withEffect">
+                                  <p:stCondLst>
+                                    <p:cond delay="0"/>
+                                  </p:stCondLst>
+                                  <p:childTnLst>
+                                    <p:set>
+                                      <p:cBhvr>
+                                        <p:cTn id="12" dur="1" fill="hold">
+                                          <p:stCondLst>
+                                            <p:cond delay="0"/>
+                                          </p:stCondLst>
+                                        </p:cTn>
+                                        <p:tgtEl>
+                                          <p:spTgt spid="7">
+                                            <p:txEl>
+                                              <p:pRg st="2" end="2"/>
+                                            </p:txEl>
+                                          </p:spTgt>
+                                        </p:tgtEl>
+                                        <p:attrNameLst>
+                                          <p:attrName>style.visibility</p:attrName>
+                                        </p:attrNameLst>
+                                      </p:cBhvr>
+                                      <p:to>
+                                        <p:strVal val="visible"/>
+                                      </p:to>
+                                    </p:set>
+                                  </p:childTnLst>
+                                </p:cTn>
+                              </p:par>
+                              <p:par>
+                                <p:cTn id="13" presetID="1" presetClass="entr" presetSubtype="0" fill="hold" nodeType="withEffect">
+                                  <p:stCondLst>
+                                    <p:cond delay="0"/>
+                                  </p:stCondLst>
+                                  <p:childTnLst>
+                                    <p:set>
+                                      <p:cBhvr>
+                                        <p:cTn id="14" dur="1" fill="hold">
+                                          <p:stCondLst>
+                                            <p:cond delay="0"/>
+                                          </p:stCondLst>
+                                        </p:cTn>
+                                        <p:tgtEl>
+                                          <p:spTgt spid="7">
+                                            <p:txEl>
+                                              <p:pRg st="3" end="3"/>
+                                            </p:txEl>
+                                          </p:spTgt>
+                                        </p:tgtEl>
+                                        <p:attrNameLst>
+                                          <p:attrName>style.visibility</p:attrName>
+                                        </p:attrNameLst>
+                                      </p:cBhvr>
+                                      <p:to>
+                                        <p:strVal val="visible"/>
+                                      </p:to>
+                                    </p:set>
+                                  </p:childTnLst>
+                                </p:cTn>
+                              </p:par>
+                            </p:childTnLst>
+                          </p:cTn>
+                        </p:par>
+                      </p:childTnLst>
+                    </p:cTn>
+                  </p:par>
+                  <p:par>
+                    <p:cTn id="15" fill="hold">
+                      <p:stCondLst>
+                        <p:cond delay="indefinite"/>
+                      </p:stCondLst>
+                      <p:childTnLst>
+                        <p:par>
+                          <p:cTn id="16" fill="hold">
+                            <p:stCondLst>
+                              <p:cond delay="0"/>
+                            </p:stCondLst>
+                            <p:childTnLst>
+                              <p:par>
+                                <p:cTn id="17" presetID="1" presetClass="entr" presetSubtype="0" fill="hold" grpId="0" nodeType="clickEffect">
+                                  <p:stCondLst>
+                                    <p:cond delay="0"/>
+                                  </p:stCondLst>
+                                  <p:childTnLst>
+                                    <p:set>
+                                      <p:cBhvr>
+                                        <p:cTn id="18" dur="1" fill="hold">
+                                          <p:stCondLst>
+                                            <p:cond delay="0"/>
+                                          </p:stCondLst>
+                                        </p:cTn>
+                                        <p:tgtEl>
+                                          <p:spTgt spid="8"/>
+                                        </p:tgtEl>
+                                        <p:attrNameLst>
+                                          <p:attrName>style.visibility</p:attrName>
+                                        </p:attrNameLst>
+                                      </p:cBhvr>
+                                      <p:to>
+                                        <p:strVal val="visible"/>
+                                      </p:to>
+                                    </p:set>
+                                  </p:childTnLst>
+                                </p:cTn>
+                              </p:par>
+                              <p:par>
+                                <p:cTn id="19" presetID="1" presetClass="entr" presetSubtype="0" fill="hold" nodeType="withEffect">
+                                  <p:stCondLst>
+                                    <p:cond delay="0"/>
+                                  </p:stCondLst>
+                                  <p:childTnLst>
+                                    <p:set>
+                                      <p:cBhvr>
+                                        <p:cTn id="20" dur="1" fill="hold">
+                                          <p:stCondLst>
+                                            <p:cond delay="0"/>
+                                          </p:stCondLst>
+                                        </p:cTn>
+                                        <p:tgtEl>
+                                          <p:spTgt spid="10"/>
+                                        </p:tgtEl>
+                                        <p:attrNameLst>
+                                          <p:attrName>style.visibility</p:attrName>
+                                        </p:attrNameLst>
+                                      </p:cBhvr>
+                                      <p:to>
+                                        <p:strVal val="visible"/>
+                                      </p:to>
+                                    </p:set>
+                                  </p:childTnLst>
+                                </p:cTn>
+                              </p:par>
+                            </p:childTnLst>
+                          </p:cTn>
+                        </p:par>
+                      </p:childTnLst>
+                    </p:cTn>
+                  </p:par>
+                </p:childTnLst>
+              </p:cTn>
+              <p:prevCondLst>
+                <p:cond evt="onPrev" delay="0">
+                  <p:tgtEl>
+                    <p:sldTgt/>
+                  </p:tgtEl>
+                </p:cond>
+              </p:prevCondLst>
+              <p:nextCondLst>
+                <p:cond evt="onNext" delay="0">
+                  <p:tgtEl>
+                    <p:sldTgt/>
+                  </p:tgtEl>
+                </p:cond>
+              </p:nextCondLst>
+            </p:seq>
+          </p:childTnLst>
+        </p:cTn>
+      </p:par>
+    </p:tnLst>
+    <p:bldLst>
+      <p:bldP spid="8" grpId="0"/>
+    </p:bldLst>
+  </p:timing>
+</p:sld>
+</file>
+
+<file path=ppt/slides/slide23.xml><?xml version="1.0" encoding="utf-8"?>
 <p:sld xmlns:a="http://schemas.openxmlformats.org/drawingml/2006/main" xmlns:r="http://schemas.openxmlformats.org/officeDocument/2006/relationships" xmlns:p="http://schemas.openxmlformats.org/presentationml/2006/main">
   <p:cSld>
     <p:spTree>
@@ -13602,8 +16250,24 @@
             <a:pPr lvl="1"/>
             <a:r>
               <a:rPr lang="en-US" dirty="0"/>
-              <a:t>Multiple constructors</a:t>
-            </a:r>
+              <a:t>Multiple </a:t>
+            </a:r>
+            <a:r>
+              <a:rPr lang="en-US" dirty="0" smtClean="0"/>
+              <a:t>constructors</a:t>
+            </a:r>
+          </a:p>
+          <a:p>
+            <a:pPr lvl="1"/>
+            <a:r>
+              <a:rPr lang="en-US" b="1" dirty="0"/>
+              <a:t>Constructors in </a:t>
+            </a:r>
+            <a:r>
+              <a:rPr lang="en-US" b="1" dirty="0" smtClean="0"/>
+              <a:t>UML</a:t>
+            </a:r>
+            <a:endParaRPr lang="en-US" dirty="0"/>
           </a:p>
           <a:p>
             <a:r>
@@ -13651,17 +16315,627 @@
     </p:spTree>
     <p:extLst>
       <p:ext uri="{BB962C8B-B14F-4D97-AF65-F5344CB8AC3E}">
-        <p14:creationId xmlns:p14="http://schemas.microsoft.com/office/powerpoint/2010/main" val="905501653"/>
+        <p14:creationId xmlns:p14="http://schemas.microsoft.com/office/powerpoint/2010/main" val="3110335986"/>
       </p:ext>
     </p:extLst>
   </p:cSld>
   <p:clrMapOvr>
     <a:masterClrMapping/>
   </p:clrMapOvr>
+  <p:timing>
+    <p:tnLst>
+      <p:par>
+        <p:cTn id="1" dur="indefinite" restart="never" nodeType="tmRoot"/>
+      </p:par>
+    </p:tnLst>
+  </p:timing>
 </p:sld>
 </file>
 
-<file path=ppt/slides/slide20.xml><?xml version="1.0" encoding="utf-8"?>
+<file path=ppt/slides/slide24.xml><?xml version="1.0" encoding="utf-8"?>
+<p:sld xmlns:a="http://schemas.openxmlformats.org/drawingml/2006/main" xmlns:r="http://schemas.openxmlformats.org/officeDocument/2006/relationships" xmlns:p="http://schemas.openxmlformats.org/presentationml/2006/main">
+  <p:cSld>
+    <p:spTree>
+      <p:nvGrpSpPr>
+        <p:cNvPr id="1" name=""/>
+        <p:cNvGrpSpPr/>
+        <p:nvPr/>
+      </p:nvGrpSpPr>
+      <p:grpSpPr>
+        <a:xfrm>
+          <a:off x="0" y="0"/>
+          <a:ext cx="0" cy="0"/>
+          <a:chOff x="0" y="0"/>
+          <a:chExt cx="0" cy="0"/>
+        </a:xfrm>
+      </p:grpSpPr>
+      <p:sp>
+        <p:nvSpPr>
+          <p:cNvPr id="2" name="Title 1">
+            <a:extLst>
+              <a:ext uri="{FF2B5EF4-FFF2-40B4-BE49-F238E27FC236}">
+                <a16:creationId xmlns:a16="http://schemas.microsoft.com/office/drawing/2014/main" id="{DA1F0D16-91DD-4511-B780-BE7FA7C19075}"/>
+              </a:ext>
+            </a:extLst>
+          </p:cNvPr>
+          <p:cNvSpPr>
+            <a:spLocks noGrp="1"/>
+          </p:cNvSpPr>
+          <p:nvPr>
+            <p:ph type="title"/>
+          </p:nvPr>
+        </p:nvSpPr>
+        <p:spPr/>
+        <p:txBody>
+          <a:bodyPr/>
+          <a:lstStyle/>
+          <a:p>
+            <a:r>
+              <a:rPr lang="en-US" dirty="0"/>
+              <a:t>Constructors: Part of the Interface</a:t>
+            </a:r>
+          </a:p>
+        </p:txBody>
+      </p:sp>
+      <p:sp>
+        <p:nvSpPr>
+          <p:cNvPr id="3" name="Content Placeholder 2">
+            <a:extLst>
+              <a:ext uri="{FF2B5EF4-FFF2-40B4-BE49-F238E27FC236}">
+                <a16:creationId xmlns:a16="http://schemas.microsoft.com/office/drawing/2014/main" id="{EDA06314-4637-4537-AE40-0D009661E7F9}"/>
+              </a:ext>
+            </a:extLst>
+          </p:cNvPr>
+          <p:cNvSpPr>
+            <a:spLocks noGrp="1"/>
+          </p:cNvSpPr>
+          <p:nvPr>
+            <p:ph idx="1"/>
+          </p:nvPr>
+        </p:nvSpPr>
+        <p:spPr>
+          <a:xfrm>
+            <a:off x="227013" y="1371600"/>
+            <a:ext cx="11734800" cy="880414"/>
+          </a:xfrm>
+        </p:spPr>
+        <p:txBody>
+          <a:bodyPr/>
+          <a:lstStyle/>
+          <a:p>
+            <a:r>
+              <a:rPr lang="en-US" dirty="0"/>
+              <a:t>Non-default constructors should be planned in UML</a:t>
+            </a:r>
+          </a:p>
+        </p:txBody>
+      </p:sp>
+      <p:sp>
+        <p:nvSpPr>
+          <p:cNvPr id="4" name="Footer Placeholder 3">
+            <a:extLst>
+              <a:ext uri="{FF2B5EF4-FFF2-40B4-BE49-F238E27FC236}">
+                <a16:creationId xmlns:a16="http://schemas.microsoft.com/office/drawing/2014/main" id="{B91F9C59-7A5E-4B37-A297-C006D10CC002}"/>
+              </a:ext>
+            </a:extLst>
+          </p:cNvPr>
+          <p:cNvSpPr>
+            <a:spLocks noGrp="1"/>
+          </p:cNvSpPr>
+          <p:nvPr>
+            <p:ph type="ftr" sz="quarter" idx="11"/>
+          </p:nvPr>
+        </p:nvSpPr>
+        <p:spPr/>
+        <p:txBody>
+          <a:bodyPr/>
+          <a:lstStyle/>
+          <a:p>
+            <a:r>
+              <a:rPr lang="en-US"/>
+              <a:t>CSCI 1301</a:t>
+            </a:r>
+          </a:p>
+        </p:txBody>
+      </p:sp>
+      <p:sp>
+        <p:nvSpPr>
+          <p:cNvPr id="8" name="Rectangle 7">
+            <a:extLst>
+              <a:ext uri="{FF2B5EF4-FFF2-40B4-BE49-F238E27FC236}">
+                <a16:creationId xmlns:a16="http://schemas.microsoft.com/office/drawing/2014/main" id="{59CC17E4-4FB2-45E4-9E8E-A42BF8EEA954}"/>
+              </a:ext>
+            </a:extLst>
+          </p:cNvPr>
+          <p:cNvSpPr/>
+          <p:nvPr/>
+        </p:nvSpPr>
+        <p:spPr>
+          <a:xfrm>
+            <a:off x="1598611" y="2209800"/>
+            <a:ext cx="9220200" cy="3494900"/>
+          </a:xfrm>
+          <a:prstGeom prst="rect">
+            <a:avLst/>
+          </a:prstGeom>
+          <a:solidFill>
+            <a:schemeClr val="accent1">
+              <a:lumMod val="60000"/>
+              <a:lumOff val="40000"/>
+            </a:schemeClr>
+          </a:solidFill>
+          <a:ln>
+            <a:solidFill>
+              <a:srgbClr val="085091"/>
+            </a:solidFill>
+          </a:ln>
+        </p:spPr>
+        <p:style>
+          <a:lnRef idx="2">
+            <a:schemeClr val="accent1">
+              <a:shade val="50000"/>
+            </a:schemeClr>
+          </a:lnRef>
+          <a:fillRef idx="1">
+            <a:schemeClr val="accent1"/>
+          </a:fillRef>
+          <a:effectRef idx="0">
+            <a:schemeClr val="accent1"/>
+          </a:effectRef>
+          <a:fontRef idx="minor">
+            <a:schemeClr val="lt1"/>
+          </a:fontRef>
+        </p:style>
+        <p:txBody>
+          <a:bodyPr rtlCol="0" anchor="t"/>
+          <a:lstStyle/>
+          <a:p>
+            <a:pPr algn="ctr"/>
+            <a:r>
+              <a:rPr lang="en-US" sz="2800" b="1" dirty="0" err="1"/>
+              <a:t>ClassRoom</a:t>
+            </a:r>
+            <a:endParaRPr lang="en-US" sz="2800" b="1" dirty="0"/>
+          </a:p>
+        </p:txBody>
+      </p:sp>
+      <p:cxnSp>
+        <p:nvCxnSpPr>
+          <p:cNvPr id="9" name="Straight Connector 8">
+            <a:extLst>
+              <a:ext uri="{FF2B5EF4-FFF2-40B4-BE49-F238E27FC236}">
+                <a16:creationId xmlns:a16="http://schemas.microsoft.com/office/drawing/2014/main" id="{E11429F3-BBDC-48F6-B48B-FCC8D8E4A2EE}"/>
+              </a:ext>
+            </a:extLst>
+          </p:cNvPr>
+          <p:cNvCxnSpPr>
+            <a:cxnSpLocks/>
+          </p:cNvCxnSpPr>
+          <p:nvPr/>
+        </p:nvCxnSpPr>
+        <p:spPr>
+          <a:xfrm>
+            <a:off x="1598611" y="2751263"/>
+            <a:ext cx="9220200" cy="0"/>
+          </a:xfrm>
+          <a:prstGeom prst="line">
+            <a:avLst/>
+          </a:prstGeom>
+          <a:ln>
+            <a:solidFill>
+              <a:srgbClr val="085091"/>
+            </a:solidFill>
+          </a:ln>
+        </p:spPr>
+        <p:style>
+          <a:lnRef idx="2">
+            <a:schemeClr val="accent1"/>
+          </a:lnRef>
+          <a:fillRef idx="0">
+            <a:schemeClr val="accent1"/>
+          </a:fillRef>
+          <a:effectRef idx="1">
+            <a:schemeClr val="accent1"/>
+          </a:effectRef>
+          <a:fontRef idx="minor">
+            <a:schemeClr val="tx1"/>
+          </a:fontRef>
+        </p:style>
+      </p:cxnSp>
+      <p:sp>
+        <p:nvSpPr>
+          <p:cNvPr id="10" name="TextBox 9">
+            <a:extLst>
+              <a:ext uri="{FF2B5EF4-FFF2-40B4-BE49-F238E27FC236}">
+                <a16:creationId xmlns:a16="http://schemas.microsoft.com/office/drawing/2014/main" id="{35CE8174-F266-457C-A0EE-A6A6EDC5E235}"/>
+              </a:ext>
+            </a:extLst>
+          </p:cNvPr>
+          <p:cNvSpPr txBox="1"/>
+          <p:nvPr/>
+        </p:nvSpPr>
+        <p:spPr>
+          <a:xfrm>
+            <a:off x="1598611" y="2771096"/>
+            <a:ext cx="3977447" cy="830997"/>
+          </a:xfrm>
+          <a:prstGeom prst="rect">
+            <a:avLst/>
+          </a:prstGeom>
+          <a:noFill/>
+        </p:spPr>
+        <p:txBody>
+          <a:bodyPr wrap="square" rtlCol="0">
+            <a:spAutoFit/>
+          </a:bodyPr>
+          <a:lstStyle/>
+          <a:p>
+            <a:r>
+              <a:rPr lang="en-US" dirty="0"/>
+              <a:t>– building: string</a:t>
+            </a:r>
+          </a:p>
+          <a:p>
+            <a:r>
+              <a:rPr lang="en-US" dirty="0"/>
+              <a:t>– number: int</a:t>
+            </a:r>
+          </a:p>
+        </p:txBody>
+      </p:sp>
+      <p:sp>
+        <p:nvSpPr>
+          <p:cNvPr id="11" name="TextBox 10">
+            <a:extLst>
+              <a:ext uri="{FF2B5EF4-FFF2-40B4-BE49-F238E27FC236}">
+                <a16:creationId xmlns:a16="http://schemas.microsoft.com/office/drawing/2014/main" id="{F04E4EE0-39E9-4EED-8D24-25D20D819491}"/>
+              </a:ext>
+            </a:extLst>
+          </p:cNvPr>
+          <p:cNvSpPr txBox="1"/>
+          <p:nvPr/>
+        </p:nvSpPr>
+        <p:spPr>
+          <a:xfrm>
+            <a:off x="1598611" y="3695696"/>
+            <a:ext cx="9296400" cy="1938992"/>
+          </a:xfrm>
+          <a:prstGeom prst="rect">
+            <a:avLst/>
+          </a:prstGeom>
+          <a:noFill/>
+        </p:spPr>
+        <p:txBody>
+          <a:bodyPr wrap="square" rtlCol="0">
+            <a:spAutoFit/>
+          </a:bodyPr>
+          <a:lstStyle/>
+          <a:p>
+            <a:r>
+              <a:rPr lang="en-US" dirty="0"/>
+              <a:t>+ « constructor » </a:t>
+            </a:r>
+            <a:r>
+              <a:rPr lang="en-US" dirty="0" err="1"/>
+              <a:t>ClassRoom</a:t>
+            </a:r>
+            <a:r>
+              <a:rPr lang="en-US" dirty="0"/>
+              <a:t>(</a:t>
+            </a:r>
+            <a:r>
+              <a:rPr lang="en-US" dirty="0" err="1"/>
+              <a:t>buildingParam</a:t>
+            </a:r>
+            <a:r>
+              <a:rPr lang="en-US" dirty="0"/>
+              <a:t>: string, </a:t>
+            </a:r>
+            <a:r>
+              <a:rPr lang="en-US" dirty="0" err="1"/>
+              <a:t>numberParam</a:t>
+            </a:r>
+            <a:r>
+              <a:rPr lang="en-US" dirty="0"/>
+              <a:t>: int)</a:t>
+            </a:r>
+          </a:p>
+          <a:p>
+            <a:r>
+              <a:rPr lang="en-US" dirty="0"/>
+              <a:t>+ </a:t>
+            </a:r>
+            <a:r>
+              <a:rPr lang="en-US" dirty="0" err="1"/>
+              <a:t>SetBuilding</a:t>
+            </a:r>
+            <a:r>
+              <a:rPr lang="en-US" dirty="0"/>
+              <a:t>(</a:t>
+            </a:r>
+            <a:r>
+              <a:rPr lang="en-US" dirty="0" err="1"/>
+              <a:t>buildingParam</a:t>
+            </a:r>
+            <a:r>
+              <a:rPr lang="en-US" dirty="0"/>
+              <a:t>: string)</a:t>
+            </a:r>
+          </a:p>
+          <a:p>
+            <a:r>
+              <a:rPr lang="en-US" dirty="0"/>
+              <a:t>+ </a:t>
+            </a:r>
+            <a:r>
+              <a:rPr lang="en-US" dirty="0" err="1"/>
+              <a:t>GetBuilding</a:t>
+            </a:r>
+            <a:r>
+              <a:rPr lang="en-US" dirty="0"/>
+              <a:t>() : string</a:t>
+            </a:r>
+          </a:p>
+          <a:p>
+            <a:r>
+              <a:rPr lang="en-US" dirty="0"/>
+              <a:t>+ </a:t>
+            </a:r>
+            <a:r>
+              <a:rPr lang="en-US" dirty="0" err="1"/>
+              <a:t>SetNumber</a:t>
+            </a:r>
+            <a:r>
+              <a:rPr lang="en-US" dirty="0"/>
+              <a:t>(</a:t>
+            </a:r>
+            <a:r>
+              <a:rPr lang="en-US" dirty="0" err="1"/>
+              <a:t>numberParam</a:t>
+            </a:r>
+            <a:r>
+              <a:rPr lang="en-US" dirty="0"/>
+              <a:t>: int)</a:t>
+            </a:r>
+          </a:p>
+          <a:p>
+            <a:r>
+              <a:rPr lang="en-US" dirty="0"/>
+              <a:t>+ </a:t>
+            </a:r>
+            <a:r>
+              <a:rPr lang="en-US" dirty="0" err="1"/>
+              <a:t>GetNumber</a:t>
+            </a:r>
+            <a:r>
+              <a:rPr lang="en-US" dirty="0"/>
+              <a:t>() : int</a:t>
+            </a:r>
+          </a:p>
+        </p:txBody>
+      </p:sp>
+      <p:cxnSp>
+        <p:nvCxnSpPr>
+          <p:cNvPr id="12" name="Straight Connector 11">
+            <a:extLst>
+              <a:ext uri="{FF2B5EF4-FFF2-40B4-BE49-F238E27FC236}">
+                <a16:creationId xmlns:a16="http://schemas.microsoft.com/office/drawing/2014/main" id="{2BD0AE0E-7FAA-4B36-A3A5-E985573F2F54}"/>
+              </a:ext>
+            </a:extLst>
+          </p:cNvPr>
+          <p:cNvCxnSpPr>
+            <a:cxnSpLocks/>
+          </p:cNvCxnSpPr>
+          <p:nvPr/>
+        </p:nvCxnSpPr>
+        <p:spPr>
+          <a:xfrm>
+            <a:off x="1598611" y="3657591"/>
+            <a:ext cx="9220200" cy="0"/>
+          </a:xfrm>
+          <a:prstGeom prst="line">
+            <a:avLst/>
+          </a:prstGeom>
+          <a:ln>
+            <a:solidFill>
+              <a:srgbClr val="085091"/>
+            </a:solidFill>
+          </a:ln>
+        </p:spPr>
+        <p:style>
+          <a:lnRef idx="2">
+            <a:schemeClr val="accent1"/>
+          </a:lnRef>
+          <a:fillRef idx="0">
+            <a:schemeClr val="accent1"/>
+          </a:fillRef>
+          <a:effectRef idx="1">
+            <a:schemeClr val="accent1"/>
+          </a:effectRef>
+          <a:fontRef idx="minor">
+            <a:schemeClr val="tx1"/>
+          </a:fontRef>
+        </p:style>
+      </p:cxnSp>
+      <p:sp>
+        <p:nvSpPr>
+          <p:cNvPr id="16" name="TextBox 15">
+            <a:extLst>
+              <a:ext uri="{FF2B5EF4-FFF2-40B4-BE49-F238E27FC236}">
+                <a16:creationId xmlns:a16="http://schemas.microsoft.com/office/drawing/2014/main" id="{A92574E2-72A7-4ABD-9889-594F732D7223}"/>
+              </a:ext>
+            </a:extLst>
+          </p:cNvPr>
+          <p:cNvSpPr txBox="1"/>
+          <p:nvPr/>
+        </p:nvSpPr>
+        <p:spPr>
+          <a:xfrm>
+            <a:off x="9542461" y="4527779"/>
+            <a:ext cx="2362200" cy="1219200"/>
+          </a:xfrm>
+          <a:prstGeom prst="rect">
+            <a:avLst/>
+          </a:prstGeom>
+          <a:noFill/>
+        </p:spPr>
+        <p:txBody>
+          <a:bodyPr wrap="square" rtlCol="0">
+            <a:spAutoFit/>
+          </a:bodyPr>
+          <a:lstStyle/>
+          <a:p>
+            <a:r>
+              <a:rPr lang="en-US" dirty="0"/>
+              <a:t>No return type; </a:t>
+            </a:r>
+            <a:r>
+              <a:rPr lang="en-US" dirty="0" err="1"/>
+              <a:t>ClassRoom</a:t>
+            </a:r>
+            <a:r>
+              <a:rPr lang="en-US" dirty="0"/>
+              <a:t> is the return type</a:t>
+            </a:r>
+          </a:p>
+        </p:txBody>
+      </p:sp>
+      <p:cxnSp>
+        <p:nvCxnSpPr>
+          <p:cNvPr id="22" name="Straight Arrow Connector 21">
+            <a:extLst>
+              <a:ext uri="{FF2B5EF4-FFF2-40B4-BE49-F238E27FC236}">
+                <a16:creationId xmlns:a16="http://schemas.microsoft.com/office/drawing/2014/main" id="{2B56A2D9-FB87-4E91-8D77-7EDCE28E690E}"/>
+              </a:ext>
+            </a:extLst>
+          </p:cNvPr>
+          <p:cNvCxnSpPr>
+            <a:cxnSpLocks/>
+          </p:cNvCxnSpPr>
+          <p:nvPr/>
+        </p:nvCxnSpPr>
+        <p:spPr>
+          <a:xfrm flipH="1" flipV="1">
+            <a:off x="10780711" y="4059301"/>
+            <a:ext cx="190501" cy="542723"/>
+          </a:xfrm>
+          <a:prstGeom prst="straightConnector1">
+            <a:avLst/>
+          </a:prstGeom>
+          <a:ln>
+            <a:tailEnd type="triangle"/>
+          </a:ln>
+        </p:spPr>
+        <p:style>
+          <a:lnRef idx="2">
+            <a:schemeClr val="accent6"/>
+          </a:lnRef>
+          <a:fillRef idx="0">
+            <a:schemeClr val="accent6"/>
+          </a:fillRef>
+          <a:effectRef idx="1">
+            <a:schemeClr val="accent6"/>
+          </a:effectRef>
+          <a:fontRef idx="minor">
+            <a:schemeClr val="tx1"/>
+          </a:fontRef>
+        </p:style>
+      </p:cxnSp>
+      <p:sp>
+        <p:nvSpPr>
+          <p:cNvPr id="32" name="TextBox 31">
+            <a:extLst>
+              <a:ext uri="{FF2B5EF4-FFF2-40B4-BE49-F238E27FC236}">
+                <a16:creationId xmlns:a16="http://schemas.microsoft.com/office/drawing/2014/main" id="{7A156715-7F70-430A-940E-2A58D39350DF}"/>
+              </a:ext>
+            </a:extLst>
+          </p:cNvPr>
+          <p:cNvSpPr txBox="1"/>
+          <p:nvPr/>
+        </p:nvSpPr>
+        <p:spPr>
+          <a:xfrm>
+            <a:off x="684212" y="5712766"/>
+            <a:ext cx="5947462" cy="461665"/>
+          </a:xfrm>
+          <a:prstGeom prst="rect">
+            <a:avLst/>
+          </a:prstGeom>
+          <a:noFill/>
+        </p:spPr>
+        <p:txBody>
+          <a:bodyPr wrap="none" rtlCol="0">
+            <a:spAutoFit/>
+          </a:bodyPr>
+          <a:lstStyle/>
+          <a:p>
+            <a:r>
+              <a:rPr lang="en-US" dirty="0"/>
+              <a:t>Constructor annotation; not really necessary</a:t>
+            </a:r>
+          </a:p>
+        </p:txBody>
+      </p:sp>
+      <p:cxnSp>
+        <p:nvCxnSpPr>
+          <p:cNvPr id="34" name="Straight Arrow Connector 33">
+            <a:extLst>
+              <a:ext uri="{FF2B5EF4-FFF2-40B4-BE49-F238E27FC236}">
+                <a16:creationId xmlns:a16="http://schemas.microsoft.com/office/drawing/2014/main" id="{65D93356-9D63-4FE2-8B88-E0DAB30F9D8E}"/>
+              </a:ext>
+            </a:extLst>
+          </p:cNvPr>
+          <p:cNvCxnSpPr/>
+          <p:nvPr/>
+        </p:nvCxnSpPr>
+        <p:spPr>
+          <a:xfrm flipV="1">
+            <a:off x="912813" y="4059301"/>
+            <a:ext cx="1066799" cy="1734884"/>
+          </a:xfrm>
+          <a:prstGeom prst="straightConnector1">
+            <a:avLst/>
+          </a:prstGeom>
+          <a:ln>
+            <a:tailEnd type="triangle"/>
+          </a:ln>
+        </p:spPr>
+        <p:style>
+          <a:lnRef idx="2">
+            <a:schemeClr val="accent6"/>
+          </a:lnRef>
+          <a:fillRef idx="0">
+            <a:schemeClr val="accent6"/>
+          </a:fillRef>
+          <a:effectRef idx="1">
+            <a:schemeClr val="accent6"/>
+          </a:effectRef>
+          <a:fontRef idx="minor">
+            <a:schemeClr val="tx1"/>
+          </a:fontRef>
+        </p:style>
+      </p:cxnSp>
+    </p:spTree>
+    <p:extLst>
+      <p:ext uri="{BB962C8B-B14F-4D97-AF65-F5344CB8AC3E}">
+        <p14:creationId xmlns:p14="http://schemas.microsoft.com/office/powerpoint/2010/main" val="1259676202"/>
+      </p:ext>
+    </p:extLst>
+  </p:cSld>
+  <p:clrMapOvr>
+    <a:masterClrMapping/>
+  </p:clrMapOvr>
+  <p:timing>
+    <p:tnLst>
+      <p:par>
+        <p:cTn id="1" dur="indefinite" restart="never" nodeType="tmRoot"/>
+      </p:par>
+    </p:tnLst>
+  </p:timing>
+</p:sld>
+</file>
+
+<file path=ppt/slides/slide25.xml><?xml version="1.0" encoding="utf-8"?>
 <p:sld xmlns:a="http://schemas.openxmlformats.org/drawingml/2006/main" xmlns:r="http://schemas.openxmlformats.org/officeDocument/2006/relationships" xmlns:p="http://schemas.openxmlformats.org/presentationml/2006/main">
   <p:cSld>
     <p:spTree>
@@ -13749,8 +17023,24 @@
             <a:pPr lvl="1"/>
             <a:r>
               <a:rPr lang="en-US" dirty="0"/>
-              <a:t>Multiple constructors</a:t>
-            </a:r>
+              <a:t>Multiple </a:t>
+            </a:r>
+            <a:r>
+              <a:rPr lang="en-US" dirty="0" smtClean="0"/>
+              <a:t>constructors</a:t>
+            </a:r>
+          </a:p>
+          <a:p>
+            <a:pPr lvl="1"/>
+            <a:r>
+              <a:rPr lang="en-US" dirty="0"/>
+              <a:t>Constructors in </a:t>
+            </a:r>
+            <a:r>
+              <a:rPr lang="en-US" dirty="0" smtClean="0"/>
+              <a:t>UML</a:t>
+            </a:r>
+            <a:endParaRPr lang="en-US" dirty="0"/>
           </a:p>
           <a:p>
             <a:r>
@@ -13798,17 +17088,24 @@
     </p:spTree>
     <p:extLst>
       <p:ext uri="{BB962C8B-B14F-4D97-AF65-F5344CB8AC3E}">
-        <p14:creationId xmlns:p14="http://schemas.microsoft.com/office/powerpoint/2010/main" val="3110335986"/>
+        <p14:creationId xmlns:p14="http://schemas.microsoft.com/office/powerpoint/2010/main" val="3779761720"/>
       </p:ext>
     </p:extLst>
   </p:cSld>
   <p:clrMapOvr>
     <a:masterClrMapping/>
   </p:clrMapOvr>
+  <p:timing>
+    <p:tnLst>
+      <p:par>
+        <p:cTn id="1" dur="indefinite" restart="never" nodeType="tmRoot"/>
+      </p:par>
+    </p:tnLst>
+  </p:timing>
 </p:sld>
 </file>
 
-<file path=ppt/slides/slide21.xml><?xml version="1.0" encoding="utf-8"?>
+<file path=ppt/slides/slide26.xml><?xml version="1.0" encoding="utf-8"?>
 <p:sld xmlns:a="http://schemas.openxmlformats.org/drawingml/2006/main" xmlns:r="http://schemas.openxmlformats.org/officeDocument/2006/relationships" xmlns:p="http://schemas.openxmlformats.org/presentationml/2006/main">
   <p:cSld>
     <p:spTree>
@@ -14450,10 +17747,17 @@
   <p:clrMapOvr>
     <a:masterClrMapping/>
   </p:clrMapOvr>
+  <p:timing>
+    <p:tnLst>
+      <p:par>
+        <p:cTn id="1" dur="indefinite" restart="never" nodeType="tmRoot"/>
+      </p:par>
+    </p:tnLst>
+  </p:timing>
 </p:sld>
 </file>
 
-<file path=ppt/slides/slide22.xml><?xml version="1.0" encoding="utf-8"?>
+<file path=ppt/slides/slide27.xml><?xml version="1.0" encoding="utf-8"?>
 <p:sld xmlns:a="http://schemas.openxmlformats.org/drawingml/2006/main" xmlns:r="http://schemas.openxmlformats.org/officeDocument/2006/relationships" xmlns:p="http://schemas.openxmlformats.org/presentationml/2006/main">
   <p:cSld>
     <p:spTree>
@@ -15322,10 +18626,687 @@
   <p:clrMapOvr>
     <a:masterClrMapping/>
   </p:clrMapOvr>
+  <p:timing>
+    <p:tnLst>
+      <p:par>
+        <p:cTn id="1" dur="indefinite" restart="never" nodeType="tmRoot"/>
+      </p:par>
+    </p:tnLst>
+  </p:timing>
 </p:sld>
 </file>
 
-<file path=ppt/slides/slide23.xml><?xml version="1.0" encoding="utf-8"?>
+<file path=ppt/slides/slide28.xml><?xml version="1.0" encoding="utf-8"?>
+<p:sld xmlns:a="http://schemas.openxmlformats.org/drawingml/2006/main" xmlns:r="http://schemas.openxmlformats.org/officeDocument/2006/relationships" xmlns:p="http://schemas.openxmlformats.org/presentationml/2006/main">
+  <p:cSld>
+    <p:spTree>
+      <p:nvGrpSpPr>
+        <p:cNvPr id="1" name=""/>
+        <p:cNvGrpSpPr/>
+        <p:nvPr/>
+      </p:nvGrpSpPr>
+      <p:grpSpPr>
+        <a:xfrm>
+          <a:off x="0" y="0"/>
+          <a:ext cx="0" cy="0"/>
+          <a:chOff x="0" y="0"/>
+          <a:chExt cx="0" cy="0"/>
+        </a:xfrm>
+      </p:grpSpPr>
+      <p:sp>
+        <p:nvSpPr>
+          <p:cNvPr id="2" name="Title 1">
+            <a:extLst>
+              <a:ext uri="{FF2B5EF4-FFF2-40B4-BE49-F238E27FC236}">
+                <a16:creationId xmlns:a16="http://schemas.microsoft.com/office/drawing/2014/main" id="{DDCE0E82-6A8C-4F2B-A1D6-D3A04237F913}"/>
+              </a:ext>
+            </a:extLst>
+          </p:cNvPr>
+          <p:cNvSpPr>
+            <a:spLocks noGrp="1"/>
+          </p:cNvSpPr>
+          <p:nvPr>
+            <p:ph type="title"/>
+          </p:nvPr>
+        </p:nvSpPr>
+        <p:spPr/>
+        <p:txBody>
+          <a:bodyPr/>
+          <a:lstStyle/>
+          <a:p>
+            <a:r>
+              <a:rPr lang="en-US" dirty="0"/>
+              <a:t>Writing </a:t>
+            </a:r>
+            <a:r>
+              <a:rPr lang="en-US" dirty="0" err="1"/>
+              <a:t>ToString</a:t>
+            </a:r>
+            <a:endParaRPr lang="en-US" dirty="0"/>
+          </a:p>
+        </p:txBody>
+      </p:sp>
+      <p:sp>
+        <p:nvSpPr>
+          <p:cNvPr id="3" name="Content Placeholder 2">
+            <a:extLst>
+              <a:ext uri="{FF2B5EF4-FFF2-40B4-BE49-F238E27FC236}">
+                <a16:creationId xmlns:a16="http://schemas.microsoft.com/office/drawing/2014/main" id="{DE410165-9667-4CBB-9DD6-9D1738C46C2D}"/>
+              </a:ext>
+            </a:extLst>
+          </p:cNvPr>
+          <p:cNvSpPr>
+            <a:spLocks noGrp="1"/>
+          </p:cNvSpPr>
+          <p:nvPr>
+            <p:ph idx="1"/>
+          </p:nvPr>
+        </p:nvSpPr>
+        <p:spPr/>
+        <p:txBody>
+          <a:bodyPr/>
+          <a:lstStyle/>
+          <a:p>
+            <a:r>
+              <a:rPr lang="en-US" dirty="0"/>
+              <a:t>Goal of </a:t>
+            </a:r>
+            <a:r>
+              <a:rPr lang="en-US" dirty="0" err="1"/>
+              <a:t>ToString</a:t>
+            </a:r>
+            <a:r>
+              <a:rPr lang="en-US" dirty="0"/>
+              <a:t>: Produce “human-readable” information</a:t>
+            </a:r>
+          </a:p>
+          <a:p>
+            <a:r>
+              <a:rPr lang="en-US" dirty="0"/>
+              <a:t>Include all attributes of object</a:t>
+            </a:r>
+          </a:p>
+        </p:txBody>
+      </p:sp>
+      <p:sp>
+        <p:nvSpPr>
+          <p:cNvPr id="4" name="Footer Placeholder 3">
+            <a:extLst>
+              <a:ext uri="{FF2B5EF4-FFF2-40B4-BE49-F238E27FC236}">
+                <a16:creationId xmlns:a16="http://schemas.microsoft.com/office/drawing/2014/main" id="{39428454-3EDE-407D-834F-FCBB7BE1FF7C}"/>
+              </a:ext>
+            </a:extLst>
+          </p:cNvPr>
+          <p:cNvSpPr>
+            <a:spLocks noGrp="1"/>
+          </p:cNvSpPr>
+          <p:nvPr>
+            <p:ph type="ftr" sz="quarter" idx="11"/>
+          </p:nvPr>
+        </p:nvSpPr>
+        <p:spPr/>
+        <p:txBody>
+          <a:bodyPr/>
+          <a:lstStyle/>
+          <a:p>
+            <a:r>
+              <a:rPr lang="en-US"/>
+              <a:t>CSCI 1301</a:t>
+            </a:r>
+          </a:p>
+        </p:txBody>
+      </p:sp>
+      <p:sp>
+        <p:nvSpPr>
+          <p:cNvPr id="5" name="TextBox 4">
+            <a:extLst>
+              <a:ext uri="{FF2B5EF4-FFF2-40B4-BE49-F238E27FC236}">
+                <a16:creationId xmlns:a16="http://schemas.microsoft.com/office/drawing/2014/main" id="{8CC66552-ECE8-4B0F-B0F4-0932B5803920}"/>
+              </a:ext>
+            </a:extLst>
+          </p:cNvPr>
+          <p:cNvSpPr txBox="1"/>
+          <p:nvPr/>
+        </p:nvSpPr>
+        <p:spPr>
+          <a:xfrm>
+            <a:off x="379412" y="2895600"/>
+            <a:ext cx="5638800" cy="3129575"/>
+          </a:xfrm>
+          <a:prstGeom prst="rect">
+            <a:avLst/>
+          </a:prstGeom>
+          <a:solidFill>
+            <a:schemeClr val="bg1">
+              <a:lumMod val="85000"/>
+              <a:lumOff val="15000"/>
+            </a:schemeClr>
+          </a:solidFill>
+        </p:spPr>
+        <p:txBody>
+          <a:bodyPr wrap="square" rtlCol="0">
+            <a:spAutoFit/>
+          </a:bodyPr>
+          <a:lstStyle>
+            <a:defPPr>
+              <a:defRPr lang="en-US"/>
+            </a:defPPr>
+            <a:lvl1pPr>
+              <a:lnSpc>
+                <a:spcPct val="113000"/>
+              </a:lnSpc>
+              <a:defRPr sz="2200">
+                <a:solidFill>
+                  <a:srgbClr val="0099FF"/>
+                </a:solidFill>
+                <a:latin typeface="Consolas" panose="020B0609020204030204" pitchFamily="49" charset="0"/>
+              </a:defRPr>
+            </a:lvl1pPr>
+          </a:lstStyle>
+          <a:p>
+            <a:r>
+              <a:rPr lang="en-US" dirty="0"/>
+              <a:t>class </a:t>
+            </a:r>
+            <a:r>
+              <a:rPr lang="en-US" dirty="0" err="1">
+                <a:solidFill>
+                  <a:srgbClr val="66FFCC"/>
+                </a:solidFill>
+              </a:rPr>
+              <a:t>ClassRoom</a:t>
+            </a:r>
+            <a:endParaRPr lang="en-US" dirty="0">
+              <a:solidFill>
+                <a:srgbClr val="66FFCC"/>
+              </a:solidFill>
+            </a:endParaRPr>
+          </a:p>
+          <a:p>
+            <a:r>
+              <a:rPr lang="en-US" dirty="0">
+                <a:solidFill>
+                  <a:schemeClr val="tx1"/>
+                </a:solidFill>
+              </a:rPr>
+              <a:t>{</a:t>
+            </a:r>
+          </a:p>
+          <a:p>
+            <a:pPr>
+              <a:lnSpc>
+                <a:spcPct val="113000"/>
+              </a:lnSpc>
+            </a:pPr>
+            <a:r>
+              <a:rPr lang="en-US" dirty="0">
+                <a:solidFill>
+                  <a:schemeClr val="tx1"/>
+                </a:solidFill>
+              </a:rPr>
+              <a:t>  </a:t>
+            </a:r>
+            <a:r>
+              <a:rPr lang="en-US" dirty="0"/>
+              <a:t>private string</a:t>
+            </a:r>
+            <a:r>
+              <a:rPr lang="en-US" dirty="0">
+                <a:solidFill>
+                  <a:schemeClr val="tx1"/>
+                </a:solidFill>
+              </a:rPr>
+              <a:t> building;</a:t>
+            </a:r>
+          </a:p>
+          <a:p>
+            <a:pPr>
+              <a:lnSpc>
+                <a:spcPct val="113000"/>
+              </a:lnSpc>
+            </a:pPr>
+            <a:r>
+              <a:rPr lang="en-US" dirty="0">
+                <a:solidFill>
+                  <a:schemeClr val="tx1"/>
+                </a:solidFill>
+              </a:rPr>
+              <a:t>  </a:t>
+            </a:r>
+            <a:r>
+              <a:rPr lang="en-US" dirty="0"/>
+              <a:t>private int</a:t>
+            </a:r>
+            <a:r>
+              <a:rPr lang="en-US" dirty="0">
+                <a:solidFill>
+                  <a:schemeClr val="tx1"/>
+                </a:solidFill>
+              </a:rPr>
+              <a:t> number;</a:t>
+            </a:r>
+          </a:p>
+          <a:p>
+            <a:pPr>
+              <a:lnSpc>
+                <a:spcPct val="113000"/>
+              </a:lnSpc>
+            </a:pPr>
+            <a:r>
+              <a:rPr lang="en-US" dirty="0"/>
+              <a:t>  public override string </a:t>
+            </a:r>
+            <a:r>
+              <a:rPr lang="en-US" dirty="0" err="1">
+                <a:solidFill>
+                  <a:srgbClr val="CC9900"/>
+                </a:solidFill>
+              </a:rPr>
+              <a:t>ToString</a:t>
+            </a:r>
+            <a:r>
+              <a:rPr lang="en-US" dirty="0">
+                <a:solidFill>
+                  <a:schemeClr val="tx1"/>
+                </a:solidFill>
+              </a:rPr>
+              <a:t>()</a:t>
+            </a:r>
+          </a:p>
+          <a:p>
+            <a:pPr>
+              <a:lnSpc>
+                <a:spcPct val="113000"/>
+              </a:lnSpc>
+            </a:pPr>
+            <a:r>
+              <a:rPr lang="en-US" dirty="0">
+                <a:solidFill>
+                  <a:schemeClr val="tx1"/>
+                </a:solidFill>
+              </a:rPr>
+              <a:t>  {</a:t>
+            </a:r>
+          </a:p>
+          <a:p>
+            <a:pPr>
+              <a:lnSpc>
+                <a:spcPct val="113000"/>
+              </a:lnSpc>
+            </a:pPr>
+            <a:r>
+              <a:rPr lang="en-US" dirty="0">
+                <a:solidFill>
+                  <a:schemeClr val="tx1"/>
+                </a:solidFill>
+              </a:rPr>
+              <a:t>    </a:t>
+            </a:r>
+            <a:r>
+              <a:rPr lang="en-US" dirty="0">
+                <a:solidFill>
+                  <a:srgbClr val="9900FF"/>
+                </a:solidFill>
+              </a:rPr>
+              <a:t>return</a:t>
+            </a:r>
+            <a:r>
+              <a:rPr lang="en-US" dirty="0">
+                <a:solidFill>
+                  <a:schemeClr val="tx1"/>
+                </a:solidFill>
+              </a:rPr>
+              <a:t> building + </a:t>
+            </a:r>
+            <a:r>
+              <a:rPr lang="en-US" dirty="0">
+                <a:solidFill>
+                  <a:srgbClr val="FF5050"/>
+                </a:solidFill>
+              </a:rPr>
+              <a:t>" "</a:t>
+            </a:r>
+            <a:r>
+              <a:rPr lang="en-US" dirty="0">
+                <a:solidFill>
+                  <a:schemeClr val="tx1"/>
+                </a:solidFill>
+              </a:rPr>
+              <a:t> + number;</a:t>
+            </a:r>
+          </a:p>
+          <a:p>
+            <a:pPr>
+              <a:lnSpc>
+                <a:spcPct val="113000"/>
+              </a:lnSpc>
+            </a:pPr>
+            <a:r>
+              <a:rPr lang="en-US" dirty="0">
+                <a:solidFill>
+                  <a:schemeClr val="tx1"/>
+                </a:solidFill>
+              </a:rPr>
+              <a:t>  }</a:t>
+            </a:r>
+          </a:p>
+        </p:txBody>
+      </p:sp>
+      <p:sp>
+        <p:nvSpPr>
+          <p:cNvPr id="6" name="TextBox 5">
+            <a:extLst>
+              <a:ext uri="{FF2B5EF4-FFF2-40B4-BE49-F238E27FC236}">
+                <a16:creationId xmlns:a16="http://schemas.microsoft.com/office/drawing/2014/main" id="{379622BE-8D66-413D-8281-4BB33ED7D6B9}"/>
+              </a:ext>
+            </a:extLst>
+          </p:cNvPr>
+          <p:cNvSpPr txBox="1"/>
+          <p:nvPr/>
+        </p:nvSpPr>
+        <p:spPr>
+          <a:xfrm>
+            <a:off x="6182702" y="2614049"/>
+            <a:ext cx="5626711" cy="3512115"/>
+          </a:xfrm>
+          <a:prstGeom prst="rect">
+            <a:avLst/>
+          </a:prstGeom>
+          <a:solidFill>
+            <a:schemeClr val="bg1">
+              <a:lumMod val="85000"/>
+              <a:lumOff val="15000"/>
+            </a:schemeClr>
+          </a:solidFill>
+        </p:spPr>
+        <p:txBody>
+          <a:bodyPr wrap="square" rtlCol="0">
+            <a:spAutoFit/>
+          </a:bodyPr>
+          <a:lstStyle>
+            <a:defPPr>
+              <a:defRPr lang="en-US"/>
+            </a:defPPr>
+            <a:lvl1pPr>
+              <a:lnSpc>
+                <a:spcPct val="113000"/>
+              </a:lnSpc>
+              <a:defRPr sz="2200">
+                <a:solidFill>
+                  <a:srgbClr val="0099FF"/>
+                </a:solidFill>
+                <a:latin typeface="Consolas" panose="020B0609020204030204" pitchFamily="49" charset="0"/>
+              </a:defRPr>
+            </a:lvl1pPr>
+          </a:lstStyle>
+          <a:p>
+            <a:r>
+              <a:rPr lang="en-US" dirty="0"/>
+              <a:t>class </a:t>
+            </a:r>
+            <a:r>
+              <a:rPr lang="en-US" dirty="0">
+                <a:solidFill>
+                  <a:srgbClr val="66FFCC"/>
+                </a:solidFill>
+              </a:rPr>
+              <a:t>Rectangle</a:t>
+            </a:r>
+          </a:p>
+          <a:p>
+            <a:r>
+              <a:rPr lang="en-US" dirty="0">
+                <a:solidFill>
+                  <a:schemeClr val="tx1"/>
+                </a:solidFill>
+              </a:rPr>
+              <a:t>{</a:t>
+            </a:r>
+          </a:p>
+          <a:p>
+            <a:pPr>
+              <a:lnSpc>
+                <a:spcPct val="113000"/>
+              </a:lnSpc>
+            </a:pPr>
+            <a:r>
+              <a:rPr lang="en-US" dirty="0">
+                <a:solidFill>
+                  <a:schemeClr val="tx1"/>
+                </a:solidFill>
+              </a:rPr>
+              <a:t>  </a:t>
+            </a:r>
+            <a:r>
+              <a:rPr lang="en-US" dirty="0"/>
+              <a:t>private int</a:t>
+            </a:r>
+            <a:r>
+              <a:rPr lang="en-US" dirty="0">
+                <a:solidFill>
+                  <a:schemeClr val="tx1"/>
+                </a:solidFill>
+              </a:rPr>
+              <a:t> length;</a:t>
+            </a:r>
+          </a:p>
+          <a:p>
+            <a:pPr>
+              <a:lnSpc>
+                <a:spcPct val="113000"/>
+              </a:lnSpc>
+            </a:pPr>
+            <a:r>
+              <a:rPr lang="en-US" dirty="0">
+                <a:solidFill>
+                  <a:schemeClr val="tx1"/>
+                </a:solidFill>
+              </a:rPr>
+              <a:t>  </a:t>
+            </a:r>
+            <a:r>
+              <a:rPr lang="en-US" dirty="0"/>
+              <a:t>private int</a:t>
+            </a:r>
+            <a:r>
+              <a:rPr lang="en-US" dirty="0">
+                <a:solidFill>
+                  <a:schemeClr val="tx1"/>
+                </a:solidFill>
+              </a:rPr>
+              <a:t> width;</a:t>
+            </a:r>
+          </a:p>
+          <a:p>
+            <a:pPr>
+              <a:lnSpc>
+                <a:spcPct val="113000"/>
+              </a:lnSpc>
+            </a:pPr>
+            <a:r>
+              <a:rPr lang="en-US" dirty="0"/>
+              <a:t>  public override string </a:t>
+            </a:r>
+            <a:r>
+              <a:rPr lang="en-US" dirty="0" err="1">
+                <a:solidFill>
+                  <a:srgbClr val="CC9900"/>
+                </a:solidFill>
+              </a:rPr>
+              <a:t>ToString</a:t>
+            </a:r>
+            <a:r>
+              <a:rPr lang="en-US" dirty="0">
+                <a:solidFill>
+                  <a:schemeClr val="tx1"/>
+                </a:solidFill>
+              </a:rPr>
+              <a:t>()</a:t>
+            </a:r>
+          </a:p>
+          <a:p>
+            <a:pPr>
+              <a:lnSpc>
+                <a:spcPct val="113000"/>
+              </a:lnSpc>
+            </a:pPr>
+            <a:r>
+              <a:rPr lang="en-US" dirty="0">
+                <a:solidFill>
+                  <a:schemeClr val="tx1"/>
+                </a:solidFill>
+              </a:rPr>
+              <a:t>  {</a:t>
+            </a:r>
+          </a:p>
+          <a:p>
+            <a:pPr>
+              <a:lnSpc>
+                <a:spcPct val="113000"/>
+              </a:lnSpc>
+            </a:pPr>
+            <a:r>
+              <a:rPr lang="en-US" dirty="0">
+                <a:solidFill>
+                  <a:schemeClr val="tx1"/>
+                </a:solidFill>
+              </a:rPr>
+              <a:t>    </a:t>
+            </a:r>
+            <a:r>
+              <a:rPr lang="en-US" dirty="0">
+                <a:solidFill>
+                  <a:srgbClr val="9900FF"/>
+                </a:solidFill>
+              </a:rPr>
+              <a:t>return</a:t>
+            </a:r>
+            <a:r>
+              <a:rPr lang="en-US" dirty="0">
+                <a:solidFill>
+                  <a:schemeClr val="tx1"/>
+                </a:solidFill>
+              </a:rPr>
+              <a:t> </a:t>
+            </a:r>
+            <a:r>
+              <a:rPr lang="en-US" dirty="0">
+                <a:solidFill>
+                  <a:srgbClr val="FF5050"/>
+                </a:solidFill>
+              </a:rPr>
+              <a:t>$"</a:t>
+            </a:r>
+            <a:r>
+              <a:rPr lang="en-US" dirty="0">
+                <a:solidFill>
+                  <a:srgbClr val="99CCFF"/>
+                </a:solidFill>
+              </a:rPr>
+              <a:t>{length}</a:t>
+            </a:r>
+            <a:r>
+              <a:rPr lang="en-US" dirty="0">
+                <a:solidFill>
+                  <a:srgbClr val="FF5050"/>
+                </a:solidFill>
+              </a:rPr>
+              <a:t> x </a:t>
+            </a:r>
+            <a:r>
+              <a:rPr lang="en-US" dirty="0">
+                <a:solidFill>
+                  <a:srgbClr val="99CCFF"/>
+                </a:solidFill>
+              </a:rPr>
+              <a:t>{width}</a:t>
+            </a:r>
+            <a:r>
+              <a:rPr lang="en-US" dirty="0">
+                <a:solidFill>
+                  <a:srgbClr val="FF5050"/>
+                </a:solidFill>
+              </a:rPr>
+              <a:t>"</a:t>
+            </a:r>
+          </a:p>
+          <a:p>
+            <a:pPr>
+              <a:lnSpc>
+                <a:spcPct val="113000"/>
+              </a:lnSpc>
+            </a:pPr>
+            <a:r>
+              <a:rPr lang="en-US" dirty="0">
+                <a:solidFill>
+                  <a:srgbClr val="FF5050"/>
+                </a:solidFill>
+              </a:rPr>
+              <a:t>      </a:t>
+            </a:r>
+            <a:r>
+              <a:rPr lang="en-US" dirty="0">
+                <a:solidFill>
+                  <a:schemeClr val="tx1"/>
+                </a:solidFill>
+              </a:rPr>
+              <a:t>+</a:t>
+            </a:r>
+            <a:r>
+              <a:rPr lang="en-US" dirty="0">
+                <a:solidFill>
+                  <a:srgbClr val="FF5050"/>
+                </a:solidFill>
+              </a:rPr>
+              <a:t> " rectangle"</a:t>
+            </a:r>
+            <a:r>
+              <a:rPr lang="en-US" dirty="0">
+                <a:solidFill>
+                  <a:schemeClr val="tx1"/>
+                </a:solidFill>
+              </a:rPr>
+              <a:t>;</a:t>
+            </a:r>
+          </a:p>
+          <a:p>
+            <a:pPr>
+              <a:lnSpc>
+                <a:spcPct val="113000"/>
+              </a:lnSpc>
+            </a:pPr>
+            <a:r>
+              <a:rPr lang="en-US" dirty="0">
+                <a:solidFill>
+                  <a:schemeClr val="tx1"/>
+                </a:solidFill>
+              </a:rPr>
+              <a:t>  }</a:t>
+            </a:r>
+          </a:p>
+        </p:txBody>
+      </p:sp>
+    </p:spTree>
+    <p:extLst>
+      <p:ext uri="{BB962C8B-B14F-4D97-AF65-F5344CB8AC3E}">
+        <p14:creationId xmlns:p14="http://schemas.microsoft.com/office/powerpoint/2010/main" val="1788968803"/>
+      </p:ext>
+    </p:extLst>
+  </p:cSld>
+  <p:clrMapOvr>
+    <a:masterClrMapping/>
+  </p:clrMapOvr>
+  <p:timing>
+    <p:tnLst>
+      <p:par>
+        <p:cTn id="1" dur="indefinite" restart="never" nodeType="tmRoot"/>
+      </p:par>
+    </p:tnLst>
+  </p:timing>
+</p:sld>
+</file>
+
+<file path=ppt/slides/slide29.xml><?xml version="1.0" encoding="utf-8"?>
 <p:sld xmlns:a="http://schemas.openxmlformats.org/drawingml/2006/main" xmlns:r="http://schemas.openxmlformats.org/officeDocument/2006/relationships" xmlns:p="http://schemas.openxmlformats.org/presentationml/2006/main">
   <p:cSld>
     <p:spTree>
@@ -15940,6 +19921,142 @@
           </a:p>
         </p:txBody>
       </p:sp>
+      <p:sp>
+        <p:nvSpPr>
+          <p:cNvPr id="6" name="TextBox 5"/>
+          <p:cNvSpPr txBox="1"/>
+          <p:nvPr/>
+        </p:nvSpPr>
+        <p:spPr>
+          <a:xfrm>
+            <a:off x="3351212" y="5950732"/>
+            <a:ext cx="2149948" cy="461665"/>
+          </a:xfrm>
+          <a:prstGeom prst="rect">
+            <a:avLst/>
+          </a:prstGeom>
+          <a:noFill/>
+        </p:spPr>
+        <p:txBody>
+          <a:bodyPr wrap="none" rtlCol="0">
+            <a:spAutoFit/>
+          </a:bodyPr>
+          <a:lstStyle/>
+          <a:p>
+            <a:r>
+              <a:rPr lang="en-US" dirty="0" smtClean="0"/>
+              <a:t>No </a:t>
+            </a:r>
+            <a:r>
+              <a:rPr lang="en-US" dirty="0" smtClean="0">
+                <a:latin typeface="Consolas" panose="020B0609020204030204" pitchFamily="49" charset="0"/>
+              </a:rPr>
+              <a:t>$</a:t>
+            </a:r>
+            <a:r>
+              <a:rPr lang="en-US" dirty="0" smtClean="0"/>
+              <a:t> necessary</a:t>
+            </a:r>
+            <a:endParaRPr lang="en-US" dirty="0"/>
+          </a:p>
+        </p:txBody>
+      </p:sp>
+      <p:cxnSp>
+        <p:nvCxnSpPr>
+          <p:cNvPr id="8" name="Straight Arrow Connector 7"/>
+          <p:cNvCxnSpPr/>
+          <p:nvPr/>
+        </p:nvCxnSpPr>
+        <p:spPr>
+          <a:xfrm flipV="1">
+            <a:off x="3732212" y="5541803"/>
+            <a:ext cx="372828" cy="513225"/>
+          </a:xfrm>
+          <a:prstGeom prst="straightConnector1">
+            <a:avLst/>
+          </a:prstGeom>
+          <a:ln>
+            <a:tailEnd type="triangle"/>
+          </a:ln>
+        </p:spPr>
+        <p:style>
+          <a:lnRef idx="2">
+            <a:schemeClr val="accent6"/>
+          </a:lnRef>
+          <a:fillRef idx="0">
+            <a:schemeClr val="accent6"/>
+          </a:fillRef>
+          <a:effectRef idx="1">
+            <a:schemeClr val="accent6"/>
+          </a:effectRef>
+          <a:fontRef idx="minor">
+            <a:schemeClr val="tx1"/>
+          </a:fontRef>
+        </p:style>
+      </p:cxnSp>
+      <p:sp>
+        <p:nvSpPr>
+          <p:cNvPr id="11" name="TextBox 10"/>
+          <p:cNvSpPr txBox="1"/>
+          <p:nvPr/>
+        </p:nvSpPr>
+        <p:spPr>
+          <a:xfrm>
+            <a:off x="6399212" y="5995787"/>
+            <a:ext cx="2084225" cy="461665"/>
+          </a:xfrm>
+          <a:prstGeom prst="rect">
+            <a:avLst/>
+          </a:prstGeom>
+          <a:noFill/>
+        </p:spPr>
+        <p:txBody>
+          <a:bodyPr wrap="none" rtlCol="0">
+            <a:spAutoFit/>
+          </a:bodyPr>
+          <a:lstStyle/>
+          <a:p>
+            <a:r>
+              <a:rPr lang="en-US" dirty="0" smtClean="0"/>
+              <a:t>Concatenation</a:t>
+            </a:r>
+            <a:endParaRPr lang="en-US" dirty="0"/>
+          </a:p>
+        </p:txBody>
+      </p:sp>
+      <p:cxnSp>
+        <p:nvCxnSpPr>
+          <p:cNvPr id="12" name="Straight Arrow Connector 11"/>
+          <p:cNvCxnSpPr/>
+          <p:nvPr/>
+        </p:nvCxnSpPr>
+        <p:spPr>
+          <a:xfrm flipV="1">
+            <a:off x="7161212" y="5547676"/>
+            <a:ext cx="0" cy="578488"/>
+          </a:xfrm>
+          <a:prstGeom prst="straightConnector1">
+            <a:avLst/>
+          </a:prstGeom>
+          <a:ln>
+            <a:tailEnd type="triangle"/>
+          </a:ln>
+        </p:spPr>
+        <p:style>
+          <a:lnRef idx="2">
+            <a:schemeClr val="accent6"/>
+          </a:lnRef>
+          <a:fillRef idx="0">
+            <a:schemeClr val="accent6"/>
+          </a:fillRef>
+          <a:effectRef idx="1">
+            <a:schemeClr val="accent6"/>
+          </a:effectRef>
+          <a:fontRef idx="minor">
+            <a:schemeClr val="tx1"/>
+          </a:fontRef>
+        </p:style>
+      </p:cxnSp>
     </p:spTree>
     <p:extLst>
       <p:ext uri="{BB962C8B-B14F-4D97-AF65-F5344CB8AC3E}">
@@ -15950,154 +20067,13 @@
   <p:clrMapOvr>
     <a:masterClrMapping/>
   </p:clrMapOvr>
-</p:sld>
-</file>
-
-<file path=ppt/slides/slide24.xml><?xml version="1.0" encoding="utf-8"?>
-<p:sld xmlns:a="http://schemas.openxmlformats.org/drawingml/2006/main" xmlns:r="http://schemas.openxmlformats.org/officeDocument/2006/relationships" xmlns:p="http://schemas.openxmlformats.org/presentationml/2006/main">
-  <p:cSld>
-    <p:spTree>
-      <p:nvGrpSpPr>
-        <p:cNvPr id="1" name=""/>
-        <p:cNvGrpSpPr/>
-        <p:nvPr/>
-      </p:nvGrpSpPr>
-      <p:grpSpPr>
-        <a:xfrm>
-          <a:off x="0" y="0"/>
-          <a:ext cx="0" cy="0"/>
-          <a:chOff x="0" y="0"/>
-          <a:chExt cx="0" cy="0"/>
-        </a:xfrm>
-      </p:grpSpPr>
-      <p:sp>
-        <p:nvSpPr>
-          <p:cNvPr id="2" name="Title 1">
-            <a:extLst>
-              <a:ext uri="{FF2B5EF4-FFF2-40B4-BE49-F238E27FC236}">
-                <a16:creationId xmlns:a16="http://schemas.microsoft.com/office/drawing/2014/main" id="{42F1B814-6282-4075-A22A-DC3ABFDC9ED3}"/>
-              </a:ext>
-            </a:extLst>
-          </p:cNvPr>
-          <p:cNvSpPr>
-            <a:spLocks noGrp="1"/>
-          </p:cNvSpPr>
-          <p:nvPr>
-            <p:ph type="title"/>
-          </p:nvPr>
-        </p:nvSpPr>
-        <p:spPr/>
-        <p:txBody>
-          <a:bodyPr/>
-          <a:lstStyle/>
-          <a:p>
-            <a:r>
-              <a:rPr lang="en-US"/>
-              <a:t>Summary</a:t>
-            </a:r>
-            <a:endParaRPr lang="en-US" dirty="0"/>
-          </a:p>
-        </p:txBody>
-      </p:sp>
-      <p:sp>
-        <p:nvSpPr>
-          <p:cNvPr id="3" name="Content Placeholder 2">
-            <a:extLst>
-              <a:ext uri="{FF2B5EF4-FFF2-40B4-BE49-F238E27FC236}">
-                <a16:creationId xmlns:a16="http://schemas.microsoft.com/office/drawing/2014/main" id="{A21C63A1-E39A-4E80-92B5-E2FCBFF8D55C}"/>
-              </a:ext>
-            </a:extLst>
-          </p:cNvPr>
-          <p:cNvSpPr>
-            <a:spLocks noGrp="1"/>
-          </p:cNvSpPr>
-          <p:nvPr>
-            <p:ph idx="1"/>
-          </p:nvPr>
-        </p:nvSpPr>
-        <p:spPr/>
-        <p:txBody>
-          <a:bodyPr/>
-          <a:lstStyle/>
-          <a:p>
-            <a:r>
-              <a:rPr lang="en-US" dirty="0"/>
-              <a:t>Instance variables and default values</a:t>
-            </a:r>
-          </a:p>
-          <a:p>
-            <a:r>
-              <a:rPr lang="en-US" dirty="0"/>
-              <a:t>Constructors</a:t>
-            </a:r>
-          </a:p>
-          <a:p>
-            <a:pPr lvl="1"/>
-            <a:r>
-              <a:rPr lang="en-US" dirty="0"/>
-              <a:t>Definition and usage</a:t>
-            </a:r>
-          </a:p>
-          <a:p>
-            <a:pPr lvl="1"/>
-            <a:r>
-              <a:rPr lang="en-US" dirty="0"/>
-              <a:t>Multiple constructors</a:t>
-            </a:r>
-          </a:p>
-          <a:p>
-            <a:r>
-              <a:rPr lang="en-US" dirty="0" err="1"/>
-              <a:t>ToString</a:t>
-            </a:r>
-            <a:r>
-              <a:rPr lang="en-US" dirty="0"/>
-              <a:t> Methods</a:t>
-            </a:r>
-          </a:p>
-          <a:p>
-            <a:endParaRPr lang="en-US" dirty="0"/>
-          </a:p>
-        </p:txBody>
-      </p:sp>
-      <p:sp>
-        <p:nvSpPr>
-          <p:cNvPr id="4" name="Footer Placeholder 3">
-            <a:extLst>
-              <a:ext uri="{FF2B5EF4-FFF2-40B4-BE49-F238E27FC236}">
-                <a16:creationId xmlns:a16="http://schemas.microsoft.com/office/drawing/2014/main" id="{C185642E-D901-43E9-B9EC-3B1DBFC4E326}"/>
-              </a:ext>
-            </a:extLst>
-          </p:cNvPr>
-          <p:cNvSpPr>
-            <a:spLocks noGrp="1"/>
-          </p:cNvSpPr>
-          <p:nvPr>
-            <p:ph type="ftr" sz="quarter" idx="11"/>
-          </p:nvPr>
-        </p:nvSpPr>
-        <p:spPr/>
-        <p:txBody>
-          <a:bodyPr/>
-          <a:lstStyle/>
-          <a:p>
-            <a:r>
-              <a:rPr lang="en-US"/>
-              <a:t>CSCI 1301</a:t>
-            </a:r>
-          </a:p>
-        </p:txBody>
-      </p:sp>
-    </p:spTree>
-    <p:extLst>
-      <p:ext uri="{BB962C8B-B14F-4D97-AF65-F5344CB8AC3E}">
-        <p14:creationId xmlns:p14="http://schemas.microsoft.com/office/powerpoint/2010/main" val="2041721998"/>
-      </p:ext>
-    </p:extLst>
-  </p:cSld>
-  <p:clrMapOvr>
-    <a:masterClrMapping/>
-  </p:clrMapOvr>
+  <p:timing>
+    <p:tnLst>
+      <p:par>
+        <p:cTn id="1" dur="indefinite" restart="never" nodeType="tmRoot"/>
+      </p:par>
+    </p:tnLst>
+  </p:timing>
 </p:sld>
 </file>
 
@@ -16935,6 +20911,1347 @@
       <p:bldP spid="7" grpId="0" animBg="1"/>
       <p:bldP spid="8" grpId="0"/>
     </p:bldLst>
+  </p:timing>
+</p:sld>
+</file>
+
+<file path=ppt/slides/slide30.xml><?xml version="1.0" encoding="utf-8"?>
+<p:sld xmlns:a="http://schemas.openxmlformats.org/drawingml/2006/main" xmlns:r="http://schemas.openxmlformats.org/officeDocument/2006/relationships" xmlns:p="http://schemas.openxmlformats.org/presentationml/2006/main">
+  <p:cSld>
+    <p:spTree>
+      <p:nvGrpSpPr>
+        <p:cNvPr id="1" name=""/>
+        <p:cNvGrpSpPr/>
+        <p:nvPr/>
+      </p:nvGrpSpPr>
+      <p:grpSpPr>
+        <a:xfrm>
+          <a:off x="0" y="0"/>
+          <a:ext cx="0" cy="0"/>
+          <a:chOff x="0" y="0"/>
+          <a:chExt cx="0" cy="0"/>
+        </a:xfrm>
+      </p:grpSpPr>
+      <p:sp>
+        <p:nvSpPr>
+          <p:cNvPr id="2" name="Title 1">
+            <a:extLst>
+              <a:ext uri="{FF2B5EF4-FFF2-40B4-BE49-F238E27FC236}">
+                <a16:creationId xmlns:a16="http://schemas.microsoft.com/office/drawing/2014/main" id="{25EACD45-A1B4-427E-93B1-B3E4E57BCCBE}"/>
+              </a:ext>
+            </a:extLst>
+          </p:cNvPr>
+          <p:cNvSpPr>
+            <a:spLocks noGrp="1"/>
+          </p:cNvSpPr>
+          <p:nvPr>
+            <p:ph type="title"/>
+          </p:nvPr>
+        </p:nvSpPr>
+        <p:spPr/>
+        <p:txBody>
+          <a:bodyPr/>
+          <a:lstStyle/>
+          <a:p>
+            <a:r>
+              <a:rPr lang="en-US" dirty="0"/>
+              <a:t>Using </a:t>
+            </a:r>
+            <a:r>
+              <a:rPr lang="en-US" dirty="0" err="1"/>
+              <a:t>ToString</a:t>
+            </a:r>
+            <a:endParaRPr lang="en-US" dirty="0"/>
+          </a:p>
+        </p:txBody>
+      </p:sp>
+      <p:sp>
+        <p:nvSpPr>
+          <p:cNvPr id="3" name="Content Placeholder 2">
+            <a:extLst>
+              <a:ext uri="{FF2B5EF4-FFF2-40B4-BE49-F238E27FC236}">
+                <a16:creationId xmlns:a16="http://schemas.microsoft.com/office/drawing/2014/main" id="{7413F411-9BC0-422F-9A20-51C0AD012DBC}"/>
+              </a:ext>
+            </a:extLst>
+          </p:cNvPr>
+          <p:cNvSpPr>
+            <a:spLocks noGrp="1"/>
+          </p:cNvSpPr>
+          <p:nvPr>
+            <p:ph idx="1"/>
+          </p:nvPr>
+        </p:nvSpPr>
+        <p:spPr/>
+        <p:txBody>
+          <a:bodyPr/>
+          <a:lstStyle/>
+          <a:p>
+            <a:r>
+              <a:rPr lang="en-US" dirty="0"/>
+              <a:t>If written well, makes displaying output much easier</a:t>
+            </a:r>
+          </a:p>
+        </p:txBody>
+      </p:sp>
+      <p:sp>
+        <p:nvSpPr>
+          <p:cNvPr id="4" name="Footer Placeholder 3">
+            <a:extLst>
+              <a:ext uri="{FF2B5EF4-FFF2-40B4-BE49-F238E27FC236}">
+                <a16:creationId xmlns:a16="http://schemas.microsoft.com/office/drawing/2014/main" id="{C264D805-BA9D-48B3-B662-946344A3CDEE}"/>
+              </a:ext>
+            </a:extLst>
+          </p:cNvPr>
+          <p:cNvSpPr>
+            <a:spLocks noGrp="1"/>
+          </p:cNvSpPr>
+          <p:nvPr>
+            <p:ph type="ftr" sz="quarter" idx="11"/>
+          </p:nvPr>
+        </p:nvSpPr>
+        <p:spPr/>
+        <p:txBody>
+          <a:bodyPr/>
+          <a:lstStyle/>
+          <a:p>
+            <a:r>
+              <a:rPr lang="en-US"/>
+              <a:t>CSCI 1301</a:t>
+            </a:r>
+          </a:p>
+        </p:txBody>
+      </p:sp>
+      <p:sp>
+        <p:nvSpPr>
+          <p:cNvPr id="5" name="TextBox 4">
+            <a:extLst>
+              <a:ext uri="{FF2B5EF4-FFF2-40B4-BE49-F238E27FC236}">
+                <a16:creationId xmlns:a16="http://schemas.microsoft.com/office/drawing/2014/main" id="{89F3A553-CE78-43C7-B6AB-6C939C9747AC}"/>
+              </a:ext>
+            </a:extLst>
+          </p:cNvPr>
+          <p:cNvSpPr txBox="1"/>
+          <p:nvPr/>
+        </p:nvSpPr>
+        <p:spPr>
+          <a:xfrm>
+            <a:off x="836612" y="2125407"/>
+            <a:ext cx="8229601" cy="1599412"/>
+          </a:xfrm>
+          <a:prstGeom prst="rect">
+            <a:avLst/>
+          </a:prstGeom>
+          <a:solidFill>
+            <a:schemeClr val="bg1">
+              <a:lumMod val="85000"/>
+              <a:lumOff val="15000"/>
+            </a:schemeClr>
+          </a:solidFill>
+        </p:spPr>
+        <p:txBody>
+          <a:bodyPr wrap="square" rtlCol="0">
+            <a:spAutoFit/>
+          </a:bodyPr>
+          <a:lstStyle>
+            <a:defPPr>
+              <a:defRPr lang="en-US"/>
+            </a:defPPr>
+            <a:lvl1pPr>
+              <a:defRPr sz="2200">
+                <a:solidFill>
+                  <a:srgbClr val="0099FF"/>
+                </a:solidFill>
+                <a:latin typeface="Consolas" panose="020B0609020204030204" pitchFamily="49" charset="0"/>
+              </a:defRPr>
+            </a:lvl1pPr>
+          </a:lstStyle>
+          <a:p>
+            <a:pPr>
+              <a:lnSpc>
+                <a:spcPct val="113000"/>
+              </a:lnSpc>
+            </a:pPr>
+            <a:r>
+              <a:rPr lang="en-US" dirty="0" err="1">
+                <a:solidFill>
+                  <a:srgbClr val="66FFCC"/>
+                </a:solidFill>
+              </a:rPr>
+              <a:t>ClassRoom</a:t>
+            </a:r>
+            <a:r>
+              <a:rPr lang="en-US" dirty="0">
+                <a:solidFill>
+                  <a:schemeClr val="tx1"/>
+                </a:solidFill>
+              </a:rPr>
+              <a:t> </a:t>
+            </a:r>
+            <a:r>
+              <a:rPr lang="en-US" dirty="0" err="1">
+                <a:solidFill>
+                  <a:schemeClr val="tx1"/>
+                </a:solidFill>
+              </a:rPr>
+              <a:t>csci</a:t>
+            </a:r>
+            <a:r>
+              <a:rPr lang="en-US" dirty="0">
+                <a:solidFill>
+                  <a:schemeClr val="tx1"/>
+                </a:solidFill>
+              </a:rPr>
+              <a:t> = </a:t>
+            </a:r>
+            <a:r>
+              <a:rPr lang="en-US" dirty="0"/>
+              <a:t>new</a:t>
+            </a:r>
+            <a:r>
+              <a:rPr lang="en-US" dirty="0">
+                <a:solidFill>
+                  <a:schemeClr val="tx1"/>
+                </a:solidFill>
+              </a:rPr>
+              <a:t> </a:t>
+            </a:r>
+            <a:r>
+              <a:rPr lang="en-US" dirty="0" err="1">
+                <a:solidFill>
+                  <a:srgbClr val="66FFCC"/>
+                </a:solidFill>
+              </a:rPr>
+              <a:t>ClassRoom</a:t>
+            </a:r>
+            <a:r>
+              <a:rPr lang="en-US" dirty="0">
+                <a:solidFill>
+                  <a:schemeClr val="tx1"/>
+                </a:solidFill>
+              </a:rPr>
+              <a:t>(</a:t>
+            </a:r>
+            <a:r>
+              <a:rPr lang="en-US" dirty="0">
+                <a:solidFill>
+                  <a:srgbClr val="FF5050"/>
+                </a:solidFill>
+              </a:rPr>
+              <a:t>"Allgood East"</a:t>
+            </a:r>
+            <a:r>
+              <a:rPr lang="en-US" dirty="0">
+                <a:solidFill>
+                  <a:schemeClr val="tx1"/>
+                </a:solidFill>
+              </a:rPr>
+              <a:t>, </a:t>
+            </a:r>
+            <a:r>
+              <a:rPr lang="en-US" dirty="0">
+                <a:solidFill>
+                  <a:srgbClr val="99CC00"/>
+                </a:solidFill>
+              </a:rPr>
+              <a:t>356</a:t>
+            </a:r>
+            <a:r>
+              <a:rPr lang="en-US" dirty="0">
+                <a:solidFill>
+                  <a:schemeClr val="tx1"/>
+                </a:solidFill>
+              </a:rPr>
+              <a:t>);</a:t>
+            </a:r>
+          </a:p>
+          <a:p>
+            <a:pPr>
+              <a:lnSpc>
+                <a:spcPct val="113000"/>
+              </a:lnSpc>
+            </a:pPr>
+            <a:r>
+              <a:rPr lang="en-US" dirty="0" err="1">
+                <a:solidFill>
+                  <a:srgbClr val="66FFCC"/>
+                </a:solidFill>
+              </a:rPr>
+              <a:t>Console</a:t>
+            </a:r>
+            <a:r>
+              <a:rPr lang="en-US" dirty="0" err="1">
+                <a:solidFill>
+                  <a:schemeClr val="tx1"/>
+                </a:solidFill>
+              </a:rPr>
+              <a:t>.</a:t>
+            </a:r>
+            <a:r>
+              <a:rPr lang="en-US" dirty="0" err="1">
+                <a:solidFill>
+                  <a:srgbClr val="CC9900"/>
+                </a:solidFill>
+              </a:rPr>
+              <a:t>WriteLine</a:t>
+            </a:r>
+            <a:r>
+              <a:rPr lang="en-US" dirty="0">
+                <a:solidFill>
+                  <a:schemeClr val="tx1"/>
+                </a:solidFill>
+              </a:rPr>
+              <a:t>(</a:t>
+            </a:r>
+            <a:r>
+              <a:rPr lang="en-US" dirty="0">
+                <a:solidFill>
+                  <a:srgbClr val="FF5050"/>
+                </a:solidFill>
+              </a:rPr>
+              <a:t>"Your classroom is "</a:t>
+            </a:r>
+          </a:p>
+          <a:p>
+            <a:pPr>
+              <a:lnSpc>
+                <a:spcPct val="113000"/>
+              </a:lnSpc>
+            </a:pPr>
+            <a:r>
+              <a:rPr lang="en-US" dirty="0">
+                <a:solidFill>
+                  <a:srgbClr val="FF5050"/>
+                </a:solidFill>
+              </a:rPr>
+              <a:t>  </a:t>
+            </a:r>
+            <a:r>
+              <a:rPr lang="en-US" dirty="0">
+                <a:solidFill>
+                  <a:schemeClr val="tx1"/>
+                </a:solidFill>
+              </a:rPr>
+              <a:t>+</a:t>
+            </a:r>
+            <a:r>
+              <a:rPr lang="en-US" dirty="0">
+                <a:solidFill>
+                  <a:srgbClr val="FF5050"/>
+                </a:solidFill>
+              </a:rPr>
+              <a:t> $"</a:t>
+            </a:r>
+            <a:r>
+              <a:rPr lang="en-US" dirty="0">
+                <a:solidFill>
+                  <a:srgbClr val="99CCFF"/>
+                </a:solidFill>
+              </a:rPr>
+              <a:t>{</a:t>
+            </a:r>
+            <a:r>
+              <a:rPr lang="en-US" dirty="0" err="1">
+                <a:solidFill>
+                  <a:srgbClr val="99CCFF"/>
+                </a:solidFill>
+              </a:rPr>
+              <a:t>csci.GetBuilding</a:t>
+            </a:r>
+            <a:r>
+              <a:rPr lang="en-US" dirty="0">
+                <a:solidFill>
+                  <a:srgbClr val="99CCFF"/>
+                </a:solidFill>
+              </a:rPr>
+              <a:t>()} {</a:t>
+            </a:r>
+            <a:r>
+              <a:rPr lang="en-US" dirty="0" err="1">
+                <a:solidFill>
+                  <a:srgbClr val="99CCFF"/>
+                </a:solidFill>
+              </a:rPr>
+              <a:t>csci.GetNumber</a:t>
+            </a:r>
+            <a:r>
+              <a:rPr lang="en-US" dirty="0">
+                <a:solidFill>
+                  <a:srgbClr val="99CCFF"/>
+                </a:solidFill>
+              </a:rPr>
+              <a:t>()}</a:t>
+            </a:r>
+            <a:r>
+              <a:rPr lang="en-US" dirty="0">
+                <a:solidFill>
+                  <a:srgbClr val="FF5050"/>
+                </a:solidFill>
+              </a:rPr>
+              <a:t>"</a:t>
+            </a:r>
+            <a:r>
+              <a:rPr lang="en-US" dirty="0">
+                <a:solidFill>
+                  <a:schemeClr val="tx1"/>
+                </a:solidFill>
+              </a:rPr>
+              <a:t>);</a:t>
+            </a:r>
+          </a:p>
+          <a:p>
+            <a:pPr>
+              <a:lnSpc>
+                <a:spcPct val="113000"/>
+              </a:lnSpc>
+            </a:pPr>
+            <a:r>
+              <a:rPr lang="en-US" dirty="0" err="1">
+                <a:solidFill>
+                  <a:srgbClr val="66FFCC"/>
+                </a:solidFill>
+              </a:rPr>
+              <a:t>Console</a:t>
+            </a:r>
+            <a:r>
+              <a:rPr lang="en-US" dirty="0" err="1">
+                <a:solidFill>
+                  <a:schemeClr val="tx1"/>
+                </a:solidFill>
+              </a:rPr>
+              <a:t>.</a:t>
+            </a:r>
+            <a:r>
+              <a:rPr lang="en-US" dirty="0" err="1">
+                <a:solidFill>
+                  <a:srgbClr val="CC9900"/>
+                </a:solidFill>
+              </a:rPr>
+              <a:t>WriteLine</a:t>
+            </a:r>
+            <a:r>
+              <a:rPr lang="en-US" dirty="0">
+                <a:solidFill>
+                  <a:schemeClr val="tx1"/>
+                </a:solidFill>
+              </a:rPr>
+              <a:t>(</a:t>
+            </a:r>
+            <a:r>
+              <a:rPr lang="en-US" dirty="0">
+                <a:solidFill>
+                  <a:srgbClr val="FF5050"/>
+                </a:solidFill>
+              </a:rPr>
+              <a:t>$"Your classroom is </a:t>
+            </a:r>
+            <a:r>
+              <a:rPr lang="en-US" dirty="0">
+                <a:solidFill>
+                  <a:srgbClr val="99CCFF"/>
+                </a:solidFill>
+              </a:rPr>
+              <a:t>{</a:t>
+            </a:r>
+            <a:r>
+              <a:rPr lang="en-US" dirty="0" err="1">
+                <a:solidFill>
+                  <a:srgbClr val="99CCFF"/>
+                </a:solidFill>
+              </a:rPr>
+              <a:t>csci</a:t>
+            </a:r>
+            <a:r>
+              <a:rPr lang="en-US" dirty="0">
+                <a:solidFill>
+                  <a:srgbClr val="99CCFF"/>
+                </a:solidFill>
+              </a:rPr>
+              <a:t>}</a:t>
+            </a:r>
+            <a:r>
+              <a:rPr lang="en-US" dirty="0">
+                <a:solidFill>
+                  <a:srgbClr val="FF5050"/>
+                </a:solidFill>
+              </a:rPr>
+              <a:t>"</a:t>
+            </a:r>
+            <a:r>
+              <a:rPr lang="en-US" dirty="0">
+                <a:solidFill>
+                  <a:schemeClr val="tx1"/>
+                </a:solidFill>
+              </a:rPr>
+              <a:t>);</a:t>
+            </a:r>
+          </a:p>
+        </p:txBody>
+      </p:sp>
+      <p:sp>
+        <p:nvSpPr>
+          <p:cNvPr id="6" name="TextBox 5">
+            <a:extLst>
+              <a:ext uri="{FF2B5EF4-FFF2-40B4-BE49-F238E27FC236}">
+                <a16:creationId xmlns:a16="http://schemas.microsoft.com/office/drawing/2014/main" id="{CA77455A-85FA-4326-89F3-48699BF817E5}"/>
+              </a:ext>
+            </a:extLst>
+          </p:cNvPr>
+          <p:cNvSpPr txBox="1"/>
+          <p:nvPr/>
+        </p:nvSpPr>
+        <p:spPr>
+          <a:xfrm>
+            <a:off x="8221072" y="2514600"/>
+            <a:ext cx="3967753" cy="461665"/>
+          </a:xfrm>
+          <a:prstGeom prst="rect">
+            <a:avLst/>
+          </a:prstGeom>
+          <a:noFill/>
+        </p:spPr>
+        <p:txBody>
+          <a:bodyPr wrap="none" rtlCol="0">
+            <a:spAutoFit/>
+          </a:bodyPr>
+          <a:lstStyle/>
+          <a:p>
+            <a:r>
+              <a:rPr lang="en-US" dirty="0"/>
+              <a:t>Get each attribute separately</a:t>
+            </a:r>
+          </a:p>
+        </p:txBody>
+      </p:sp>
+      <p:cxnSp>
+        <p:nvCxnSpPr>
+          <p:cNvPr id="8" name="Straight Arrow Connector 7">
+            <a:extLst>
+              <a:ext uri="{FF2B5EF4-FFF2-40B4-BE49-F238E27FC236}">
+                <a16:creationId xmlns:a16="http://schemas.microsoft.com/office/drawing/2014/main" id="{10E91530-DB76-4B0B-84BB-25AB6F6BD28D}"/>
+              </a:ext>
+            </a:extLst>
+          </p:cNvPr>
+          <p:cNvCxnSpPr/>
+          <p:nvPr/>
+        </p:nvCxnSpPr>
+        <p:spPr>
+          <a:xfrm flipH="1">
+            <a:off x="7085012" y="2743200"/>
+            <a:ext cx="1143000" cy="181913"/>
+          </a:xfrm>
+          <a:prstGeom prst="straightConnector1">
+            <a:avLst/>
+          </a:prstGeom>
+          <a:ln>
+            <a:tailEnd type="triangle"/>
+          </a:ln>
+        </p:spPr>
+        <p:style>
+          <a:lnRef idx="2">
+            <a:schemeClr val="accent6"/>
+          </a:lnRef>
+          <a:fillRef idx="0">
+            <a:schemeClr val="accent6"/>
+          </a:fillRef>
+          <a:effectRef idx="1">
+            <a:schemeClr val="accent6"/>
+          </a:effectRef>
+          <a:fontRef idx="minor">
+            <a:schemeClr val="tx1"/>
+          </a:fontRef>
+        </p:style>
+      </p:cxnSp>
+      <p:sp>
+        <p:nvSpPr>
+          <p:cNvPr id="9" name="TextBox 8">
+            <a:extLst>
+              <a:ext uri="{FF2B5EF4-FFF2-40B4-BE49-F238E27FC236}">
+                <a16:creationId xmlns:a16="http://schemas.microsoft.com/office/drawing/2014/main" id="{AC04F788-D70F-498C-AA2E-17ADD4FD8C70}"/>
+              </a:ext>
+            </a:extLst>
+          </p:cNvPr>
+          <p:cNvSpPr txBox="1"/>
+          <p:nvPr/>
+        </p:nvSpPr>
+        <p:spPr>
+          <a:xfrm>
+            <a:off x="8334885" y="3259143"/>
+            <a:ext cx="3853940" cy="461665"/>
+          </a:xfrm>
+          <a:prstGeom prst="rect">
+            <a:avLst/>
+          </a:prstGeom>
+          <a:noFill/>
+        </p:spPr>
+        <p:txBody>
+          <a:bodyPr wrap="none" rtlCol="0">
+            <a:spAutoFit/>
+          </a:bodyPr>
+          <a:lstStyle/>
+          <a:p>
+            <a:r>
+              <a:rPr lang="en-US" dirty="0"/>
+              <a:t>Display all attributes at once</a:t>
+            </a:r>
+          </a:p>
+        </p:txBody>
+      </p:sp>
+      <p:cxnSp>
+        <p:nvCxnSpPr>
+          <p:cNvPr id="11" name="Straight Arrow Connector 10">
+            <a:extLst>
+              <a:ext uri="{FF2B5EF4-FFF2-40B4-BE49-F238E27FC236}">
+                <a16:creationId xmlns:a16="http://schemas.microsoft.com/office/drawing/2014/main" id="{3447CD0A-E4FC-4394-9D29-B4CB18BD9B4A}"/>
+              </a:ext>
+            </a:extLst>
+          </p:cNvPr>
+          <p:cNvCxnSpPr/>
+          <p:nvPr/>
+        </p:nvCxnSpPr>
+        <p:spPr>
+          <a:xfrm flipH="1">
+            <a:off x="7694612" y="3518049"/>
+            <a:ext cx="609600" cy="0"/>
+          </a:xfrm>
+          <a:prstGeom prst="straightConnector1">
+            <a:avLst/>
+          </a:prstGeom>
+          <a:ln>
+            <a:tailEnd type="triangle"/>
+          </a:ln>
+        </p:spPr>
+        <p:style>
+          <a:lnRef idx="2">
+            <a:schemeClr val="accent6"/>
+          </a:lnRef>
+          <a:fillRef idx="0">
+            <a:schemeClr val="accent6"/>
+          </a:fillRef>
+          <a:effectRef idx="1">
+            <a:schemeClr val="accent6"/>
+          </a:effectRef>
+          <a:fontRef idx="minor">
+            <a:schemeClr val="tx1"/>
+          </a:fontRef>
+        </p:style>
+      </p:cxnSp>
+      <p:sp>
+        <p:nvSpPr>
+          <p:cNvPr id="12" name="TextBox 11">
+            <a:extLst>
+              <a:ext uri="{FF2B5EF4-FFF2-40B4-BE49-F238E27FC236}">
+                <a16:creationId xmlns:a16="http://schemas.microsoft.com/office/drawing/2014/main" id="{893ACC56-1422-42DC-A351-FAB5F9F9144A}"/>
+              </a:ext>
+            </a:extLst>
+          </p:cNvPr>
+          <p:cNvSpPr txBox="1"/>
+          <p:nvPr/>
+        </p:nvSpPr>
+        <p:spPr>
+          <a:xfrm>
+            <a:off x="836612" y="3927486"/>
+            <a:ext cx="9372601" cy="2364493"/>
+          </a:xfrm>
+          <a:prstGeom prst="rect">
+            <a:avLst/>
+          </a:prstGeom>
+          <a:solidFill>
+            <a:schemeClr val="bg1">
+              <a:lumMod val="85000"/>
+              <a:lumOff val="15000"/>
+            </a:schemeClr>
+          </a:solidFill>
+        </p:spPr>
+        <p:txBody>
+          <a:bodyPr wrap="square" rtlCol="0">
+            <a:spAutoFit/>
+          </a:bodyPr>
+          <a:lstStyle>
+            <a:defPPr>
+              <a:defRPr lang="en-US"/>
+            </a:defPPr>
+            <a:lvl1pPr>
+              <a:defRPr sz="2200">
+                <a:solidFill>
+                  <a:srgbClr val="0099FF"/>
+                </a:solidFill>
+                <a:latin typeface="Consolas" panose="020B0609020204030204" pitchFamily="49" charset="0"/>
+              </a:defRPr>
+            </a:lvl1pPr>
+          </a:lstStyle>
+          <a:p>
+            <a:pPr>
+              <a:lnSpc>
+                <a:spcPct val="113000"/>
+              </a:lnSpc>
+            </a:pPr>
+            <a:r>
+              <a:rPr lang="en-US" dirty="0">
+                <a:solidFill>
+                  <a:srgbClr val="66FFCC"/>
+                </a:solidFill>
+              </a:rPr>
+              <a:t>Rectangle</a:t>
+            </a:r>
+            <a:r>
+              <a:rPr lang="en-US" dirty="0">
+                <a:solidFill>
+                  <a:schemeClr val="tx1"/>
+                </a:solidFill>
+              </a:rPr>
+              <a:t> </a:t>
+            </a:r>
+            <a:r>
+              <a:rPr lang="en-US" dirty="0" err="1">
+                <a:solidFill>
+                  <a:schemeClr val="tx1"/>
+                </a:solidFill>
+              </a:rPr>
+              <a:t>myRect</a:t>
+            </a:r>
+            <a:r>
+              <a:rPr lang="en-US" dirty="0">
+                <a:solidFill>
+                  <a:schemeClr val="tx1"/>
+                </a:solidFill>
+              </a:rPr>
+              <a:t> = </a:t>
+            </a:r>
+            <a:r>
+              <a:rPr lang="en-US" dirty="0"/>
+              <a:t>new</a:t>
+            </a:r>
+            <a:r>
+              <a:rPr lang="en-US" dirty="0">
+                <a:solidFill>
+                  <a:schemeClr val="tx1"/>
+                </a:solidFill>
+              </a:rPr>
+              <a:t> </a:t>
+            </a:r>
+            <a:r>
+              <a:rPr lang="en-US" dirty="0">
+                <a:solidFill>
+                  <a:srgbClr val="66FFCC"/>
+                </a:solidFill>
+              </a:rPr>
+              <a:t>Rectangle</a:t>
+            </a:r>
+            <a:r>
+              <a:rPr lang="en-US" dirty="0">
+                <a:solidFill>
+                  <a:schemeClr val="tx1"/>
+                </a:solidFill>
+              </a:rPr>
+              <a:t>(</a:t>
+            </a:r>
+            <a:r>
+              <a:rPr lang="en-US" dirty="0">
+                <a:solidFill>
+                  <a:srgbClr val="99CC00"/>
+                </a:solidFill>
+              </a:rPr>
+              <a:t>3</a:t>
+            </a:r>
+            <a:r>
+              <a:rPr lang="en-US" dirty="0">
+                <a:solidFill>
+                  <a:schemeClr val="tx1"/>
+                </a:solidFill>
+              </a:rPr>
+              <a:t>,</a:t>
+            </a:r>
+            <a:r>
+              <a:rPr lang="en-US" dirty="0">
+                <a:solidFill>
+                  <a:srgbClr val="99CC00"/>
+                </a:solidFill>
+              </a:rPr>
+              <a:t> 6</a:t>
+            </a:r>
+            <a:r>
+              <a:rPr lang="en-US" dirty="0">
+                <a:solidFill>
+                  <a:schemeClr val="tx1"/>
+                </a:solidFill>
+              </a:rPr>
+              <a:t>);</a:t>
+            </a:r>
+          </a:p>
+          <a:p>
+            <a:pPr>
+              <a:lnSpc>
+                <a:spcPct val="113000"/>
+              </a:lnSpc>
+            </a:pPr>
+            <a:r>
+              <a:rPr lang="en-US" dirty="0" err="1">
+                <a:solidFill>
+                  <a:srgbClr val="66FFCC"/>
+                </a:solidFill>
+              </a:rPr>
+              <a:t>Console</a:t>
+            </a:r>
+            <a:r>
+              <a:rPr lang="en-US" dirty="0" err="1">
+                <a:solidFill>
+                  <a:schemeClr val="tx1"/>
+                </a:solidFill>
+              </a:rPr>
+              <a:t>.</a:t>
+            </a:r>
+            <a:r>
+              <a:rPr lang="en-US" dirty="0" err="1">
+                <a:solidFill>
+                  <a:srgbClr val="CC9900"/>
+                </a:solidFill>
+              </a:rPr>
+              <a:t>WriteLine</a:t>
+            </a:r>
+            <a:r>
+              <a:rPr lang="en-US" dirty="0">
+                <a:solidFill>
+                  <a:schemeClr val="tx1"/>
+                </a:solidFill>
+              </a:rPr>
+              <a:t>(</a:t>
+            </a:r>
+            <a:r>
+              <a:rPr lang="en-US" dirty="0">
+                <a:solidFill>
+                  <a:srgbClr val="FF5050"/>
+                </a:solidFill>
+              </a:rPr>
+              <a:t>"My rectangle has length "</a:t>
+            </a:r>
+          </a:p>
+          <a:p>
+            <a:pPr>
+              <a:lnSpc>
+                <a:spcPct val="113000"/>
+              </a:lnSpc>
+            </a:pPr>
+            <a:r>
+              <a:rPr lang="en-US" dirty="0">
+                <a:solidFill>
+                  <a:srgbClr val="FF5050"/>
+                </a:solidFill>
+              </a:rPr>
+              <a:t>  </a:t>
+            </a:r>
+            <a:r>
+              <a:rPr lang="en-US" dirty="0">
+                <a:solidFill>
+                  <a:schemeClr val="tx1"/>
+                </a:solidFill>
+              </a:rPr>
+              <a:t>+</a:t>
+            </a:r>
+            <a:r>
+              <a:rPr lang="en-US" dirty="0">
+                <a:solidFill>
+                  <a:srgbClr val="FF5050"/>
+                </a:solidFill>
+              </a:rPr>
+              <a:t> $"</a:t>
+            </a:r>
+            <a:r>
+              <a:rPr lang="en-US" dirty="0">
+                <a:solidFill>
+                  <a:srgbClr val="99CCFF"/>
+                </a:solidFill>
+              </a:rPr>
+              <a:t>{</a:t>
+            </a:r>
+            <a:r>
+              <a:rPr lang="en-US" dirty="0" err="1">
+                <a:solidFill>
+                  <a:srgbClr val="99CCFF"/>
+                </a:solidFill>
+              </a:rPr>
+              <a:t>myRect.GetLength</a:t>
+            </a:r>
+            <a:r>
+              <a:rPr lang="en-US" dirty="0">
+                <a:solidFill>
+                  <a:srgbClr val="99CCFF"/>
+                </a:solidFill>
+              </a:rPr>
+              <a:t>()}</a:t>
+            </a:r>
+            <a:r>
+              <a:rPr lang="en-US" dirty="0">
+                <a:solidFill>
+                  <a:srgbClr val="FF5050"/>
+                </a:solidFill>
+              </a:rPr>
+              <a:t> and width </a:t>
+            </a:r>
+            <a:r>
+              <a:rPr lang="en-US" dirty="0">
+                <a:solidFill>
+                  <a:srgbClr val="99CCFF"/>
+                </a:solidFill>
+              </a:rPr>
+              <a:t>{</a:t>
+            </a:r>
+            <a:r>
+              <a:rPr lang="en-US" dirty="0" err="1">
+                <a:solidFill>
+                  <a:srgbClr val="99CCFF"/>
+                </a:solidFill>
+              </a:rPr>
+              <a:t>myRect.GetWidth</a:t>
+            </a:r>
+            <a:r>
+              <a:rPr lang="en-US" dirty="0">
+                <a:solidFill>
+                  <a:srgbClr val="99CCFF"/>
+                </a:solidFill>
+              </a:rPr>
+              <a:t>()}</a:t>
+            </a:r>
+            <a:r>
+              <a:rPr lang="en-US" dirty="0">
+                <a:solidFill>
+                  <a:srgbClr val="FF5050"/>
+                </a:solidFill>
+              </a:rPr>
+              <a:t>"</a:t>
+            </a:r>
+            <a:r>
+              <a:rPr lang="en-US" dirty="0">
+                <a:solidFill>
+                  <a:schemeClr val="tx1"/>
+                </a:solidFill>
+              </a:rPr>
+              <a:t>);</a:t>
+            </a:r>
+          </a:p>
+          <a:p>
+            <a:pPr>
+              <a:lnSpc>
+                <a:spcPct val="113000"/>
+              </a:lnSpc>
+            </a:pPr>
+            <a:r>
+              <a:rPr lang="en-US" dirty="0" err="1">
+                <a:solidFill>
+                  <a:srgbClr val="66FFCC"/>
+                </a:solidFill>
+              </a:rPr>
+              <a:t>Console</a:t>
+            </a:r>
+            <a:r>
+              <a:rPr lang="en-US" dirty="0" err="1">
+                <a:solidFill>
+                  <a:schemeClr val="tx1"/>
+                </a:solidFill>
+              </a:rPr>
+              <a:t>.</a:t>
+            </a:r>
+            <a:r>
+              <a:rPr lang="en-US" dirty="0" err="1">
+                <a:solidFill>
+                  <a:srgbClr val="CC9900"/>
+                </a:solidFill>
+              </a:rPr>
+              <a:t>WriteLine</a:t>
+            </a:r>
+            <a:r>
+              <a:rPr lang="en-US" dirty="0">
+                <a:solidFill>
+                  <a:schemeClr val="tx1"/>
+                </a:solidFill>
+              </a:rPr>
+              <a:t>(</a:t>
+            </a:r>
+            <a:r>
+              <a:rPr lang="en-US" dirty="0">
+                <a:solidFill>
+                  <a:srgbClr val="FF5050"/>
+                </a:solidFill>
+              </a:rPr>
+              <a:t>$"My rectangle is a </a:t>
+            </a:r>
+            <a:r>
+              <a:rPr lang="en-US" dirty="0">
+                <a:solidFill>
+                  <a:srgbClr val="99CCFF"/>
+                </a:solidFill>
+              </a:rPr>
+              <a:t>{</a:t>
+            </a:r>
+            <a:r>
+              <a:rPr lang="en-US" dirty="0" err="1">
+                <a:solidFill>
+                  <a:srgbClr val="99CCFF"/>
+                </a:solidFill>
+              </a:rPr>
+              <a:t>myRect</a:t>
+            </a:r>
+            <a:r>
+              <a:rPr lang="en-US" dirty="0">
+                <a:solidFill>
+                  <a:srgbClr val="99CCFF"/>
+                </a:solidFill>
+              </a:rPr>
+              <a:t>}</a:t>
+            </a:r>
+            <a:r>
+              <a:rPr lang="en-US" dirty="0">
+                <a:solidFill>
+                  <a:srgbClr val="FF5050"/>
+                </a:solidFill>
+              </a:rPr>
+              <a:t>"</a:t>
+            </a:r>
+            <a:r>
+              <a:rPr lang="en-US" dirty="0">
+                <a:solidFill>
+                  <a:schemeClr val="tx1"/>
+                </a:solidFill>
+              </a:rPr>
+              <a:t>);</a:t>
+            </a:r>
+          </a:p>
+          <a:p>
+            <a:pPr>
+              <a:lnSpc>
+                <a:spcPct val="113000"/>
+              </a:lnSpc>
+            </a:pPr>
+            <a:r>
+              <a:rPr lang="en-US" dirty="0" err="1">
+                <a:solidFill>
+                  <a:schemeClr val="tx1"/>
+                </a:solidFill>
+              </a:rPr>
+              <a:t>myRect.</a:t>
+            </a:r>
+            <a:r>
+              <a:rPr lang="en-US" dirty="0" err="1">
+                <a:solidFill>
+                  <a:srgbClr val="CC9900"/>
+                </a:solidFill>
+              </a:rPr>
+              <a:t>MultiplyBoth</a:t>
+            </a:r>
+            <a:r>
+              <a:rPr lang="en-US" dirty="0">
+                <a:solidFill>
+                  <a:schemeClr val="tx1"/>
+                </a:solidFill>
+              </a:rPr>
+              <a:t>(</a:t>
+            </a:r>
+            <a:r>
+              <a:rPr lang="en-US" dirty="0">
+                <a:solidFill>
+                  <a:srgbClr val="99CC00"/>
+                </a:solidFill>
+              </a:rPr>
+              <a:t>3</a:t>
+            </a:r>
+            <a:r>
+              <a:rPr lang="en-US" dirty="0">
+                <a:solidFill>
+                  <a:schemeClr val="tx1"/>
+                </a:solidFill>
+              </a:rPr>
+              <a:t>,</a:t>
+            </a:r>
+            <a:r>
+              <a:rPr lang="en-US" dirty="0">
+                <a:solidFill>
+                  <a:srgbClr val="99CC00"/>
+                </a:solidFill>
+              </a:rPr>
+              <a:t> 5</a:t>
+            </a:r>
+            <a:r>
+              <a:rPr lang="en-US" dirty="0">
+                <a:solidFill>
+                  <a:schemeClr val="tx1"/>
+                </a:solidFill>
+              </a:rPr>
+              <a:t>);</a:t>
+            </a:r>
+          </a:p>
+          <a:p>
+            <a:pPr>
+              <a:lnSpc>
+                <a:spcPct val="113000"/>
+              </a:lnSpc>
+            </a:pPr>
+            <a:r>
+              <a:rPr lang="en-US" dirty="0" err="1">
+                <a:solidFill>
+                  <a:srgbClr val="66FFCC"/>
+                </a:solidFill>
+              </a:rPr>
+              <a:t>Console</a:t>
+            </a:r>
+            <a:r>
+              <a:rPr lang="en-US" dirty="0" err="1">
+                <a:solidFill>
+                  <a:schemeClr val="tx1"/>
+                </a:solidFill>
+              </a:rPr>
+              <a:t>.</a:t>
+            </a:r>
+            <a:r>
+              <a:rPr lang="en-US" dirty="0" err="1">
+                <a:solidFill>
+                  <a:srgbClr val="CC9900"/>
+                </a:solidFill>
+              </a:rPr>
+              <a:t>WriteLine</a:t>
+            </a:r>
+            <a:r>
+              <a:rPr lang="en-US" dirty="0">
+                <a:solidFill>
+                  <a:schemeClr val="tx1"/>
+                </a:solidFill>
+              </a:rPr>
+              <a:t>(</a:t>
+            </a:r>
+            <a:r>
+              <a:rPr lang="en-US" dirty="0">
+                <a:solidFill>
+                  <a:srgbClr val="FF5050"/>
+                </a:solidFill>
+              </a:rPr>
+              <a:t>$"After </a:t>
+            </a:r>
+            <a:r>
+              <a:rPr lang="en-US" dirty="0" err="1">
+                <a:solidFill>
+                  <a:srgbClr val="FF5050"/>
+                </a:solidFill>
+              </a:rPr>
+              <a:t>MultiplyBoth</a:t>
+            </a:r>
+            <a:r>
+              <a:rPr lang="en-US" dirty="0">
+                <a:solidFill>
+                  <a:srgbClr val="FF5050"/>
+                </a:solidFill>
+              </a:rPr>
+              <a:t>: </a:t>
+            </a:r>
+            <a:r>
+              <a:rPr lang="en-US" dirty="0">
+                <a:solidFill>
+                  <a:srgbClr val="99CCFF"/>
+                </a:solidFill>
+              </a:rPr>
+              <a:t>{</a:t>
+            </a:r>
+            <a:r>
+              <a:rPr lang="en-US" dirty="0" err="1">
+                <a:solidFill>
+                  <a:srgbClr val="99CCFF"/>
+                </a:solidFill>
+              </a:rPr>
+              <a:t>myRect</a:t>
+            </a:r>
+            <a:r>
+              <a:rPr lang="en-US" dirty="0">
+                <a:solidFill>
+                  <a:srgbClr val="99CCFF"/>
+                </a:solidFill>
+              </a:rPr>
+              <a:t>}</a:t>
+            </a:r>
+            <a:r>
+              <a:rPr lang="en-US" dirty="0">
+                <a:solidFill>
+                  <a:srgbClr val="FF5050"/>
+                </a:solidFill>
+              </a:rPr>
+              <a:t>"</a:t>
+            </a:r>
+            <a:r>
+              <a:rPr lang="en-US" dirty="0">
+                <a:solidFill>
+                  <a:schemeClr val="tx1"/>
+                </a:solidFill>
+              </a:rPr>
+              <a:t>);</a:t>
+            </a:r>
+          </a:p>
+        </p:txBody>
+      </p:sp>
+      <p:cxnSp>
+        <p:nvCxnSpPr>
+          <p:cNvPr id="14" name="Straight Arrow Connector 13">
+            <a:extLst>
+              <a:ext uri="{FF2B5EF4-FFF2-40B4-BE49-F238E27FC236}">
+                <a16:creationId xmlns:a16="http://schemas.microsoft.com/office/drawing/2014/main" id="{BC2D09FA-47A3-4D2A-BD1C-38E06711CAEF}"/>
+              </a:ext>
+            </a:extLst>
+          </p:cNvPr>
+          <p:cNvCxnSpPr>
+            <a:cxnSpLocks/>
+          </p:cNvCxnSpPr>
+          <p:nvPr/>
+        </p:nvCxnSpPr>
+        <p:spPr>
+          <a:xfrm flipH="1" flipV="1">
+            <a:off x="8075612" y="5334000"/>
+            <a:ext cx="990601" cy="76200"/>
+          </a:xfrm>
+          <a:prstGeom prst="straightConnector1">
+            <a:avLst/>
+          </a:prstGeom>
+          <a:ln>
+            <a:tailEnd type="triangle"/>
+          </a:ln>
+        </p:spPr>
+        <p:style>
+          <a:lnRef idx="2">
+            <a:schemeClr val="accent6"/>
+          </a:lnRef>
+          <a:fillRef idx="0">
+            <a:schemeClr val="accent6"/>
+          </a:fillRef>
+          <a:effectRef idx="1">
+            <a:schemeClr val="accent6"/>
+          </a:effectRef>
+          <a:fontRef idx="minor">
+            <a:schemeClr val="tx1"/>
+          </a:fontRef>
+        </p:style>
+      </p:cxnSp>
+      <p:sp>
+        <p:nvSpPr>
+          <p:cNvPr id="16" name="TextBox 15">
+            <a:extLst>
+              <a:ext uri="{FF2B5EF4-FFF2-40B4-BE49-F238E27FC236}">
+                <a16:creationId xmlns:a16="http://schemas.microsoft.com/office/drawing/2014/main" id="{1064540C-6486-4A7E-8ED2-5C2FB5F746C8}"/>
+              </a:ext>
+            </a:extLst>
+          </p:cNvPr>
+          <p:cNvSpPr txBox="1"/>
+          <p:nvPr/>
+        </p:nvSpPr>
+        <p:spPr>
+          <a:xfrm>
+            <a:off x="8990012" y="5179367"/>
+            <a:ext cx="2403222" cy="461665"/>
+          </a:xfrm>
+          <a:prstGeom prst="rect">
+            <a:avLst/>
+          </a:prstGeom>
+          <a:noFill/>
+        </p:spPr>
+        <p:txBody>
+          <a:bodyPr wrap="none" rtlCol="0">
+            <a:spAutoFit/>
+          </a:bodyPr>
+          <a:lstStyle/>
+          <a:p>
+            <a:r>
+              <a:rPr lang="en-US" dirty="0"/>
+              <a:t>“3 x 6 rectangle”</a:t>
+            </a:r>
+          </a:p>
+        </p:txBody>
+      </p:sp>
+      <p:cxnSp>
+        <p:nvCxnSpPr>
+          <p:cNvPr id="17" name="Straight Arrow Connector 16">
+            <a:extLst>
+              <a:ext uri="{FF2B5EF4-FFF2-40B4-BE49-F238E27FC236}">
+                <a16:creationId xmlns:a16="http://schemas.microsoft.com/office/drawing/2014/main" id="{172F1E77-82A7-4294-B928-C9C53E9CC789}"/>
+              </a:ext>
+            </a:extLst>
+          </p:cNvPr>
+          <p:cNvCxnSpPr>
+            <a:cxnSpLocks/>
+            <a:stCxn id="18" idx="1"/>
+          </p:cNvCxnSpPr>
+          <p:nvPr/>
+        </p:nvCxnSpPr>
+        <p:spPr>
+          <a:xfrm flipH="1">
+            <a:off x="8341702" y="6050874"/>
+            <a:ext cx="876910" cy="31277"/>
+          </a:xfrm>
+          <a:prstGeom prst="straightConnector1">
+            <a:avLst/>
+          </a:prstGeom>
+          <a:ln>
+            <a:tailEnd type="triangle"/>
+          </a:ln>
+        </p:spPr>
+        <p:style>
+          <a:lnRef idx="2">
+            <a:schemeClr val="accent6"/>
+          </a:lnRef>
+          <a:fillRef idx="0">
+            <a:schemeClr val="accent6"/>
+          </a:fillRef>
+          <a:effectRef idx="1">
+            <a:schemeClr val="accent6"/>
+          </a:effectRef>
+          <a:fontRef idx="minor">
+            <a:schemeClr val="tx1"/>
+          </a:fontRef>
+        </p:style>
+      </p:cxnSp>
+      <p:sp>
+        <p:nvSpPr>
+          <p:cNvPr id="18" name="TextBox 17">
+            <a:extLst>
+              <a:ext uri="{FF2B5EF4-FFF2-40B4-BE49-F238E27FC236}">
+                <a16:creationId xmlns:a16="http://schemas.microsoft.com/office/drawing/2014/main" id="{BEBB7289-BAC5-4D29-82C5-F4EB40F305CA}"/>
+              </a:ext>
+            </a:extLst>
+          </p:cNvPr>
+          <p:cNvSpPr txBox="1"/>
+          <p:nvPr/>
+        </p:nvSpPr>
+        <p:spPr>
+          <a:xfrm>
+            <a:off x="9218612" y="5820041"/>
+            <a:ext cx="2569934" cy="461665"/>
+          </a:xfrm>
+          <a:prstGeom prst="rect">
+            <a:avLst/>
+          </a:prstGeom>
+          <a:noFill/>
+        </p:spPr>
+        <p:txBody>
+          <a:bodyPr wrap="none" rtlCol="0">
+            <a:spAutoFit/>
+          </a:bodyPr>
+          <a:lstStyle/>
+          <a:p>
+            <a:r>
+              <a:rPr lang="en-US" dirty="0"/>
+              <a:t>“9 x 30 rectangle”</a:t>
+            </a:r>
+          </a:p>
+        </p:txBody>
+      </p:sp>
+    </p:spTree>
+    <p:extLst>
+      <p:ext uri="{BB962C8B-B14F-4D97-AF65-F5344CB8AC3E}">
+        <p14:creationId xmlns:p14="http://schemas.microsoft.com/office/powerpoint/2010/main" val="14218529"/>
+      </p:ext>
+    </p:extLst>
+  </p:cSld>
+  <p:clrMapOvr>
+    <a:masterClrMapping/>
+  </p:clrMapOvr>
+  <p:timing>
+    <p:tnLst>
+      <p:par>
+        <p:cTn id="1" dur="indefinite" restart="never" nodeType="tmRoot"/>
+      </p:par>
+    </p:tnLst>
   </p:timing>
 </p:sld>
 </file>
@@ -17848,7 +23165,7 @@
               <a:t>() : </a:t>
             </a:r>
             <a:r>
-              <a:rPr lang="en-US" dirty="0" err="1" smtClean="0"/>
+              <a:rPr lang="en-US" dirty="0" err="1"/>
               <a:t>int</a:t>
             </a:r>
             <a:endParaRPr lang="en-US" dirty="0"/>
@@ -20053,8 +25370,20 @@
             <a:pPr lvl="1"/>
             <a:r>
               <a:rPr lang="en-US" dirty="0"/>
-              <a:t>Multiple constructors</a:t>
-            </a:r>
+              <a:t>Multiple </a:t>
+            </a:r>
+            <a:r>
+              <a:rPr lang="en-US" dirty="0" smtClean="0"/>
+              <a:t>constructors</a:t>
+            </a:r>
+          </a:p>
+          <a:p>
+            <a:pPr lvl="1"/>
+            <a:r>
+              <a:rPr lang="en-US" dirty="0" smtClean="0"/>
+              <a:t>Constructors in UML</a:t>
+            </a:r>
+            <a:endParaRPr lang="en-US" dirty="0"/>
           </a:p>
           <a:p>
             <a:r>
